--- a/504_Poster.pptx
+++ b/504_Poster.pptx
@@ -149,6 +149,13 @@
       </p:ext>
     </p:extLst>
   </p:cmAuthor>
+  <p:cmAuthor id="2" name=" " initials="" lastIdx="1" clrIdx="1">
+    <p:extLst>
+      <p:ext uri="{19B8F6BF-5375-455C-9EA6-DF929625EA0E}">
+        <p15:presenceInfo xmlns:p15="http://schemas.microsoft.com/office/powerpoint/2012/main" userId="3fbd80355434b637" providerId="Windows Live"/>
+      </p:ext>
+    </p:extLst>
+  </p:cmAuthor>
 </p:cmAuthorLst>
 </file>
 
@@ -230,7 +237,7 @@
               </a14:hiddenEffects>
             </a:ext>
             <a:ext uri="{FAA26D3D-D897-4be2-8F04-BA451C77F1D7}">
-              <ma14:placeholderFlag xmlns:ma14="http://schemas.microsoft.com/office/mac/drawingml/2011/main" xmlns="" val="1"/>
+              <ma14:placeholderFlag xmlns="" xmlns:ma14="http://schemas.microsoft.com/office/mac/drawingml/2011/main" val="1"/>
             </a:ext>
           </a:extLst>
         </p:spPr>
@@ -288,7 +295,7 @@
               </a14:hiddenEffects>
             </a:ext>
             <a:ext uri="{FAA26D3D-D897-4be2-8F04-BA451C77F1D7}">
-              <ma14:placeholderFlag xmlns:ma14="http://schemas.microsoft.com/office/mac/drawingml/2011/main" xmlns="" val="1"/>
+              <ma14:placeholderFlag xmlns="" xmlns:ma14="http://schemas.microsoft.com/office/mac/drawingml/2011/main" val="1"/>
             </a:ext>
           </a:extLst>
         </p:spPr>
@@ -358,7 +365,7 @@
               </a14:hiddenEffects>
             </a:ext>
             <a:ext uri="{FAA26D3D-D897-4be2-8F04-BA451C77F1D7}">
-              <ma14:placeholderFlag xmlns:ma14="http://schemas.microsoft.com/office/mac/drawingml/2011/main" xmlns="" val="1"/>
+              <ma14:placeholderFlag xmlns="" xmlns:ma14="http://schemas.microsoft.com/office/mac/drawingml/2011/main" val="1"/>
             </a:ext>
           </a:extLst>
         </p:spPr>
@@ -447,7 +454,7 @@
               </a14:hiddenEffects>
             </a:ext>
             <a:ext uri="{FAA26D3D-D897-4be2-8F04-BA451C77F1D7}">
-              <ma14:placeholderFlag xmlns:ma14="http://schemas.microsoft.com/office/mac/drawingml/2011/main" xmlns="" val="1"/>
+              <ma14:placeholderFlag xmlns="" xmlns:ma14="http://schemas.microsoft.com/office/mac/drawingml/2011/main" val="1"/>
             </a:ext>
           </a:extLst>
         </p:spPr>
@@ -536,7 +543,7 @@
               </a14:hiddenEffects>
             </a:ext>
             <a:ext uri="{FAA26D3D-D897-4be2-8F04-BA451C77F1D7}">
-              <ma14:placeholderFlag xmlns:ma14="http://schemas.microsoft.com/office/mac/drawingml/2011/main" xmlns="" val="1"/>
+              <ma14:placeholderFlag xmlns="" xmlns:ma14="http://schemas.microsoft.com/office/mac/drawingml/2011/main" val="1"/>
             </a:ext>
           </a:extLst>
         </p:spPr>
@@ -625,7 +632,7 @@
               </a14:hiddenEffects>
             </a:ext>
             <a:ext uri="{FAA26D3D-D897-4be2-8F04-BA451C77F1D7}">
-              <ma14:placeholderFlag xmlns:ma14="http://schemas.microsoft.com/office/mac/drawingml/2011/main" xmlns="" val="1"/>
+              <ma14:placeholderFlag xmlns="" xmlns:ma14="http://schemas.microsoft.com/office/mac/drawingml/2011/main" val="1"/>
             </a:ext>
           </a:extLst>
         </p:spPr>
@@ -4654,193 +4661,6 @@
           <a:chExt cx="0" cy="0"/>
         </a:xfrm>
       </p:grpSpPr>
-      <p:pic>
-        <p:nvPicPr>
-          <p:cNvPr id="3" name="Picture 2"/>
-          <p:cNvPicPr>
-            <a:picLocks noChangeAspect="1"/>
-          </p:cNvPicPr>
-          <p:nvPr/>
-        </p:nvPicPr>
-        <p:blipFill>
-          <a:blip r:embed="rId3">
-            <a:extLst>
-              <a:ext uri="{28A0092B-C50C-407E-A947-70E740481C1C}">
-                <a14:useLocalDpi xmlns:a14="http://schemas.microsoft.com/office/drawing/2010/main" val="0"/>
-              </a:ext>
-            </a:extLst>
-          </a:blip>
-          <a:stretch>
-            <a:fillRect/>
-          </a:stretch>
-        </p:blipFill>
-        <p:spPr>
-          <a:xfrm>
-            <a:off x="933449" y="718336"/>
-            <a:ext cx="12249151" cy="1190201"/>
-          </a:xfrm>
-          <a:prstGeom prst="rect">
-            <a:avLst/>
-          </a:prstGeom>
-        </p:spPr>
-      </p:pic>
-      <p:sp>
-        <p:nvSpPr>
-          <p:cNvPr id="4" name="TextBox 3"/>
-          <p:cNvSpPr txBox="1"/>
-          <p:nvPr/>
-        </p:nvSpPr>
-        <p:spPr>
-          <a:xfrm>
-            <a:off x="32499300" y="629857"/>
-            <a:ext cx="3222059" cy="707886"/>
-          </a:xfrm>
-          <a:prstGeom prst="rect">
-            <a:avLst/>
-          </a:prstGeom>
-          <a:noFill/>
-        </p:spPr>
-        <p:txBody>
-          <a:bodyPr wrap="square" rtlCol="0">
-            <a:spAutoFit/>
-          </a:bodyPr>
-          <a:lstStyle/>
-          <a:p>
-            <a:r>
-              <a:rPr lang="en-US" sz="4000" dirty="0" err="1">
-                <a:latin typeface="Leelawadee UI Semilight" panose="020B0402040204020203" pitchFamily="34" charset="-34"/>
-                <a:cs typeface="Leelawadee UI Semilight" panose="020B0402040204020203" pitchFamily="34" charset="-34"/>
-              </a:rPr>
-              <a:t>bu.edu</a:t>
-            </a:r>
-            <a:r>
-              <a:rPr lang="en-US" sz="4000" dirty="0">
-                <a:latin typeface="Leelawadee UI Semilight" panose="020B0402040204020203" pitchFamily="34" charset="-34"/>
-                <a:cs typeface="Leelawadee UI Semilight" panose="020B0402040204020203" pitchFamily="34" charset="-34"/>
-              </a:rPr>
-              <a:t>/cs</a:t>
-            </a:r>
-          </a:p>
-        </p:txBody>
-      </p:sp>
-      <p:grpSp>
-        <p:nvGrpSpPr>
-          <p:cNvPr id="6" name="Group 5"/>
-          <p:cNvGrpSpPr/>
-          <p:nvPr/>
-        </p:nvGrpSpPr>
-        <p:grpSpPr>
-          <a:xfrm>
-            <a:off x="28773186" y="25854277"/>
-            <a:ext cx="2461968" cy="1268136"/>
-            <a:chOff x="5222240" y="4864670"/>
-            <a:chExt cx="1767332" cy="910336"/>
-          </a:xfrm>
-        </p:grpSpPr>
-        <p:pic>
-          <p:nvPicPr>
-            <p:cNvPr id="7" name="Picture 6"/>
-            <p:cNvPicPr>
-              <a:picLocks noChangeAspect="1"/>
-            </p:cNvPicPr>
-            <p:nvPr/>
-          </p:nvPicPr>
-          <p:blipFill>
-            <a:blip r:embed="rId4">
-              <a:extLst>
-                <a:ext uri="{28A0092B-C50C-407E-A947-70E740481C1C}">
-                  <a14:useLocalDpi xmlns:a14="http://schemas.microsoft.com/office/drawing/2010/main" val="0"/>
-                </a:ext>
-              </a:extLst>
-            </a:blip>
-            <a:stretch>
-              <a:fillRect/>
-            </a:stretch>
-          </p:blipFill>
-          <p:spPr>
-            <a:xfrm>
-              <a:off x="6319012" y="4986528"/>
-              <a:ext cx="670560" cy="670560"/>
-            </a:xfrm>
-            <a:prstGeom prst="rect">
-              <a:avLst/>
-            </a:prstGeom>
-          </p:spPr>
-        </p:pic>
-        <p:pic>
-          <p:nvPicPr>
-            <p:cNvPr id="8" name="Picture 7"/>
-            <p:cNvPicPr>
-              <a:picLocks noChangeAspect="1"/>
-            </p:cNvPicPr>
-            <p:nvPr/>
-          </p:nvPicPr>
-          <p:blipFill>
-            <a:blip r:embed="rId5">
-              <a:extLst>
-                <a:ext uri="{28A0092B-C50C-407E-A947-70E740481C1C}">
-                  <a14:useLocalDpi xmlns:a14="http://schemas.microsoft.com/office/drawing/2010/main" val="0"/>
-                </a:ext>
-              </a:extLst>
-            </a:blip>
-            <a:stretch>
-              <a:fillRect/>
-            </a:stretch>
-          </p:blipFill>
-          <p:spPr>
-            <a:xfrm>
-              <a:off x="5222240" y="4864670"/>
-              <a:ext cx="910336" cy="910336"/>
-            </a:xfrm>
-            <a:prstGeom prst="rect">
-              <a:avLst/>
-            </a:prstGeom>
-          </p:spPr>
-        </p:pic>
-      </p:grpSp>
-      <p:sp>
-        <p:nvSpPr>
-          <p:cNvPr id="10" name="TextBox 9"/>
-          <p:cNvSpPr txBox="1"/>
-          <p:nvPr/>
-        </p:nvSpPr>
-        <p:spPr>
-          <a:xfrm>
-            <a:off x="31494868" y="25984200"/>
-            <a:ext cx="4226491" cy="830997"/>
-          </a:xfrm>
-          <a:prstGeom prst="rect">
-            <a:avLst/>
-          </a:prstGeom>
-          <a:noFill/>
-        </p:spPr>
-        <p:txBody>
-          <a:bodyPr wrap="square" rtlCol="0">
-            <a:spAutoFit/>
-          </a:bodyPr>
-          <a:lstStyle/>
-          <a:p>
-            <a:r>
-              <a:rPr lang="en-US" sz="4800" dirty="0">
-                <a:latin typeface="Leelawadee UI Semilight" panose="020B0402040204020203" pitchFamily="34" charset="-34"/>
-                <a:cs typeface="Leelawadee UI Semilight" panose="020B0402040204020203" pitchFamily="34" charset="-34"/>
-              </a:rPr>
-              <a:t>@</a:t>
-            </a:r>
-            <a:r>
-              <a:rPr lang="en-US" sz="4800" dirty="0" err="1">
-                <a:latin typeface="Leelawadee UI Semilight" panose="020B0402040204020203" pitchFamily="34" charset="-34"/>
-                <a:cs typeface="Leelawadee UI Semilight" panose="020B0402040204020203" pitchFamily="34" charset="-34"/>
-              </a:rPr>
-              <a:t>BUCompSci</a:t>
-            </a:r>
-            <a:endParaRPr lang="en-US" sz="4800" dirty="0">
-              <a:latin typeface="Leelawadee UI Semilight" panose="020B0402040204020203" pitchFamily="34" charset="-34"/>
-              <a:cs typeface="Leelawadee UI Semilight" panose="020B0402040204020203" pitchFamily="34" charset="-34"/>
-            </a:endParaRPr>
-          </a:p>
-        </p:txBody>
-      </p:sp>
       <p:sp>
         <p:nvSpPr>
           <p:cNvPr id="11" name="TextBox 10"/>
@@ -4849,7 +4669,7 @@
         </p:nvSpPr>
         <p:spPr>
           <a:xfrm>
-            <a:off x="11274669" y="1939925"/>
+            <a:off x="10344150" y="826446"/>
             <a:ext cx="15887700" cy="1092607"/>
           </a:xfrm>
           <a:prstGeom prst="rect">
@@ -4866,13 +4686,9 @@
           </a:bodyPr>
           <a:lstStyle/>
           <a:p>
+            <a:pPr algn="ctr"/>
             <a:r>
               <a:rPr lang="en-US" sz="6500" dirty="0" err="1">
-                <a:solidFill>
-                  <a:schemeClr val="accent3">
-                    <a:lumMod val="75000"/>
-                  </a:schemeClr>
-                </a:solidFill>
                 <a:latin typeface="Leelawadee UI Semilight" panose="020B0402040204020203" pitchFamily="34" charset="-34"/>
                 <a:cs typeface="Leelawadee UI Semilight" panose="020B0402040204020203" pitchFamily="34" charset="-34"/>
               </a:rPr>
@@ -4880,11 +4696,6 @@
             </a:r>
             <a:r>
               <a:rPr lang="en-US" sz="6500" dirty="0">
-                <a:solidFill>
-                  <a:schemeClr val="accent3">
-                    <a:lumMod val="75000"/>
-                  </a:schemeClr>
-                </a:solidFill>
                 <a:latin typeface="Leelawadee UI Semilight" panose="020B0402040204020203" pitchFamily="34" charset="-34"/>
                 <a:cs typeface="Leelawadee UI Semilight" panose="020B0402040204020203" pitchFamily="34" charset="-34"/>
               </a:rPr>
@@ -4901,8 +4712,8 @@
         </p:nvSpPr>
         <p:spPr>
           <a:xfrm>
-            <a:off x="15577038" y="3171632"/>
-            <a:ext cx="7282962" cy="477054"/>
+            <a:off x="13563600" y="1909631"/>
+            <a:ext cx="8915400" cy="646331"/>
           </a:xfrm>
           <a:prstGeom prst="rect">
             <a:avLst/>
@@ -4915,19 +4726,20 @@
           </a:bodyPr>
           <a:lstStyle/>
           <a:p>
-            <a:r>
-              <a:rPr lang="en-US" sz="2500" dirty="0" err="1">
+            <a:pPr algn="ctr"/>
+            <a:r>
+              <a:rPr lang="en-US" sz="3600" dirty="0" err="1">
                 <a:latin typeface="Leelawadee UI Semilight" panose="020B0402040204020203" pitchFamily="34" charset="-34"/>
                 <a:cs typeface="Leelawadee UI Semilight" panose="020B0402040204020203" pitchFamily="34" charset="-34"/>
               </a:rPr>
               <a:t>Jinghang</a:t>
             </a:r>
             <a:r>
-              <a:rPr lang="en-US" sz="2500" dirty="0">
+              <a:rPr lang="en-US" sz="3600" dirty="0">
                 <a:latin typeface="Leelawadee UI Semilight" panose="020B0402040204020203" pitchFamily="34" charset="-34"/>
                 <a:cs typeface="Leelawadee UI Semilight" panose="020B0402040204020203" pitchFamily="34" charset="-34"/>
               </a:rPr>
-              <a:t> Yang, Bruce Zhang, and Xinyun Cao</a:t>
+              <a:t> Yang, Yuan Zhang, and Xinyun Cao</a:t>
             </a:r>
           </a:p>
         </p:txBody>
@@ -4940,8 +4752,8 @@
         </p:nvSpPr>
         <p:spPr>
           <a:xfrm>
-            <a:off x="1524000" y="5037329"/>
-            <a:ext cx="10363200" cy="2677656"/>
+            <a:off x="1582462" y="3349556"/>
+            <a:ext cx="10363200" cy="3477875"/>
           </a:xfrm>
           <a:prstGeom prst="roundRect">
             <a:avLst>
@@ -4949,6 +4761,9 @@
             </a:avLst>
           </a:prstGeom>
           <a:noFill/>
+          <a:ln>
+            <a:noFill/>
+          </a:ln>
         </p:spPr>
         <p:style>
           <a:lnRef idx="2">
@@ -4976,8 +4791,9 @@
             </a:endParaRPr>
           </a:p>
           <a:p>
-            <a:r>
-              <a:rPr lang="en-US" sz="2800" dirty="0">
+            <a:pPr algn="just"/>
+            <a:r>
+              <a:rPr lang="en-US" sz="3200" dirty="0">
                 <a:latin typeface="Leelawadee UI Semilight" panose="020B0402040204020203" pitchFamily="34" charset="-34"/>
                 <a:cs typeface="Leelawadee UI Semilight" panose="020B0402040204020203" pitchFamily="34" charset="-34"/>
               </a:rPr>
@@ -4994,7 +4810,7 @@
         </p:nvSpPr>
         <p:spPr>
           <a:xfrm>
-            <a:off x="1524000" y="4267888"/>
+            <a:off x="1543042" y="2765029"/>
             <a:ext cx="10363200" cy="769441"/>
           </a:xfrm>
           <a:prstGeom prst="rect">
@@ -5013,45 +4829,20 @@
           </a:bodyPr>
           <a:lstStyle/>
           <a:p>
+            <a:pPr algn="ctr"/>
             <a:r>
               <a:rPr lang="en-US" sz="4400" dirty="0">
+                <a:solidFill>
+                  <a:schemeClr val="bg1"/>
+                </a:solidFill>
                 <a:latin typeface="Leelawadee UI Semilight" panose="020B0402040204020203" pitchFamily="34" charset="-34"/>
                 <a:cs typeface="Leelawadee UI Semilight" panose="020B0402040204020203" pitchFamily="34" charset="-34"/>
               </a:rPr>
-              <a:t>Motivation</a:t>
-            </a:r>
-          </a:p>
-        </p:txBody>
-      </p:sp>
-      <p:pic>
-        <p:nvPicPr>
-          <p:cNvPr id="61" name="Picture 60"/>
-          <p:cNvPicPr>
-            <a:picLocks noChangeAspect="1"/>
-          </p:cNvPicPr>
-          <p:nvPr/>
-        </p:nvPicPr>
-        <p:blipFill>
-          <a:blip r:embed="rId6"/>
-          <a:stretch>
-            <a:fillRect/>
-          </a:stretch>
-        </p:blipFill>
-        <p:spPr>
-          <a:xfrm>
-            <a:off x="12496800" y="4270936"/>
-            <a:ext cx="9486900" cy="9425056"/>
-          </a:xfrm>
-          <a:prstGeom prst="rect">
-            <a:avLst/>
-          </a:prstGeom>
-          <a:ln>
-            <a:solidFill>
-              <a:srgbClr val="9FD37C"/>
-            </a:solidFill>
-          </a:ln>
-        </p:spPr>
-      </p:pic>
+              <a:t>Introduction</a:t>
+            </a:r>
+          </a:p>
+        </p:txBody>
+      </p:sp>
       <p:sp>
         <p:nvSpPr>
           <p:cNvPr id="63" name="TextBox 62"/>
@@ -5060,8 +4851,8 @@
         </p:nvSpPr>
         <p:spPr>
           <a:xfrm>
-            <a:off x="1524000" y="9253867"/>
-            <a:ext cx="10363200" cy="11049179"/>
+            <a:off x="23180690" y="4820712"/>
+            <a:ext cx="10306814" cy="3477875"/>
           </a:xfrm>
           <a:prstGeom prst="roundRect">
             <a:avLst>
@@ -5069,6 +4860,9 @@
             </a:avLst>
           </a:prstGeom>
           <a:noFill/>
+          <a:ln>
+            <a:noFill/>
+          </a:ln>
         </p:spPr>
         <p:style>
           <a:lnRef idx="2">
@@ -5096,32 +4890,17 @@
             </a:endParaRPr>
           </a:p>
           <a:p>
+            <a:pPr algn="just"/>
             <a:r>
               <a:rPr lang="en-US" sz="3200" dirty="0">
-                <a:solidFill>
-                  <a:schemeClr val="accent2">
-                    <a:lumMod val="50000"/>
-                  </a:schemeClr>
-                </a:solidFill>
-                <a:latin typeface="Leelawadee UI Semilight" panose="020B0402040204020203" pitchFamily="34" charset="-34"/>
-                <a:cs typeface="Leelawadee UI Semilight" panose="020B0402040204020203" pitchFamily="34" charset="-34"/>
-              </a:rPr>
-              <a:t>Crime rate vs Average Airbnb prices per neighborhood</a:t>
-            </a:r>
-          </a:p>
-          <a:p>
-            <a:r>
-              <a:rPr lang="en-US" sz="2800" dirty="0">
                 <a:solidFill>
                   <a:schemeClr val="tx1"/>
                 </a:solidFill>
                 <a:latin typeface="Leelawadee UI Semilight" panose="020B0402040204020203" pitchFamily="34" charset="-34"/>
                 <a:cs typeface="Leelawadee UI Semilight" panose="020B0402040204020203" pitchFamily="34" charset="-34"/>
               </a:rPr>
-              <a:t>Using the latitude/longitude boundaries of each neighborhood in Boston, we geometrically compared the coordinates of each crime report to get its associated neighborhood. Then we cleaned the data, merged it with the Airbnb data set, and generated some statistical results.</a:t>
-            </a:r>
-          </a:p>
-          <a:p>
+              <a:t>According to latitude and longitude, we used the k-means algorithm to cluster Airbnb houses, then we calculate the average Airbnb prices of each cluster. After that,  we use the means we got to cluster public places in order to have a cluster of average Airbnb prices and total numbers of every public place.                                                               </a:t>
+            </a:r>
             <a:endParaRPr lang="en-US" sz="2800" dirty="0">
               <a:solidFill>
                 <a:schemeClr val="tx1"/>
@@ -5130,87 +4909,6 @@
               <a:cs typeface="Leelawadee UI Semilight" panose="020B0402040204020203" pitchFamily="34" charset="-34"/>
             </a:endParaRPr>
           </a:p>
-          <a:p>
-            <a:pPr lvl="0"/>
-            <a:r>
-              <a:rPr lang="en-US" sz="3200" dirty="0">
-                <a:solidFill>
-                  <a:srgbClr val="9FD37C">
-                    <a:lumMod val="50000"/>
-                  </a:srgbClr>
-                </a:solidFill>
-                <a:latin typeface="Leelawadee UI Semilight" panose="020B0402040204020203" pitchFamily="34" charset="-34"/>
-                <a:cs typeface="Leelawadee UI Semilight" panose="020B0402040204020203" pitchFamily="34" charset="-34"/>
-              </a:rPr>
-              <a:t>Algorithms</a:t>
-            </a:r>
-          </a:p>
-          <a:p>
-            <a:r>
-              <a:rPr lang="en-US" sz="2800" dirty="0">
-                <a:solidFill>
-                  <a:schemeClr val="tx1"/>
-                </a:solidFill>
-                <a:latin typeface="Leelawadee UI Semilight" panose="020B0402040204020203" pitchFamily="34" charset="-34"/>
-                <a:cs typeface="Leelawadee UI Semilight" panose="020B0402040204020203" pitchFamily="34" charset="-34"/>
-              </a:rPr>
-              <a:t>This is filler text, please update with some more information about the types of algorithms or techniques used to make results. This is filler text, please update with some more information about the types of algorithms or techniques used to make results. This is filler text, please update with some more information about the types of algorithms or techniques used to make results.</a:t>
-            </a:r>
-          </a:p>
-          <a:p>
-            <a:endParaRPr lang="en-US" sz="2800" dirty="0">
-              <a:solidFill>
-                <a:schemeClr val="tx1"/>
-              </a:solidFill>
-              <a:latin typeface="Leelawadee UI Semilight" panose="020B0402040204020203" pitchFamily="34" charset="-34"/>
-              <a:cs typeface="Leelawadee UI Semilight" panose="020B0402040204020203" pitchFamily="34" charset="-34"/>
-            </a:endParaRPr>
-          </a:p>
-          <a:p>
-            <a:pPr lvl="0"/>
-            <a:r>
-              <a:rPr lang="en-US" sz="3200" dirty="0">
-                <a:solidFill>
-                  <a:srgbClr val="9FD37C">
-                    <a:lumMod val="50000"/>
-                  </a:srgbClr>
-                </a:solidFill>
-                <a:latin typeface="Leelawadee UI Semilight" panose="020B0402040204020203" pitchFamily="34" charset="-34"/>
-                <a:cs typeface="Leelawadee UI Semilight" panose="020B0402040204020203" pitchFamily="34" charset="-34"/>
-              </a:rPr>
-              <a:t>Algorithms</a:t>
-            </a:r>
-          </a:p>
-          <a:p>
-            <a:r>
-              <a:rPr lang="en-US" sz="2800" dirty="0">
-                <a:solidFill>
-                  <a:schemeClr val="tx1"/>
-                </a:solidFill>
-                <a:latin typeface="Leelawadee UI Semilight" panose="020B0402040204020203" pitchFamily="34" charset="-34"/>
-                <a:cs typeface="Leelawadee UI Semilight" panose="020B0402040204020203" pitchFamily="34" charset="-34"/>
-              </a:rPr>
-              <a:t>This is filler text, please update with some more information about the types of algorithms or techniques used to make results. This is filler text, please update with some more information about the types of algorithms or techniques used to make results. This is filler text, please update with some more information about the types of algorithms or techniques used to make results.</a:t>
-            </a:r>
-          </a:p>
-          <a:p>
-            <a:endParaRPr lang="en-US" sz="2800" dirty="0">
-              <a:solidFill>
-                <a:schemeClr val="tx1"/>
-              </a:solidFill>
-              <a:latin typeface="Leelawadee UI Semilight" panose="020B0402040204020203" pitchFamily="34" charset="-34"/>
-              <a:cs typeface="Leelawadee UI Semilight" panose="020B0402040204020203" pitchFamily="34" charset="-34"/>
-            </a:endParaRPr>
-          </a:p>
-          <a:p>
-            <a:endParaRPr lang="en-US" sz="2800" dirty="0">
-              <a:solidFill>
-                <a:schemeClr val="tx1"/>
-              </a:solidFill>
-              <a:latin typeface="Leelawadee UI Semilight" panose="020B0402040204020203" pitchFamily="34" charset="-34"/>
-              <a:cs typeface="Leelawadee UI Semilight" panose="020B0402040204020203" pitchFamily="34" charset="-34"/>
-            </a:endParaRPr>
-          </a:p>
         </p:txBody>
       </p:sp>
       <p:sp>
@@ -5221,7 +4919,7 @@
         </p:nvSpPr>
         <p:spPr>
           <a:xfrm>
-            <a:off x="1524000" y="8484426"/>
+            <a:off x="23179370" y="2746598"/>
             <a:ext cx="10363200" cy="769441"/>
           </a:xfrm>
           <a:prstGeom prst="rect">
@@ -5240,26 +4938,71 @@
           </a:bodyPr>
           <a:lstStyle/>
           <a:p>
+            <a:pPr algn="ctr"/>
             <a:r>
               <a:rPr lang="en-US" sz="4400" dirty="0">
+                <a:solidFill>
+                  <a:schemeClr val="bg1"/>
+                </a:solidFill>
                 <a:latin typeface="Leelawadee UI Semilight" panose="020B0402040204020203" pitchFamily="34" charset="-34"/>
                 <a:cs typeface="Leelawadee UI Semilight" panose="020B0402040204020203" pitchFamily="34" charset="-34"/>
               </a:rPr>
-              <a:t>Method and Implementation</a:t>
-            </a:r>
-          </a:p>
-        </p:txBody>
-      </p:sp>
-      <p:sp>
-        <p:nvSpPr>
-          <p:cNvPr id="65" name="TextBox 64"/>
+              <a:t>Factor two</a:t>
+            </a:r>
+          </a:p>
+        </p:txBody>
+      </p:sp>
+      <p:sp>
+        <p:nvSpPr>
+          <p:cNvPr id="66" name="TextBox 65"/>
           <p:cNvSpPr txBox="1"/>
           <p:nvPr/>
         </p:nvSpPr>
         <p:spPr>
           <a:xfrm>
-            <a:off x="1524000" y="21587127"/>
-            <a:ext cx="10363200" cy="3539430"/>
+            <a:off x="1543042" y="15073185"/>
+            <a:ext cx="10382242" cy="769441"/>
+          </a:xfrm>
+          <a:prstGeom prst="rect">
+            <a:avLst/>
+          </a:prstGeom>
+          <a:solidFill>
+            <a:schemeClr val="accent3">
+              <a:lumMod val="60000"/>
+              <a:lumOff val="40000"/>
+            </a:schemeClr>
+          </a:solidFill>
+        </p:spPr>
+        <p:txBody>
+          <a:bodyPr wrap="square" rtlCol="0">
+            <a:spAutoFit/>
+          </a:bodyPr>
+          <a:lstStyle/>
+          <a:p>
+            <a:pPr algn="ctr"/>
+            <a:r>
+              <a:rPr lang="en-US" sz="4400" dirty="0">
+                <a:solidFill>
+                  <a:schemeClr val="bg1"/>
+                </a:solidFill>
+                <a:latin typeface="Leelawadee UI Semilight" panose="020B0402040204020203" pitchFamily="34" charset="-34"/>
+                <a:cs typeface="Leelawadee UI Semilight" panose="020B0402040204020203" pitchFamily="34" charset="-34"/>
+              </a:rPr>
+              <a:t>Datasets</a:t>
+            </a:r>
+          </a:p>
+        </p:txBody>
+      </p:sp>
+      <p:sp>
+        <p:nvSpPr>
+          <p:cNvPr id="71" name="TextBox 70"/>
+          <p:cNvSpPr txBox="1"/>
+          <p:nvPr/>
+        </p:nvSpPr>
+        <p:spPr>
+          <a:xfrm>
+            <a:off x="23180038" y="21550040"/>
+            <a:ext cx="10307572" cy="3539430"/>
           </a:xfrm>
           <a:prstGeom prst="roundRect">
             <a:avLst>
@@ -5267,6 +5010,9 @@
             </a:avLst>
           </a:prstGeom>
           <a:noFill/>
+          <a:ln>
+            <a:noFill/>
+          </a:ln>
         </p:spPr>
         <p:style>
           <a:lnRef idx="2">
@@ -5288,119 +5034,68 @@
           </a:bodyPr>
           <a:lstStyle/>
           <a:p>
-            <a:pPr marL="342900" indent="-342900">
-              <a:buFont typeface="Arial" panose="020B0604020202020204" pitchFamily="34" charset="0"/>
-              <a:buChar char="•"/>
-            </a:pPr>
-            <a:endParaRPr lang="en-US" sz="2800" dirty="0">
-              <a:latin typeface="Leelawadee UI Semilight" panose="020B0402040204020203" pitchFamily="34" charset="-34"/>
-              <a:cs typeface="Leelawadee UI Semilight" panose="020B0402040204020203" pitchFamily="34" charset="-34"/>
-            </a:endParaRPr>
-          </a:p>
-          <a:p>
-            <a:pPr marL="342900" indent="-342900">
-              <a:buFont typeface="Arial" panose="020B0604020202020204" pitchFamily="34" charset="0"/>
-              <a:buChar char="•"/>
-            </a:pPr>
-            <a:r>
-              <a:rPr lang="en-US" sz="2800" dirty="0">
+            <a:pPr algn="just"/>
+            <a:r>
+              <a:rPr lang="en-US" sz="3200" dirty="0">
                 <a:latin typeface="Leelawadee UI Semilight" panose="020B0402040204020203" pitchFamily="34" charset="-34"/>
                 <a:cs typeface="Leelawadee UI Semilight" panose="020B0402040204020203" pitchFamily="34" charset="-34"/>
               </a:rPr>
-              <a:t>Boston crime rate since 2015</a:t>
-            </a:r>
-          </a:p>
-          <a:p>
-            <a:pPr marL="342900" indent="-342900">
-              <a:buFont typeface="Arial" panose="020B0604020202020204" pitchFamily="34" charset="0"/>
-              <a:buChar char="•"/>
-            </a:pPr>
-            <a:r>
-              <a:rPr lang="en-US" sz="2800" dirty="0">
+              <a:t>Unfortunately, we got the wrong direction.</a:t>
+            </a:r>
+            <a:r>
+              <a:rPr lang="zh-CN" altLang="en-US" sz="3200" dirty="0">
                 <a:latin typeface="Leelawadee UI Semilight" panose="020B0402040204020203" pitchFamily="34" charset="-34"/>
                 <a:cs typeface="Leelawadee UI Semilight" panose="020B0402040204020203" pitchFamily="34" charset="-34"/>
               </a:rPr>
-              <a:t>Airbnb rates</a:t>
-            </a:r>
-          </a:p>
-          <a:p>
-            <a:pPr marL="342900" indent="-342900">
-              <a:buFont typeface="Arial" panose="020B0604020202020204" pitchFamily="34" charset="0"/>
-              <a:buChar char="•"/>
-            </a:pPr>
-            <a:r>
-              <a:rPr lang="en-US" altLang="zh-CN" sz="2800" dirty="0">
+              <a:t> </a:t>
+            </a:r>
+            <a:r>
+              <a:rPr lang="en-US" altLang="zh-CN" sz="3200" dirty="0">
                 <a:latin typeface="Leelawadee UI Semilight" panose="020B0402040204020203" pitchFamily="34" charset="-34"/>
                 <a:cs typeface="Leelawadee UI Semilight" panose="020B0402040204020203" pitchFamily="34" charset="-34"/>
               </a:rPr>
-              <a:t>Boston community center</a:t>
-            </a:r>
-          </a:p>
-          <a:p>
-            <a:pPr marL="342900" indent="-342900">
-              <a:buFont typeface="Arial" panose="020B0604020202020204" pitchFamily="34" charset="0"/>
-              <a:buChar char="•"/>
-            </a:pPr>
-            <a:r>
-              <a:rPr lang="en-US" sz="2800" dirty="0">
+              <a:t>However, we will try other factors that have significant impact over </a:t>
+            </a:r>
+            <a:r>
+              <a:rPr lang="en-US" altLang="zh-CN" sz="3200" dirty="0">
+                <a:solidFill>
+                  <a:schemeClr val="tx1"/>
+                </a:solidFill>
                 <a:latin typeface="Leelawadee UI Semilight" panose="020B0402040204020203" pitchFamily="34" charset="-34"/>
                 <a:cs typeface="Leelawadee UI Semilight" panose="020B0402040204020203" pitchFamily="34" charset="-34"/>
               </a:rPr>
-              <a:t>Swimming pools managed by Boston Center for Youth and Families</a:t>
-            </a:r>
-          </a:p>
-          <a:p>
-            <a:pPr marL="342900" indent="-342900">
-              <a:buFont typeface="Arial" panose="020B0604020202020204" pitchFamily="34" charset="0"/>
-              <a:buChar char="•"/>
-            </a:pPr>
-            <a:r>
-              <a:rPr lang="en-US" sz="2800" dirty="0">
+              <a:t>a person’s decision to live/rent in a given neighborhood.</a:t>
+            </a:r>
+            <a:r>
+              <a:rPr lang="en-US" altLang="zh-CN" sz="3200" dirty="0">
                 <a:latin typeface="Leelawadee UI Semilight" panose="020B0402040204020203" pitchFamily="34" charset="-34"/>
                 <a:cs typeface="Leelawadee UI Semilight" panose="020B0402040204020203" pitchFamily="34" charset="-34"/>
               </a:rPr>
-              <a:t>Boston Public Schools</a:t>
-            </a:r>
-          </a:p>
-          <a:p>
-            <a:pPr marL="342900" indent="-342900">
-              <a:buFont typeface="Arial" panose="020B0604020202020204" pitchFamily="34" charset="0"/>
-              <a:buChar char="•"/>
-            </a:pPr>
-            <a:r>
-              <a:rPr lang="en-US" sz="2800" dirty="0">
+              <a:t> </a:t>
+            </a:r>
+          </a:p>
+          <a:p>
+            <a:pPr algn="just"/>
+            <a:r>
+              <a:rPr lang="en-US" sz="3200" dirty="0">
                 <a:latin typeface="Leelawadee UI Semilight" panose="020B0402040204020203" pitchFamily="34" charset="-34"/>
                 <a:cs typeface="Leelawadee UI Semilight" panose="020B0402040204020203" pitchFamily="34" charset="-34"/>
               </a:rPr>
-              <a:t>B</a:t>
-            </a:r>
-            <a:r>
-              <a:rPr lang="en-US" altLang="zh-CN" sz="2800" dirty="0">
-                <a:latin typeface="Leelawadee UI Semilight" panose="020B0402040204020203" pitchFamily="34" charset="-34"/>
-                <a:cs typeface="Leelawadee UI Semilight" panose="020B0402040204020203" pitchFamily="34" charset="-34"/>
-              </a:rPr>
-              <a:t>oston</a:t>
-            </a:r>
-            <a:r>
-              <a:rPr lang="en-US" sz="2800" dirty="0">
-                <a:latin typeface="Leelawadee UI Semilight" panose="020B0402040204020203" pitchFamily="34" charset="-34"/>
-                <a:cs typeface="Leelawadee UI Semilight" panose="020B0402040204020203" pitchFamily="34" charset="-34"/>
-              </a:rPr>
-              <a:t> Police Stations</a:t>
-            </a:r>
-          </a:p>
-        </p:txBody>
-      </p:sp>
-      <p:sp>
-        <p:nvSpPr>
-          <p:cNvPr id="66" name="TextBox 65"/>
+              <a:t>We will keep using the techniques such as data transformation, statistic analysis and visualizations based on real world datasets so that we could get a reasonable conclusion.</a:t>
+            </a:r>
+          </a:p>
+        </p:txBody>
+      </p:sp>
+      <p:sp>
+        <p:nvSpPr>
+          <p:cNvPr id="72" name="TextBox 71"/>
           <p:cNvSpPr txBox="1"/>
           <p:nvPr/>
         </p:nvSpPr>
         <p:spPr>
           <a:xfrm>
-            <a:off x="1524000" y="20817686"/>
-            <a:ext cx="10363200" cy="769441"/>
+            <a:off x="23166162" y="20592774"/>
+            <a:ext cx="10359442" cy="769441"/>
           </a:xfrm>
           <a:prstGeom prst="rect">
             <a:avLst/>
@@ -5418,26 +5113,126 @@
           </a:bodyPr>
           <a:lstStyle/>
           <a:p>
+            <a:pPr algn="ctr"/>
             <a:r>
               <a:rPr lang="en-US" sz="4400" dirty="0">
+                <a:solidFill>
+                  <a:schemeClr val="bg1"/>
+                </a:solidFill>
                 <a:latin typeface="Leelawadee UI Semilight" panose="020B0402040204020203" pitchFamily="34" charset="-34"/>
                 <a:cs typeface="Leelawadee UI Semilight" panose="020B0402040204020203" pitchFamily="34" charset="-34"/>
               </a:rPr>
-              <a:t>Datasets</a:t>
-            </a:r>
-          </a:p>
-        </p:txBody>
-      </p:sp>
-      <p:sp>
-        <p:nvSpPr>
-          <p:cNvPr id="67" name="TextBox 66"/>
+              <a:t>Future Work</a:t>
+            </a:r>
+          </a:p>
+        </p:txBody>
+      </p:sp>
+      <p:sp>
+        <p:nvSpPr>
+          <p:cNvPr id="22" name="TextBox 11">
+            <a:extLst>
+              <a:ext uri="{FF2B5EF4-FFF2-40B4-BE49-F238E27FC236}">
+                <a16:creationId xmlns:a16="http://schemas.microsoft.com/office/drawing/2014/main" id="{B6380672-DAB1-4845-84AC-9FF8EDD2BB12}"/>
+              </a:ext>
+            </a:extLst>
+          </p:cNvPr>
           <p:cNvSpPr txBox="1"/>
           <p:nvPr/>
         </p:nvSpPr>
         <p:spPr>
           <a:xfrm>
-            <a:off x="23195280" y="5034281"/>
-            <a:ext cx="11602212" cy="2739211"/>
+            <a:off x="13115491" y="196261"/>
+            <a:ext cx="9144000" cy="646331"/>
+          </a:xfrm>
+          <a:prstGeom prst="rect">
+            <a:avLst/>
+          </a:prstGeom>
+          <a:noFill/>
+        </p:spPr>
+        <p:txBody>
+          <a:bodyPr wrap="square" rtlCol="0">
+            <a:spAutoFit/>
+          </a:bodyPr>
+          <a:lstStyle/>
+          <a:p>
+            <a:pPr algn="ctr"/>
+            <a:r>
+              <a:rPr lang="en-US" altLang="zh-CN" sz="3600" dirty="0">
+                <a:latin typeface="Leelawadee UI Semilight" panose="020B0402040204020203" pitchFamily="34" charset="-34"/>
+                <a:cs typeface="Leelawadee UI Semilight" panose="020B0402040204020203" pitchFamily="34" charset="-34"/>
+              </a:rPr>
+              <a:t>CS 504 Data Mechanics</a:t>
+            </a:r>
+            <a:endParaRPr lang="en-US" sz="3600" dirty="0">
+              <a:latin typeface="Leelawadee UI Semilight" panose="020B0402040204020203" pitchFamily="34" charset="-34"/>
+              <a:cs typeface="Leelawadee UI Semilight" panose="020B0402040204020203" pitchFamily="34" charset="-34"/>
+            </a:endParaRPr>
+          </a:p>
+        </p:txBody>
+      </p:sp>
+      <p:sp>
+        <p:nvSpPr>
+          <p:cNvPr id="24" name="TextBox 63">
+            <a:extLst>
+              <a:ext uri="{FF2B5EF4-FFF2-40B4-BE49-F238E27FC236}">
+                <a16:creationId xmlns:a16="http://schemas.microsoft.com/office/drawing/2014/main" id="{3E8048B0-D54A-4FA3-B421-DA694687B534}"/>
+              </a:ext>
+            </a:extLst>
+          </p:cNvPr>
+          <p:cNvSpPr txBox="1"/>
+          <p:nvPr/>
+        </p:nvSpPr>
+        <p:spPr>
+          <a:xfrm>
+            <a:off x="12378688" y="2739966"/>
+            <a:ext cx="10363200" cy="769441"/>
+          </a:xfrm>
+          <a:prstGeom prst="rect">
+            <a:avLst/>
+          </a:prstGeom>
+          <a:solidFill>
+            <a:schemeClr val="accent3">
+              <a:lumMod val="60000"/>
+              <a:lumOff val="40000"/>
+            </a:schemeClr>
+          </a:solidFill>
+        </p:spPr>
+        <p:txBody>
+          <a:bodyPr wrap="square" rtlCol="0">
+            <a:spAutoFit/>
+          </a:bodyPr>
+          <a:lstStyle/>
+          <a:p>
+            <a:pPr algn="ctr"/>
+            <a:r>
+              <a:rPr lang="en-US" sz="4400" dirty="0">
+                <a:solidFill>
+                  <a:schemeClr val="bg1"/>
+                </a:solidFill>
+                <a:latin typeface="Leelawadee UI Semilight" panose="020B0402040204020203" pitchFamily="34" charset="-34"/>
+                <a:cs typeface="Leelawadee UI Semilight" panose="020B0402040204020203" pitchFamily="34" charset="-34"/>
+              </a:rPr>
+              <a:t>Factor one</a:t>
+            </a:r>
+          </a:p>
+        </p:txBody>
+      </p:sp>
+      <p:sp>
+        <p:nvSpPr>
+          <p:cNvPr id="25" name="TextBox 64">
+            <a:extLst>
+              <a:ext uri="{FF2B5EF4-FFF2-40B4-BE49-F238E27FC236}">
+                <a16:creationId xmlns:a16="http://schemas.microsoft.com/office/drawing/2014/main" id="{7A4A8D51-8D75-4EA3-8E2C-7CF2D3225164}"/>
+              </a:ext>
+            </a:extLst>
+          </p:cNvPr>
+          <p:cNvSpPr txBox="1"/>
+          <p:nvPr/>
+        </p:nvSpPr>
+        <p:spPr>
+          <a:xfrm>
+            <a:off x="1590889" y="15849348"/>
+            <a:ext cx="10363200" cy="3477875"/>
           </a:xfrm>
           <a:prstGeom prst="roundRect">
             <a:avLst>
@@ -5445,6 +5240,9 @@
             </a:avLst>
           </a:prstGeom>
           <a:noFill/>
+          <a:ln>
+            <a:noFill/>
+          </a:ln>
         </p:spPr>
         <p:style>
           <a:lnRef idx="2">
@@ -5466,120 +5264,125 @@
           </a:bodyPr>
           <a:lstStyle/>
           <a:p>
-            <a:endParaRPr lang="en-US" sz="2800" dirty="0">
-              <a:solidFill>
-                <a:schemeClr val="accent2">
-                  <a:lumMod val="50000"/>
-                </a:schemeClr>
-              </a:solidFill>
+            <a:pPr marL="342900" indent="-342900">
+              <a:buFont typeface="Arial" panose="020B0604020202020204" pitchFamily="34" charset="0"/>
+              <a:buChar char="•"/>
+            </a:pPr>
+            <a:endParaRPr lang="en-US" sz="2800" i="1" dirty="0">
               <a:latin typeface="Leelawadee UI Semilight" panose="020B0402040204020203" pitchFamily="34" charset="-34"/>
               <a:cs typeface="Leelawadee UI Semilight" panose="020B0402040204020203" pitchFamily="34" charset="-34"/>
             </a:endParaRPr>
           </a:p>
           <a:p>
+            <a:pPr marL="342900" indent="-342900">
+              <a:buFont typeface="Arial" panose="020B0604020202020204" pitchFamily="34" charset="0"/>
+              <a:buChar char="•"/>
+            </a:pPr>
             <a:r>
               <a:rPr lang="en-US" sz="3200" dirty="0">
-                <a:solidFill>
-                  <a:schemeClr val="accent2">
-                    <a:lumMod val="50000"/>
-                  </a:schemeClr>
-                </a:solidFill>
                 <a:latin typeface="Leelawadee UI Semilight" panose="020B0402040204020203" pitchFamily="34" charset="-34"/>
                 <a:cs typeface="Leelawadee UI Semilight" panose="020B0402040204020203" pitchFamily="34" charset="-34"/>
               </a:rPr>
-              <a:t>Crime rate vs Average Airbnb prices per neighborhood</a:t>
-            </a:r>
-          </a:p>
-          <a:p>
-            <a:r>
-              <a:rPr lang="en-US" sz="2800" dirty="0">
-                <a:solidFill>
-                  <a:schemeClr val="tx1"/>
-                </a:solidFill>
+              <a:t>Crimes in Boston since 2015</a:t>
+            </a:r>
+          </a:p>
+          <a:p>
+            <a:pPr marL="342900" indent="-342900">
+              <a:buFont typeface="Arial" panose="020B0604020202020204" pitchFamily="34" charset="0"/>
+              <a:buChar char="•"/>
+            </a:pPr>
+            <a:r>
+              <a:rPr lang="en-US" sz="3200" dirty="0">
                 <a:latin typeface="Leelawadee UI Semilight" panose="020B0402040204020203" pitchFamily="34" charset="-34"/>
                 <a:cs typeface="Leelawadee UI Semilight" panose="020B0402040204020203" pitchFamily="34" charset="-34"/>
               </a:rPr>
-              <a:t>To our surprise, the correlation between price and crime rate was extremely low. Although we expected crime rate to have significant impact over a person’s decision to live/rent in a given neighborhood, it is likely that other positive factors outweigh the crime rate. </a:t>
-            </a:r>
-          </a:p>
-        </p:txBody>
-      </p:sp>
-      <p:sp>
-        <p:nvSpPr>
-          <p:cNvPr id="68" name="TextBox 67"/>
-          <p:cNvSpPr txBox="1"/>
-          <p:nvPr/>
-        </p:nvSpPr>
-        <p:spPr>
-          <a:xfrm>
-            <a:off x="23195280" y="4264840"/>
-            <a:ext cx="11602212" cy="769441"/>
-          </a:xfrm>
-          <a:prstGeom prst="rect">
-            <a:avLst/>
-          </a:prstGeom>
-          <a:solidFill>
-            <a:schemeClr val="accent3">
-              <a:lumMod val="60000"/>
-              <a:lumOff val="40000"/>
-            </a:schemeClr>
-          </a:solidFill>
-        </p:spPr>
-        <p:txBody>
-          <a:bodyPr wrap="square" rtlCol="0">
-            <a:spAutoFit/>
-          </a:bodyPr>
-          <a:lstStyle/>
-          <a:p>
-            <a:r>
-              <a:rPr lang="en-US" sz="4400" dirty="0">
+              <a:t>Airbnb rates</a:t>
+            </a:r>
+          </a:p>
+          <a:p>
+            <a:pPr marL="342900" indent="-342900">
+              <a:buFont typeface="Arial" panose="020B0604020202020204" pitchFamily="34" charset="0"/>
+              <a:buChar char="•"/>
+            </a:pPr>
+            <a:r>
+              <a:rPr lang="en-US" altLang="zh-CN" sz="3200" dirty="0">
                 <a:latin typeface="Leelawadee UI Semilight" panose="020B0402040204020203" pitchFamily="34" charset="-34"/>
                 <a:cs typeface="Leelawadee UI Semilight" panose="020B0402040204020203" pitchFamily="34" charset="-34"/>
               </a:rPr>
-              <a:t>Results</a:t>
-            </a:r>
-          </a:p>
-        </p:txBody>
-      </p:sp>
-      <p:pic>
-        <p:nvPicPr>
-          <p:cNvPr id="69" name="Picture 68"/>
-          <p:cNvPicPr>
-            <a:picLocks noChangeAspect="1"/>
-          </p:cNvPicPr>
-          <p:nvPr/>
-        </p:nvPicPr>
-        <p:blipFill>
-          <a:blip r:embed="rId7"/>
-          <a:stretch>
-            <a:fillRect/>
-          </a:stretch>
-        </p:blipFill>
-        <p:spPr>
-          <a:xfrm>
-            <a:off x="12562332" y="14247536"/>
-            <a:ext cx="7248038" cy="9525000"/>
-          </a:xfrm>
-          <a:prstGeom prst="rect">
-            <a:avLst/>
-          </a:prstGeom>
-          <a:ln>
-            <a:solidFill>
-              <a:srgbClr val="9FD37C"/>
-            </a:solidFill>
-          </a:ln>
-        </p:spPr>
-      </p:pic>
-      <p:sp>
-        <p:nvSpPr>
-          <p:cNvPr id="71" name="TextBox 70"/>
+              <a:t>Boston community center</a:t>
+            </a:r>
+          </a:p>
+          <a:p>
+            <a:pPr marL="342900" indent="-342900">
+              <a:buFont typeface="Arial" panose="020B0604020202020204" pitchFamily="34" charset="0"/>
+              <a:buChar char="•"/>
+            </a:pPr>
+            <a:r>
+              <a:rPr lang="en-US" sz="3200" dirty="0">
+                <a:latin typeface="Leelawadee UI Semilight" panose="020B0402040204020203" pitchFamily="34" charset="-34"/>
+                <a:cs typeface="Leelawadee UI Semilight" panose="020B0402040204020203" pitchFamily="34" charset="-34"/>
+              </a:rPr>
+              <a:t>Swimming pools managed by Boston Center </a:t>
+            </a:r>
+          </a:p>
+          <a:p>
+            <a:pPr marL="342900" indent="-342900">
+              <a:buFont typeface="Arial" panose="020B0604020202020204" pitchFamily="34" charset="0"/>
+              <a:buChar char="•"/>
+            </a:pPr>
+            <a:r>
+              <a:rPr lang="en-US" sz="3200" dirty="0">
+                <a:latin typeface="Leelawadee UI Semilight" panose="020B0402040204020203" pitchFamily="34" charset="-34"/>
+                <a:cs typeface="Leelawadee UI Semilight" panose="020B0402040204020203" pitchFamily="34" charset="-34"/>
+              </a:rPr>
+              <a:t>Boston Public Schools</a:t>
+            </a:r>
+          </a:p>
+          <a:p>
+            <a:pPr marL="342900" indent="-342900">
+              <a:buFont typeface="Arial" panose="020B0604020202020204" pitchFamily="34" charset="0"/>
+              <a:buChar char="•"/>
+            </a:pPr>
+            <a:r>
+              <a:rPr lang="en-US" sz="3200" dirty="0">
+                <a:latin typeface="Leelawadee UI Semilight" panose="020B0402040204020203" pitchFamily="34" charset="-34"/>
+                <a:cs typeface="Leelawadee UI Semilight" panose="020B0402040204020203" pitchFamily="34" charset="-34"/>
+              </a:rPr>
+              <a:t>B</a:t>
+            </a:r>
+            <a:r>
+              <a:rPr lang="en-US" altLang="zh-CN" sz="3200" dirty="0">
+                <a:latin typeface="Leelawadee UI Semilight" panose="020B0402040204020203" pitchFamily="34" charset="-34"/>
+                <a:cs typeface="Leelawadee UI Semilight" panose="020B0402040204020203" pitchFamily="34" charset="-34"/>
+              </a:rPr>
+              <a:t>oston</a:t>
+            </a:r>
+            <a:r>
+              <a:rPr lang="en-US" sz="3200" dirty="0">
+                <a:latin typeface="Leelawadee UI Semilight" panose="020B0402040204020203" pitchFamily="34" charset="-34"/>
+                <a:cs typeface="Leelawadee UI Semilight" panose="020B0402040204020203" pitchFamily="34" charset="-34"/>
+              </a:rPr>
+              <a:t> Police Stations</a:t>
+            </a:r>
+          </a:p>
+        </p:txBody>
+      </p:sp>
+      <p:sp>
+        <p:nvSpPr>
+          <p:cNvPr id="26" name="TextBox 64">
+            <a:extLst>
+              <a:ext uri="{FF2B5EF4-FFF2-40B4-BE49-F238E27FC236}">
+                <a16:creationId xmlns:a16="http://schemas.microsoft.com/office/drawing/2014/main" id="{DA7F6326-68C7-4706-BB38-0141817C5600}"/>
+              </a:ext>
+            </a:extLst>
+          </p:cNvPr>
           <p:cNvSpPr txBox="1"/>
           <p:nvPr/>
         </p:nvSpPr>
         <p:spPr>
           <a:xfrm>
-            <a:off x="23201376" y="21094880"/>
-            <a:ext cx="11602212" cy="3046988"/>
+            <a:off x="12406816" y="3516039"/>
+            <a:ext cx="10363200" cy="615553"/>
           </a:xfrm>
           <a:prstGeom prst="roundRect">
             <a:avLst>
@@ -5587,6 +5390,9 @@
             </a:avLst>
           </a:prstGeom>
           <a:noFill/>
+          <a:ln>
+            <a:noFill/>
+          </a:ln>
         </p:spPr>
         <p:style>
           <a:lnRef idx="2">
@@ -5608,1020 +5414,38 @@
           </a:bodyPr>
           <a:lstStyle/>
           <a:p>
-            <a:r>
-              <a:rPr lang="en-US" sz="2400" dirty="0">
+            <a:pPr algn="ctr"/>
+            <a:r>
+              <a:rPr lang="en-US" altLang="zh-CN" sz="3400" dirty="0">
+                <a:solidFill>
+                  <a:schemeClr val="accent2">
+                    <a:lumMod val="50000"/>
+                  </a:schemeClr>
+                </a:solidFill>
                 <a:latin typeface="Leelawadee UI Semilight" panose="020B0402040204020203" pitchFamily="34" charset="-34"/>
                 <a:cs typeface="Leelawadee UI Semilight" panose="020B0402040204020203" pitchFamily="34" charset="-34"/>
               </a:rPr>
-              <a:t>Sed a </a:t>
-            </a:r>
-            <a:r>
-              <a:rPr lang="en-US" sz="2400" dirty="0" err="1">
-                <a:latin typeface="Leelawadee UI Semilight" panose="020B0402040204020203" pitchFamily="34" charset="-34"/>
-                <a:cs typeface="Leelawadee UI Semilight" panose="020B0402040204020203" pitchFamily="34" charset="-34"/>
-              </a:rPr>
-              <a:t>elit</a:t>
-            </a:r>
-            <a:r>
-              <a:rPr lang="en-US" sz="2400" dirty="0">
-                <a:latin typeface="Leelawadee UI Semilight" panose="020B0402040204020203" pitchFamily="34" charset="-34"/>
-                <a:cs typeface="Leelawadee UI Semilight" panose="020B0402040204020203" pitchFamily="34" charset="-34"/>
-              </a:rPr>
-              <a:t> </a:t>
-            </a:r>
-            <a:r>
-              <a:rPr lang="en-US" sz="2400" dirty="0" err="1">
-                <a:latin typeface="Leelawadee UI Semilight" panose="020B0402040204020203" pitchFamily="34" charset="-34"/>
-                <a:cs typeface="Leelawadee UI Semilight" panose="020B0402040204020203" pitchFamily="34" charset="-34"/>
-              </a:rPr>
-              <a:t>massa</a:t>
-            </a:r>
-            <a:r>
-              <a:rPr lang="en-US" sz="2400" dirty="0">
-                <a:latin typeface="Leelawadee UI Semilight" panose="020B0402040204020203" pitchFamily="34" charset="-34"/>
-                <a:cs typeface="Leelawadee UI Semilight" panose="020B0402040204020203" pitchFamily="34" charset="-34"/>
-              </a:rPr>
-              <a:t>. </a:t>
-            </a:r>
-            <a:r>
-              <a:rPr lang="en-US" sz="2400" dirty="0" err="1">
-                <a:latin typeface="Leelawadee UI Semilight" panose="020B0402040204020203" pitchFamily="34" charset="-34"/>
-                <a:cs typeface="Leelawadee UI Semilight" panose="020B0402040204020203" pitchFamily="34" charset="-34"/>
-              </a:rPr>
-              <a:t>Proin</a:t>
-            </a:r>
-            <a:r>
-              <a:rPr lang="en-US" sz="2400" dirty="0">
-                <a:latin typeface="Leelawadee UI Semilight" panose="020B0402040204020203" pitchFamily="34" charset="-34"/>
-                <a:cs typeface="Leelawadee UI Semilight" panose="020B0402040204020203" pitchFamily="34" charset="-34"/>
-              </a:rPr>
-              <a:t> </a:t>
-            </a:r>
-            <a:r>
-              <a:rPr lang="en-US" sz="2400" dirty="0" err="1">
-                <a:latin typeface="Leelawadee UI Semilight" panose="020B0402040204020203" pitchFamily="34" charset="-34"/>
-                <a:cs typeface="Leelawadee UI Semilight" panose="020B0402040204020203" pitchFamily="34" charset="-34"/>
-              </a:rPr>
-              <a:t>tristique</a:t>
-            </a:r>
-            <a:r>
-              <a:rPr lang="en-US" sz="2400" dirty="0">
-                <a:latin typeface="Leelawadee UI Semilight" panose="020B0402040204020203" pitchFamily="34" charset="-34"/>
-                <a:cs typeface="Leelawadee UI Semilight" panose="020B0402040204020203" pitchFamily="34" charset="-34"/>
-              </a:rPr>
-              <a:t> </a:t>
-            </a:r>
-            <a:r>
-              <a:rPr lang="en-US" sz="2400" dirty="0" err="1">
-                <a:latin typeface="Leelawadee UI Semilight" panose="020B0402040204020203" pitchFamily="34" charset="-34"/>
-                <a:cs typeface="Leelawadee UI Semilight" panose="020B0402040204020203" pitchFamily="34" charset="-34"/>
-              </a:rPr>
-              <a:t>justo</a:t>
-            </a:r>
-            <a:r>
-              <a:rPr lang="en-US" sz="2400" dirty="0">
-                <a:latin typeface="Leelawadee UI Semilight" panose="020B0402040204020203" pitchFamily="34" charset="-34"/>
-                <a:cs typeface="Leelawadee UI Semilight" panose="020B0402040204020203" pitchFamily="34" charset="-34"/>
-              </a:rPr>
-              <a:t> </a:t>
-            </a:r>
-            <a:r>
-              <a:rPr lang="en-US" sz="2400" dirty="0" err="1">
-                <a:latin typeface="Leelawadee UI Semilight" panose="020B0402040204020203" pitchFamily="34" charset="-34"/>
-                <a:cs typeface="Leelawadee UI Semilight" panose="020B0402040204020203" pitchFamily="34" charset="-34"/>
-              </a:rPr>
-              <a:t>ut</a:t>
-            </a:r>
-            <a:r>
-              <a:rPr lang="en-US" sz="2400" dirty="0">
-                <a:latin typeface="Leelawadee UI Semilight" panose="020B0402040204020203" pitchFamily="34" charset="-34"/>
-                <a:cs typeface="Leelawadee UI Semilight" panose="020B0402040204020203" pitchFamily="34" charset="-34"/>
-              </a:rPr>
-              <a:t> magna </a:t>
-            </a:r>
-            <a:r>
-              <a:rPr lang="en-US" sz="2400" dirty="0" err="1">
-                <a:latin typeface="Leelawadee UI Semilight" panose="020B0402040204020203" pitchFamily="34" charset="-34"/>
-                <a:cs typeface="Leelawadee UI Semilight" panose="020B0402040204020203" pitchFamily="34" charset="-34"/>
-              </a:rPr>
-              <a:t>luctus</a:t>
-            </a:r>
-            <a:r>
-              <a:rPr lang="en-US" sz="2400" dirty="0">
-                <a:latin typeface="Leelawadee UI Semilight" panose="020B0402040204020203" pitchFamily="34" charset="-34"/>
-                <a:cs typeface="Leelawadee UI Semilight" panose="020B0402040204020203" pitchFamily="34" charset="-34"/>
-              </a:rPr>
-              <a:t> </a:t>
-            </a:r>
-            <a:r>
-              <a:rPr lang="en-US" sz="2400" dirty="0" err="1">
-                <a:latin typeface="Leelawadee UI Semilight" panose="020B0402040204020203" pitchFamily="34" charset="-34"/>
-                <a:cs typeface="Leelawadee UI Semilight" panose="020B0402040204020203" pitchFamily="34" charset="-34"/>
-              </a:rPr>
-              <a:t>laoreet</a:t>
-            </a:r>
-            <a:r>
-              <a:rPr lang="en-US" sz="2400" dirty="0">
-                <a:latin typeface="Leelawadee UI Semilight" panose="020B0402040204020203" pitchFamily="34" charset="-34"/>
-                <a:cs typeface="Leelawadee UI Semilight" panose="020B0402040204020203" pitchFamily="34" charset="-34"/>
-              </a:rPr>
-              <a:t> </a:t>
-            </a:r>
-            <a:r>
-              <a:rPr lang="en-US" sz="2400" dirty="0" err="1">
-                <a:latin typeface="Leelawadee UI Semilight" panose="020B0402040204020203" pitchFamily="34" charset="-34"/>
-                <a:cs typeface="Leelawadee UI Semilight" panose="020B0402040204020203" pitchFamily="34" charset="-34"/>
-              </a:rPr>
-              <a:t>eu</a:t>
-            </a:r>
-            <a:r>
-              <a:rPr lang="en-US" sz="2400" dirty="0">
-                <a:latin typeface="Leelawadee UI Semilight" panose="020B0402040204020203" pitchFamily="34" charset="-34"/>
-                <a:cs typeface="Leelawadee UI Semilight" panose="020B0402040204020203" pitchFamily="34" charset="-34"/>
-              </a:rPr>
-              <a:t> </a:t>
-            </a:r>
-            <a:r>
-              <a:rPr lang="en-US" sz="2400" dirty="0" err="1">
-                <a:latin typeface="Leelawadee UI Semilight" panose="020B0402040204020203" pitchFamily="34" charset="-34"/>
-                <a:cs typeface="Leelawadee UI Semilight" panose="020B0402040204020203" pitchFamily="34" charset="-34"/>
-              </a:rPr>
-              <a:t>eu</a:t>
-            </a:r>
-            <a:r>
-              <a:rPr lang="en-US" sz="2400" dirty="0">
-                <a:latin typeface="Leelawadee UI Semilight" panose="020B0402040204020203" pitchFamily="34" charset="-34"/>
-                <a:cs typeface="Leelawadee UI Semilight" panose="020B0402040204020203" pitchFamily="34" charset="-34"/>
-              </a:rPr>
-              <a:t> </a:t>
-            </a:r>
-            <a:r>
-              <a:rPr lang="en-US" sz="2400" dirty="0" err="1">
-                <a:latin typeface="Leelawadee UI Semilight" panose="020B0402040204020203" pitchFamily="34" charset="-34"/>
-                <a:cs typeface="Leelawadee UI Semilight" panose="020B0402040204020203" pitchFamily="34" charset="-34"/>
-              </a:rPr>
-              <a:t>leo</a:t>
-            </a:r>
-            <a:r>
-              <a:rPr lang="en-US" sz="2400" dirty="0">
-                <a:latin typeface="Leelawadee UI Semilight" panose="020B0402040204020203" pitchFamily="34" charset="-34"/>
-                <a:cs typeface="Leelawadee UI Semilight" panose="020B0402040204020203" pitchFamily="34" charset="-34"/>
-              </a:rPr>
-              <a:t>. In </a:t>
-            </a:r>
-            <a:r>
-              <a:rPr lang="en-US" sz="2400" dirty="0" err="1">
-                <a:latin typeface="Leelawadee UI Semilight" panose="020B0402040204020203" pitchFamily="34" charset="-34"/>
-                <a:cs typeface="Leelawadee UI Semilight" panose="020B0402040204020203" pitchFamily="34" charset="-34"/>
-              </a:rPr>
-              <a:t>elit</a:t>
-            </a:r>
-            <a:r>
-              <a:rPr lang="en-US" sz="2400" dirty="0">
-                <a:latin typeface="Leelawadee UI Semilight" panose="020B0402040204020203" pitchFamily="34" charset="-34"/>
-                <a:cs typeface="Leelawadee UI Semilight" panose="020B0402040204020203" pitchFamily="34" charset="-34"/>
-              </a:rPr>
-              <a:t> </a:t>
-            </a:r>
-            <a:r>
-              <a:rPr lang="en-US" sz="2400" dirty="0" err="1">
-                <a:latin typeface="Leelawadee UI Semilight" panose="020B0402040204020203" pitchFamily="34" charset="-34"/>
-                <a:cs typeface="Leelawadee UI Semilight" panose="020B0402040204020203" pitchFamily="34" charset="-34"/>
-              </a:rPr>
-              <a:t>metus</a:t>
-            </a:r>
-            <a:r>
-              <a:rPr lang="en-US" sz="2400" dirty="0">
-                <a:latin typeface="Leelawadee UI Semilight" panose="020B0402040204020203" pitchFamily="34" charset="-34"/>
-                <a:cs typeface="Leelawadee UI Semilight" panose="020B0402040204020203" pitchFamily="34" charset="-34"/>
-              </a:rPr>
-              <a:t>, </a:t>
-            </a:r>
-            <a:r>
-              <a:rPr lang="en-US" sz="2400" dirty="0" err="1">
-                <a:latin typeface="Leelawadee UI Semilight" panose="020B0402040204020203" pitchFamily="34" charset="-34"/>
-                <a:cs typeface="Leelawadee UI Semilight" panose="020B0402040204020203" pitchFamily="34" charset="-34"/>
-              </a:rPr>
-              <a:t>tincidunt</a:t>
-            </a:r>
-            <a:r>
-              <a:rPr lang="en-US" sz="2400" dirty="0">
-                <a:latin typeface="Leelawadee UI Semilight" panose="020B0402040204020203" pitchFamily="34" charset="-34"/>
-                <a:cs typeface="Leelawadee UI Semilight" panose="020B0402040204020203" pitchFamily="34" charset="-34"/>
-              </a:rPr>
-              <a:t> </a:t>
-            </a:r>
-            <a:r>
-              <a:rPr lang="en-US" sz="2400" dirty="0" err="1">
-                <a:latin typeface="Leelawadee UI Semilight" panose="020B0402040204020203" pitchFamily="34" charset="-34"/>
-                <a:cs typeface="Leelawadee UI Semilight" panose="020B0402040204020203" pitchFamily="34" charset="-34"/>
-              </a:rPr>
-              <a:t>vel</a:t>
-            </a:r>
-            <a:r>
-              <a:rPr lang="en-US" sz="2400" dirty="0">
-                <a:latin typeface="Leelawadee UI Semilight" panose="020B0402040204020203" pitchFamily="34" charset="-34"/>
-                <a:cs typeface="Leelawadee UI Semilight" panose="020B0402040204020203" pitchFamily="34" charset="-34"/>
-              </a:rPr>
-              <a:t> </a:t>
-            </a:r>
-            <a:r>
-              <a:rPr lang="en-US" sz="2400" dirty="0" err="1">
-                <a:latin typeface="Leelawadee UI Semilight" panose="020B0402040204020203" pitchFamily="34" charset="-34"/>
-                <a:cs typeface="Leelawadee UI Semilight" panose="020B0402040204020203" pitchFamily="34" charset="-34"/>
-              </a:rPr>
-              <a:t>tincidunt</a:t>
-            </a:r>
-            <a:r>
-              <a:rPr lang="en-US" sz="2400" dirty="0">
-                <a:latin typeface="Leelawadee UI Semilight" panose="020B0402040204020203" pitchFamily="34" charset="-34"/>
-                <a:cs typeface="Leelawadee UI Semilight" panose="020B0402040204020203" pitchFamily="34" charset="-34"/>
-              </a:rPr>
-              <a:t> </a:t>
-            </a:r>
-            <a:r>
-              <a:rPr lang="en-US" sz="2400" dirty="0" err="1">
-                <a:latin typeface="Leelawadee UI Semilight" panose="020B0402040204020203" pitchFamily="34" charset="-34"/>
-                <a:cs typeface="Leelawadee UI Semilight" panose="020B0402040204020203" pitchFamily="34" charset="-34"/>
-              </a:rPr>
-              <a:t>ut</a:t>
-            </a:r>
-            <a:r>
-              <a:rPr lang="en-US" sz="2400" dirty="0">
-                <a:latin typeface="Leelawadee UI Semilight" panose="020B0402040204020203" pitchFamily="34" charset="-34"/>
-                <a:cs typeface="Leelawadee UI Semilight" panose="020B0402040204020203" pitchFamily="34" charset="-34"/>
-              </a:rPr>
-              <a:t>, </a:t>
-            </a:r>
-            <a:r>
-              <a:rPr lang="en-US" sz="2400" dirty="0" err="1">
-                <a:latin typeface="Leelawadee UI Semilight" panose="020B0402040204020203" pitchFamily="34" charset="-34"/>
-                <a:cs typeface="Leelawadee UI Semilight" panose="020B0402040204020203" pitchFamily="34" charset="-34"/>
-              </a:rPr>
-              <a:t>laoreet</a:t>
-            </a:r>
-            <a:r>
-              <a:rPr lang="en-US" sz="2400" dirty="0">
-                <a:latin typeface="Leelawadee UI Semilight" panose="020B0402040204020203" pitchFamily="34" charset="-34"/>
-                <a:cs typeface="Leelawadee UI Semilight" panose="020B0402040204020203" pitchFamily="34" charset="-34"/>
-              </a:rPr>
-              <a:t> </a:t>
-            </a:r>
-            <a:r>
-              <a:rPr lang="en-US" sz="2400" dirty="0" err="1">
-                <a:latin typeface="Leelawadee UI Semilight" panose="020B0402040204020203" pitchFamily="34" charset="-34"/>
-                <a:cs typeface="Leelawadee UI Semilight" panose="020B0402040204020203" pitchFamily="34" charset="-34"/>
-              </a:rPr>
-              <a:t>consectetur</a:t>
-            </a:r>
-            <a:r>
-              <a:rPr lang="en-US" sz="2400" dirty="0">
-                <a:latin typeface="Leelawadee UI Semilight" panose="020B0402040204020203" pitchFamily="34" charset="-34"/>
-                <a:cs typeface="Leelawadee UI Semilight" panose="020B0402040204020203" pitchFamily="34" charset="-34"/>
-              </a:rPr>
-              <a:t> </a:t>
-            </a:r>
-            <a:r>
-              <a:rPr lang="en-US" sz="2400" dirty="0" err="1">
-                <a:latin typeface="Leelawadee UI Semilight" panose="020B0402040204020203" pitchFamily="34" charset="-34"/>
-                <a:cs typeface="Leelawadee UI Semilight" panose="020B0402040204020203" pitchFamily="34" charset="-34"/>
-              </a:rPr>
-              <a:t>leo</a:t>
-            </a:r>
-            <a:r>
-              <a:rPr lang="en-US" sz="2400" dirty="0">
-                <a:latin typeface="Leelawadee UI Semilight" panose="020B0402040204020203" pitchFamily="34" charset="-34"/>
-                <a:cs typeface="Leelawadee UI Semilight" panose="020B0402040204020203" pitchFamily="34" charset="-34"/>
-              </a:rPr>
-              <a:t>. </a:t>
-            </a:r>
-            <a:r>
-              <a:rPr lang="en-US" sz="2400" dirty="0" err="1">
-                <a:latin typeface="Leelawadee UI Semilight" panose="020B0402040204020203" pitchFamily="34" charset="-34"/>
-                <a:cs typeface="Leelawadee UI Semilight" panose="020B0402040204020203" pitchFamily="34" charset="-34"/>
-              </a:rPr>
-              <a:t>Cras</a:t>
-            </a:r>
-            <a:r>
-              <a:rPr lang="en-US" sz="2400" dirty="0">
-                <a:latin typeface="Leelawadee UI Semilight" panose="020B0402040204020203" pitchFamily="34" charset="-34"/>
-                <a:cs typeface="Leelawadee UI Semilight" panose="020B0402040204020203" pitchFamily="34" charset="-34"/>
-              </a:rPr>
-              <a:t> vitae </a:t>
-            </a:r>
-            <a:r>
-              <a:rPr lang="en-US" sz="2400" dirty="0" err="1">
-                <a:latin typeface="Leelawadee UI Semilight" panose="020B0402040204020203" pitchFamily="34" charset="-34"/>
-                <a:cs typeface="Leelawadee UI Semilight" panose="020B0402040204020203" pitchFamily="34" charset="-34"/>
-              </a:rPr>
-              <a:t>dapibus</a:t>
-            </a:r>
-            <a:r>
-              <a:rPr lang="en-US" sz="2400" dirty="0">
-                <a:latin typeface="Leelawadee UI Semilight" panose="020B0402040204020203" pitchFamily="34" charset="-34"/>
-                <a:cs typeface="Leelawadee UI Semilight" panose="020B0402040204020203" pitchFamily="34" charset="-34"/>
-              </a:rPr>
-              <a:t> sem. </a:t>
-            </a:r>
-            <a:r>
-              <a:rPr lang="en-US" sz="2400" dirty="0" err="1">
-                <a:latin typeface="Leelawadee UI Semilight" panose="020B0402040204020203" pitchFamily="34" charset="-34"/>
-                <a:cs typeface="Leelawadee UI Semilight" panose="020B0402040204020203" pitchFamily="34" charset="-34"/>
-              </a:rPr>
-              <a:t>Donec</a:t>
-            </a:r>
-            <a:r>
-              <a:rPr lang="en-US" sz="2400" dirty="0">
-                <a:latin typeface="Leelawadee UI Semilight" panose="020B0402040204020203" pitchFamily="34" charset="-34"/>
-                <a:cs typeface="Leelawadee UI Semilight" panose="020B0402040204020203" pitchFamily="34" charset="-34"/>
-              </a:rPr>
-              <a:t> sit amet pharetra </a:t>
-            </a:r>
-            <a:r>
-              <a:rPr lang="en-US" sz="2400" dirty="0" err="1">
-                <a:latin typeface="Leelawadee UI Semilight" panose="020B0402040204020203" pitchFamily="34" charset="-34"/>
-                <a:cs typeface="Leelawadee UI Semilight" panose="020B0402040204020203" pitchFamily="34" charset="-34"/>
-              </a:rPr>
-              <a:t>nulla</a:t>
-            </a:r>
-            <a:r>
-              <a:rPr lang="en-US" sz="2400" dirty="0">
-                <a:latin typeface="Leelawadee UI Semilight" panose="020B0402040204020203" pitchFamily="34" charset="-34"/>
-                <a:cs typeface="Leelawadee UI Semilight" panose="020B0402040204020203" pitchFamily="34" charset="-34"/>
-              </a:rPr>
-              <a:t>. Nunc </a:t>
-            </a:r>
-            <a:r>
-              <a:rPr lang="en-US" sz="2400" dirty="0" err="1">
-                <a:latin typeface="Leelawadee UI Semilight" panose="020B0402040204020203" pitchFamily="34" charset="-34"/>
-                <a:cs typeface="Leelawadee UI Semilight" panose="020B0402040204020203" pitchFamily="34" charset="-34"/>
-              </a:rPr>
-              <a:t>aliquet</a:t>
-            </a:r>
-            <a:r>
-              <a:rPr lang="en-US" sz="2400" dirty="0">
-                <a:latin typeface="Leelawadee UI Semilight" panose="020B0402040204020203" pitchFamily="34" charset="-34"/>
-                <a:cs typeface="Leelawadee UI Semilight" panose="020B0402040204020203" pitchFamily="34" charset="-34"/>
-              </a:rPr>
-              <a:t> </a:t>
-            </a:r>
-            <a:r>
-              <a:rPr lang="en-US" sz="2400" dirty="0" err="1">
-                <a:latin typeface="Leelawadee UI Semilight" panose="020B0402040204020203" pitchFamily="34" charset="-34"/>
-                <a:cs typeface="Leelawadee UI Semilight" panose="020B0402040204020203" pitchFamily="34" charset="-34"/>
-              </a:rPr>
-              <a:t>mauris</a:t>
-            </a:r>
-            <a:r>
-              <a:rPr lang="en-US" sz="2400" dirty="0">
-                <a:latin typeface="Leelawadee UI Semilight" panose="020B0402040204020203" pitchFamily="34" charset="-34"/>
-                <a:cs typeface="Leelawadee UI Semilight" panose="020B0402040204020203" pitchFamily="34" charset="-34"/>
-              </a:rPr>
-              <a:t> et </a:t>
-            </a:r>
-            <a:r>
-              <a:rPr lang="en-US" sz="2400" dirty="0" err="1">
-                <a:latin typeface="Leelawadee UI Semilight" panose="020B0402040204020203" pitchFamily="34" charset="-34"/>
-                <a:cs typeface="Leelawadee UI Semilight" panose="020B0402040204020203" pitchFamily="34" charset="-34"/>
-              </a:rPr>
-              <a:t>justo</a:t>
-            </a:r>
-            <a:r>
-              <a:rPr lang="en-US" sz="2400" dirty="0">
-                <a:latin typeface="Leelawadee UI Semilight" panose="020B0402040204020203" pitchFamily="34" charset="-34"/>
-                <a:cs typeface="Leelawadee UI Semilight" panose="020B0402040204020203" pitchFamily="34" charset="-34"/>
-              </a:rPr>
-              <a:t> </a:t>
-            </a:r>
-            <a:r>
-              <a:rPr lang="en-US" sz="2400" dirty="0" err="1">
-                <a:latin typeface="Leelawadee UI Semilight" panose="020B0402040204020203" pitchFamily="34" charset="-34"/>
-                <a:cs typeface="Leelawadee UI Semilight" panose="020B0402040204020203" pitchFamily="34" charset="-34"/>
-              </a:rPr>
-              <a:t>condimentum</a:t>
-            </a:r>
-            <a:r>
-              <a:rPr lang="en-US" sz="2400" dirty="0">
-                <a:latin typeface="Leelawadee UI Semilight" panose="020B0402040204020203" pitchFamily="34" charset="-34"/>
-                <a:cs typeface="Leelawadee UI Semilight" panose="020B0402040204020203" pitchFamily="34" charset="-34"/>
-              </a:rPr>
-              <a:t> </a:t>
-            </a:r>
-            <a:r>
-              <a:rPr lang="en-US" sz="2400" dirty="0" err="1">
-                <a:latin typeface="Leelawadee UI Semilight" panose="020B0402040204020203" pitchFamily="34" charset="-34"/>
-                <a:cs typeface="Leelawadee UI Semilight" panose="020B0402040204020203" pitchFamily="34" charset="-34"/>
-              </a:rPr>
-              <a:t>rhoncus</a:t>
-            </a:r>
-            <a:r>
-              <a:rPr lang="en-US" sz="2400" dirty="0">
-                <a:latin typeface="Leelawadee UI Semilight" panose="020B0402040204020203" pitchFamily="34" charset="-34"/>
-                <a:cs typeface="Leelawadee UI Semilight" panose="020B0402040204020203" pitchFamily="34" charset="-34"/>
-              </a:rPr>
-              <a:t>. </a:t>
-            </a:r>
-            <a:r>
-              <a:rPr lang="en-US" sz="2400" dirty="0" err="1">
-                <a:latin typeface="Leelawadee UI Semilight" panose="020B0402040204020203" pitchFamily="34" charset="-34"/>
-                <a:cs typeface="Leelawadee UI Semilight" panose="020B0402040204020203" pitchFamily="34" charset="-34"/>
-              </a:rPr>
-              <a:t>Ut</a:t>
-            </a:r>
-            <a:r>
-              <a:rPr lang="en-US" sz="2400" dirty="0">
-                <a:latin typeface="Leelawadee UI Semilight" panose="020B0402040204020203" pitchFamily="34" charset="-34"/>
-                <a:cs typeface="Leelawadee UI Semilight" panose="020B0402040204020203" pitchFamily="34" charset="-34"/>
-              </a:rPr>
-              <a:t> dolor </a:t>
-            </a:r>
-            <a:r>
-              <a:rPr lang="en-US" sz="2400" dirty="0" err="1">
-                <a:latin typeface="Leelawadee UI Semilight" panose="020B0402040204020203" pitchFamily="34" charset="-34"/>
-                <a:cs typeface="Leelawadee UI Semilight" panose="020B0402040204020203" pitchFamily="34" charset="-34"/>
-              </a:rPr>
-              <a:t>tellus</a:t>
-            </a:r>
-            <a:r>
-              <a:rPr lang="en-US" sz="2400" dirty="0">
-                <a:latin typeface="Leelawadee UI Semilight" panose="020B0402040204020203" pitchFamily="34" charset="-34"/>
-                <a:cs typeface="Leelawadee UI Semilight" panose="020B0402040204020203" pitchFamily="34" charset="-34"/>
-              </a:rPr>
-              <a:t>, </a:t>
-            </a:r>
-            <a:r>
-              <a:rPr lang="en-US" sz="2400" dirty="0" err="1">
-                <a:latin typeface="Leelawadee UI Semilight" panose="020B0402040204020203" pitchFamily="34" charset="-34"/>
-                <a:cs typeface="Leelawadee UI Semilight" panose="020B0402040204020203" pitchFamily="34" charset="-34"/>
-              </a:rPr>
-              <a:t>sodales</a:t>
-            </a:r>
-            <a:r>
-              <a:rPr lang="en-US" sz="2400" dirty="0">
-                <a:latin typeface="Leelawadee UI Semilight" panose="020B0402040204020203" pitchFamily="34" charset="-34"/>
-                <a:cs typeface="Leelawadee UI Semilight" panose="020B0402040204020203" pitchFamily="34" charset="-34"/>
-              </a:rPr>
-              <a:t> id </a:t>
-            </a:r>
-            <a:r>
-              <a:rPr lang="en-US" sz="2400" dirty="0" err="1">
-                <a:latin typeface="Leelawadee UI Semilight" panose="020B0402040204020203" pitchFamily="34" charset="-34"/>
-                <a:cs typeface="Leelawadee UI Semilight" panose="020B0402040204020203" pitchFamily="34" charset="-34"/>
-              </a:rPr>
-              <a:t>elementum</a:t>
-            </a:r>
-            <a:r>
-              <a:rPr lang="en-US" sz="2400" dirty="0">
-                <a:latin typeface="Leelawadee UI Semilight" panose="020B0402040204020203" pitchFamily="34" charset="-34"/>
-                <a:cs typeface="Leelawadee UI Semilight" panose="020B0402040204020203" pitchFamily="34" charset="-34"/>
-              </a:rPr>
-              <a:t> ac, </a:t>
-            </a:r>
-            <a:r>
-              <a:rPr lang="en-US" sz="2400" dirty="0" err="1">
-                <a:latin typeface="Leelawadee UI Semilight" panose="020B0402040204020203" pitchFamily="34" charset="-34"/>
-                <a:cs typeface="Leelawadee UI Semilight" panose="020B0402040204020203" pitchFamily="34" charset="-34"/>
-              </a:rPr>
-              <a:t>fermentum</a:t>
-            </a:r>
-            <a:r>
-              <a:rPr lang="en-US" sz="2400" dirty="0">
-                <a:latin typeface="Leelawadee UI Semilight" panose="020B0402040204020203" pitchFamily="34" charset="-34"/>
-                <a:cs typeface="Leelawadee UI Semilight" panose="020B0402040204020203" pitchFamily="34" charset="-34"/>
-              </a:rPr>
-              <a:t> </a:t>
-            </a:r>
-            <a:r>
-              <a:rPr lang="en-US" sz="2400" dirty="0" err="1">
-                <a:latin typeface="Leelawadee UI Semilight" panose="020B0402040204020203" pitchFamily="34" charset="-34"/>
-                <a:cs typeface="Leelawadee UI Semilight" panose="020B0402040204020203" pitchFamily="34" charset="-34"/>
-              </a:rPr>
-              <a:t>blandit</a:t>
-            </a:r>
-            <a:r>
-              <a:rPr lang="en-US" sz="2400" dirty="0">
-                <a:latin typeface="Leelawadee UI Semilight" panose="020B0402040204020203" pitchFamily="34" charset="-34"/>
-                <a:cs typeface="Leelawadee UI Semilight" panose="020B0402040204020203" pitchFamily="34" charset="-34"/>
-              </a:rPr>
-              <a:t> </a:t>
-            </a:r>
-            <a:r>
-              <a:rPr lang="en-US" sz="2400" dirty="0" err="1">
-                <a:latin typeface="Leelawadee UI Semilight" panose="020B0402040204020203" pitchFamily="34" charset="-34"/>
-                <a:cs typeface="Leelawadee UI Semilight" panose="020B0402040204020203" pitchFamily="34" charset="-34"/>
-              </a:rPr>
-              <a:t>liberoSed</a:t>
-            </a:r>
-            <a:r>
-              <a:rPr lang="en-US" sz="2400" dirty="0">
-                <a:latin typeface="Leelawadee UI Semilight" panose="020B0402040204020203" pitchFamily="34" charset="-34"/>
-                <a:cs typeface="Leelawadee UI Semilight" panose="020B0402040204020203" pitchFamily="34" charset="-34"/>
-              </a:rPr>
-              <a:t> a </a:t>
-            </a:r>
-            <a:r>
-              <a:rPr lang="en-US" sz="2400" dirty="0" err="1">
-                <a:latin typeface="Leelawadee UI Semilight" panose="020B0402040204020203" pitchFamily="34" charset="-34"/>
-                <a:cs typeface="Leelawadee UI Semilight" panose="020B0402040204020203" pitchFamily="34" charset="-34"/>
-              </a:rPr>
-              <a:t>elit</a:t>
-            </a:r>
-            <a:r>
-              <a:rPr lang="en-US" sz="2400" dirty="0">
-                <a:latin typeface="Leelawadee UI Semilight" panose="020B0402040204020203" pitchFamily="34" charset="-34"/>
-                <a:cs typeface="Leelawadee UI Semilight" panose="020B0402040204020203" pitchFamily="34" charset="-34"/>
-              </a:rPr>
-              <a:t> </a:t>
-            </a:r>
-            <a:r>
-              <a:rPr lang="en-US" sz="2400" dirty="0" err="1">
-                <a:latin typeface="Leelawadee UI Semilight" panose="020B0402040204020203" pitchFamily="34" charset="-34"/>
-                <a:cs typeface="Leelawadee UI Semilight" panose="020B0402040204020203" pitchFamily="34" charset="-34"/>
-              </a:rPr>
-              <a:t>massa</a:t>
-            </a:r>
-            <a:r>
-              <a:rPr lang="en-US" sz="2400" dirty="0">
-                <a:latin typeface="Leelawadee UI Semilight" panose="020B0402040204020203" pitchFamily="34" charset="-34"/>
-                <a:cs typeface="Leelawadee UI Semilight" panose="020B0402040204020203" pitchFamily="34" charset="-34"/>
-              </a:rPr>
-              <a:t>. </a:t>
-            </a:r>
-            <a:r>
-              <a:rPr lang="en-US" sz="2400" dirty="0" err="1">
-                <a:latin typeface="Leelawadee UI Semilight" panose="020B0402040204020203" pitchFamily="34" charset="-34"/>
-                <a:cs typeface="Leelawadee UI Semilight" panose="020B0402040204020203" pitchFamily="34" charset="-34"/>
-              </a:rPr>
-              <a:t>Proin</a:t>
-            </a:r>
-            <a:r>
-              <a:rPr lang="en-US" sz="2400" dirty="0">
-                <a:latin typeface="Leelawadee UI Semilight" panose="020B0402040204020203" pitchFamily="34" charset="-34"/>
-                <a:cs typeface="Leelawadee UI Semilight" panose="020B0402040204020203" pitchFamily="34" charset="-34"/>
-              </a:rPr>
-              <a:t> </a:t>
-            </a:r>
-            <a:r>
-              <a:rPr lang="en-US" sz="2400" dirty="0" err="1">
-                <a:latin typeface="Leelawadee UI Semilight" panose="020B0402040204020203" pitchFamily="34" charset="-34"/>
-                <a:cs typeface="Leelawadee UI Semilight" panose="020B0402040204020203" pitchFamily="34" charset="-34"/>
-              </a:rPr>
-              <a:t>tristique</a:t>
-            </a:r>
-            <a:r>
-              <a:rPr lang="en-US" sz="2400" dirty="0">
-                <a:latin typeface="Leelawadee UI Semilight" panose="020B0402040204020203" pitchFamily="34" charset="-34"/>
-                <a:cs typeface="Leelawadee UI Semilight" panose="020B0402040204020203" pitchFamily="34" charset="-34"/>
-              </a:rPr>
-              <a:t> </a:t>
-            </a:r>
-            <a:r>
-              <a:rPr lang="en-US" sz="2400" dirty="0" err="1">
-                <a:latin typeface="Leelawadee UI Semilight" panose="020B0402040204020203" pitchFamily="34" charset="-34"/>
-                <a:cs typeface="Leelawadee UI Semilight" panose="020B0402040204020203" pitchFamily="34" charset="-34"/>
-              </a:rPr>
-              <a:t>justo</a:t>
-            </a:r>
-            <a:r>
-              <a:rPr lang="en-US" sz="2400" dirty="0">
-                <a:latin typeface="Leelawadee UI Semilight" panose="020B0402040204020203" pitchFamily="34" charset="-34"/>
-                <a:cs typeface="Leelawadee UI Semilight" panose="020B0402040204020203" pitchFamily="34" charset="-34"/>
-              </a:rPr>
-              <a:t> </a:t>
-            </a:r>
-            <a:r>
-              <a:rPr lang="en-US" sz="2400" dirty="0" err="1">
-                <a:latin typeface="Leelawadee UI Semilight" panose="020B0402040204020203" pitchFamily="34" charset="-34"/>
-                <a:cs typeface="Leelawadee UI Semilight" panose="020B0402040204020203" pitchFamily="34" charset="-34"/>
-              </a:rPr>
-              <a:t>ut</a:t>
-            </a:r>
-            <a:r>
-              <a:rPr lang="en-US" sz="2400" dirty="0">
-                <a:latin typeface="Leelawadee UI Semilight" panose="020B0402040204020203" pitchFamily="34" charset="-34"/>
-                <a:cs typeface="Leelawadee UI Semilight" panose="020B0402040204020203" pitchFamily="34" charset="-34"/>
-              </a:rPr>
-              <a:t> magna </a:t>
-            </a:r>
-            <a:r>
-              <a:rPr lang="en-US" sz="2400" dirty="0" err="1">
-                <a:latin typeface="Leelawadee UI Semilight" panose="020B0402040204020203" pitchFamily="34" charset="-34"/>
-                <a:cs typeface="Leelawadee UI Semilight" panose="020B0402040204020203" pitchFamily="34" charset="-34"/>
-              </a:rPr>
-              <a:t>luctus</a:t>
-            </a:r>
-            <a:r>
-              <a:rPr lang="en-US" sz="2400" dirty="0">
-                <a:latin typeface="Leelawadee UI Semilight" panose="020B0402040204020203" pitchFamily="34" charset="-34"/>
-                <a:cs typeface="Leelawadee UI Semilight" panose="020B0402040204020203" pitchFamily="34" charset="-34"/>
-              </a:rPr>
-              <a:t> </a:t>
-            </a:r>
-            <a:r>
-              <a:rPr lang="en-US" sz="2400" dirty="0" err="1">
-                <a:latin typeface="Leelawadee UI Semilight" panose="020B0402040204020203" pitchFamily="34" charset="-34"/>
-                <a:cs typeface="Leelawadee UI Semilight" panose="020B0402040204020203" pitchFamily="34" charset="-34"/>
-              </a:rPr>
-              <a:t>laoreet</a:t>
-            </a:r>
-            <a:r>
-              <a:rPr lang="en-US" sz="2400" dirty="0">
-                <a:latin typeface="Leelawadee UI Semilight" panose="020B0402040204020203" pitchFamily="34" charset="-34"/>
-                <a:cs typeface="Leelawadee UI Semilight" panose="020B0402040204020203" pitchFamily="34" charset="-34"/>
-              </a:rPr>
-              <a:t> </a:t>
-            </a:r>
-            <a:r>
-              <a:rPr lang="en-US" sz="2400" dirty="0" err="1">
-                <a:latin typeface="Leelawadee UI Semilight" panose="020B0402040204020203" pitchFamily="34" charset="-34"/>
-                <a:cs typeface="Leelawadee UI Semilight" panose="020B0402040204020203" pitchFamily="34" charset="-34"/>
-              </a:rPr>
-              <a:t>eu</a:t>
-            </a:r>
-            <a:r>
-              <a:rPr lang="en-US" sz="2400" dirty="0">
-                <a:latin typeface="Leelawadee UI Semilight" panose="020B0402040204020203" pitchFamily="34" charset="-34"/>
-                <a:cs typeface="Leelawadee UI Semilight" panose="020B0402040204020203" pitchFamily="34" charset="-34"/>
-              </a:rPr>
-              <a:t> </a:t>
-            </a:r>
-            <a:r>
-              <a:rPr lang="en-US" sz="2400" dirty="0" err="1">
-                <a:latin typeface="Leelawadee UI Semilight" panose="020B0402040204020203" pitchFamily="34" charset="-34"/>
-                <a:cs typeface="Leelawadee UI Semilight" panose="020B0402040204020203" pitchFamily="34" charset="-34"/>
-              </a:rPr>
-              <a:t>eu</a:t>
-            </a:r>
-            <a:r>
-              <a:rPr lang="en-US" sz="2400" dirty="0">
-                <a:latin typeface="Leelawadee UI Semilight" panose="020B0402040204020203" pitchFamily="34" charset="-34"/>
-                <a:cs typeface="Leelawadee UI Semilight" panose="020B0402040204020203" pitchFamily="34" charset="-34"/>
-              </a:rPr>
-              <a:t> </a:t>
-            </a:r>
-            <a:r>
-              <a:rPr lang="en-US" sz="2400" dirty="0" err="1">
-                <a:latin typeface="Leelawadee UI Semilight" panose="020B0402040204020203" pitchFamily="34" charset="-34"/>
-                <a:cs typeface="Leelawadee UI Semilight" panose="020B0402040204020203" pitchFamily="34" charset="-34"/>
-              </a:rPr>
-              <a:t>leo</a:t>
-            </a:r>
-            <a:r>
-              <a:rPr lang="en-US" sz="2400" dirty="0">
-                <a:latin typeface="Leelawadee UI Semilight" panose="020B0402040204020203" pitchFamily="34" charset="-34"/>
-                <a:cs typeface="Leelawadee UI Semilight" panose="020B0402040204020203" pitchFamily="34" charset="-34"/>
-              </a:rPr>
-              <a:t>. In </a:t>
-            </a:r>
-            <a:r>
-              <a:rPr lang="en-US" sz="2400" dirty="0" err="1">
-                <a:latin typeface="Leelawadee UI Semilight" panose="020B0402040204020203" pitchFamily="34" charset="-34"/>
-                <a:cs typeface="Leelawadee UI Semilight" panose="020B0402040204020203" pitchFamily="34" charset="-34"/>
-              </a:rPr>
-              <a:t>elit</a:t>
-            </a:r>
-            <a:r>
-              <a:rPr lang="en-US" sz="2400" dirty="0">
-                <a:latin typeface="Leelawadee UI Semilight" panose="020B0402040204020203" pitchFamily="34" charset="-34"/>
-                <a:cs typeface="Leelawadee UI Semilight" panose="020B0402040204020203" pitchFamily="34" charset="-34"/>
-              </a:rPr>
-              <a:t> </a:t>
-            </a:r>
-            <a:r>
-              <a:rPr lang="en-US" sz="2400" dirty="0" err="1">
-                <a:latin typeface="Leelawadee UI Semilight" panose="020B0402040204020203" pitchFamily="34" charset="-34"/>
-                <a:cs typeface="Leelawadee UI Semilight" panose="020B0402040204020203" pitchFamily="34" charset="-34"/>
-              </a:rPr>
-              <a:t>metus</a:t>
-            </a:r>
-            <a:r>
-              <a:rPr lang="en-US" sz="2400" dirty="0">
-                <a:latin typeface="Leelawadee UI Semilight" panose="020B0402040204020203" pitchFamily="34" charset="-34"/>
-                <a:cs typeface="Leelawadee UI Semilight" panose="020B0402040204020203" pitchFamily="34" charset="-34"/>
-              </a:rPr>
-              <a:t>, </a:t>
-            </a:r>
-            <a:r>
-              <a:rPr lang="en-US" sz="2400" dirty="0" err="1">
-                <a:latin typeface="Leelawadee UI Semilight" panose="020B0402040204020203" pitchFamily="34" charset="-34"/>
-                <a:cs typeface="Leelawadee UI Semilight" panose="020B0402040204020203" pitchFamily="34" charset="-34"/>
-              </a:rPr>
-              <a:t>tincidunt</a:t>
-            </a:r>
-            <a:r>
-              <a:rPr lang="en-US" sz="2400" dirty="0">
-                <a:latin typeface="Leelawadee UI Semilight" panose="020B0402040204020203" pitchFamily="34" charset="-34"/>
-                <a:cs typeface="Leelawadee UI Semilight" panose="020B0402040204020203" pitchFamily="34" charset="-34"/>
-              </a:rPr>
-              <a:t> </a:t>
-            </a:r>
-            <a:r>
-              <a:rPr lang="en-US" sz="2400" dirty="0" err="1">
-                <a:latin typeface="Leelawadee UI Semilight" panose="020B0402040204020203" pitchFamily="34" charset="-34"/>
-                <a:cs typeface="Leelawadee UI Semilight" panose="020B0402040204020203" pitchFamily="34" charset="-34"/>
-              </a:rPr>
-              <a:t>vel</a:t>
-            </a:r>
-            <a:r>
-              <a:rPr lang="en-US" sz="2400" dirty="0">
-                <a:latin typeface="Leelawadee UI Semilight" panose="020B0402040204020203" pitchFamily="34" charset="-34"/>
-                <a:cs typeface="Leelawadee UI Semilight" panose="020B0402040204020203" pitchFamily="34" charset="-34"/>
-              </a:rPr>
-              <a:t> </a:t>
-            </a:r>
-            <a:r>
-              <a:rPr lang="en-US" sz="2400" dirty="0" err="1">
-                <a:latin typeface="Leelawadee UI Semilight" panose="020B0402040204020203" pitchFamily="34" charset="-34"/>
-                <a:cs typeface="Leelawadee UI Semilight" panose="020B0402040204020203" pitchFamily="34" charset="-34"/>
-              </a:rPr>
-              <a:t>tincidunt</a:t>
-            </a:r>
-            <a:r>
-              <a:rPr lang="en-US" sz="2400" dirty="0">
-                <a:latin typeface="Leelawadee UI Semilight" panose="020B0402040204020203" pitchFamily="34" charset="-34"/>
-                <a:cs typeface="Leelawadee UI Semilight" panose="020B0402040204020203" pitchFamily="34" charset="-34"/>
-              </a:rPr>
-              <a:t> </a:t>
-            </a:r>
-            <a:r>
-              <a:rPr lang="en-US" sz="2400" dirty="0" err="1">
-                <a:latin typeface="Leelawadee UI Semilight" panose="020B0402040204020203" pitchFamily="34" charset="-34"/>
-                <a:cs typeface="Leelawadee UI Semilight" panose="020B0402040204020203" pitchFamily="34" charset="-34"/>
-              </a:rPr>
-              <a:t>ut</a:t>
-            </a:r>
-            <a:r>
-              <a:rPr lang="en-US" sz="2400" dirty="0">
-                <a:latin typeface="Leelawadee UI Semilight" panose="020B0402040204020203" pitchFamily="34" charset="-34"/>
-                <a:cs typeface="Leelawadee UI Semilight" panose="020B0402040204020203" pitchFamily="34" charset="-34"/>
-              </a:rPr>
-              <a:t>, </a:t>
-            </a:r>
-            <a:r>
-              <a:rPr lang="en-US" sz="2400" dirty="0" err="1">
-                <a:latin typeface="Leelawadee UI Semilight" panose="020B0402040204020203" pitchFamily="34" charset="-34"/>
-                <a:cs typeface="Leelawadee UI Semilight" panose="020B0402040204020203" pitchFamily="34" charset="-34"/>
-              </a:rPr>
-              <a:t>laoreet</a:t>
-            </a:r>
-            <a:r>
-              <a:rPr lang="en-US" sz="2400" dirty="0">
-                <a:latin typeface="Leelawadee UI Semilight" panose="020B0402040204020203" pitchFamily="34" charset="-34"/>
-                <a:cs typeface="Leelawadee UI Semilight" panose="020B0402040204020203" pitchFamily="34" charset="-34"/>
-              </a:rPr>
-              <a:t> </a:t>
-            </a:r>
-            <a:r>
-              <a:rPr lang="en-US" sz="2400" dirty="0" err="1">
-                <a:latin typeface="Leelawadee UI Semilight" panose="020B0402040204020203" pitchFamily="34" charset="-34"/>
-                <a:cs typeface="Leelawadee UI Semilight" panose="020B0402040204020203" pitchFamily="34" charset="-34"/>
-              </a:rPr>
-              <a:t>consectetur</a:t>
-            </a:r>
-            <a:r>
-              <a:rPr lang="en-US" sz="2400" dirty="0">
-                <a:latin typeface="Leelawadee UI Semilight" panose="020B0402040204020203" pitchFamily="34" charset="-34"/>
-                <a:cs typeface="Leelawadee UI Semilight" panose="020B0402040204020203" pitchFamily="34" charset="-34"/>
-              </a:rPr>
-              <a:t> </a:t>
-            </a:r>
-            <a:r>
-              <a:rPr lang="en-US" sz="2400" dirty="0" err="1">
-                <a:latin typeface="Leelawadee UI Semilight" panose="020B0402040204020203" pitchFamily="34" charset="-34"/>
-                <a:cs typeface="Leelawadee UI Semilight" panose="020B0402040204020203" pitchFamily="34" charset="-34"/>
-              </a:rPr>
-              <a:t>leo</a:t>
-            </a:r>
-            <a:r>
-              <a:rPr lang="en-US" sz="2400" dirty="0">
-                <a:latin typeface="Leelawadee UI Semilight" panose="020B0402040204020203" pitchFamily="34" charset="-34"/>
-                <a:cs typeface="Leelawadee UI Semilight" panose="020B0402040204020203" pitchFamily="34" charset="-34"/>
-              </a:rPr>
-              <a:t>. </a:t>
-            </a:r>
-            <a:r>
-              <a:rPr lang="en-US" sz="2400" dirty="0" err="1">
-                <a:latin typeface="Leelawadee UI Semilight" panose="020B0402040204020203" pitchFamily="34" charset="-34"/>
-                <a:cs typeface="Leelawadee UI Semilight" panose="020B0402040204020203" pitchFamily="34" charset="-34"/>
-              </a:rPr>
-              <a:t>Cras</a:t>
-            </a:r>
-            <a:r>
-              <a:rPr lang="en-US" sz="2400" dirty="0">
-                <a:latin typeface="Leelawadee UI Semilight" panose="020B0402040204020203" pitchFamily="34" charset="-34"/>
-                <a:cs typeface="Leelawadee UI Semilight" panose="020B0402040204020203" pitchFamily="34" charset="-34"/>
-              </a:rPr>
-              <a:t> vitae </a:t>
-            </a:r>
-            <a:r>
-              <a:rPr lang="en-US" sz="2400" dirty="0" err="1">
-                <a:latin typeface="Leelawadee UI Semilight" panose="020B0402040204020203" pitchFamily="34" charset="-34"/>
-                <a:cs typeface="Leelawadee UI Semilight" panose="020B0402040204020203" pitchFamily="34" charset="-34"/>
-              </a:rPr>
-              <a:t>dapibus</a:t>
-            </a:r>
-            <a:r>
-              <a:rPr lang="en-US" sz="2400" dirty="0">
-                <a:latin typeface="Leelawadee UI Semilight" panose="020B0402040204020203" pitchFamily="34" charset="-34"/>
-                <a:cs typeface="Leelawadee UI Semilight" panose="020B0402040204020203" pitchFamily="34" charset="-34"/>
-              </a:rPr>
-              <a:t> sem. </a:t>
-            </a:r>
-            <a:r>
-              <a:rPr lang="en-US" sz="2400" dirty="0" err="1">
-                <a:latin typeface="Leelawadee UI Semilight" panose="020B0402040204020203" pitchFamily="34" charset="-34"/>
-                <a:cs typeface="Leelawadee UI Semilight" panose="020B0402040204020203" pitchFamily="34" charset="-34"/>
-              </a:rPr>
-              <a:t>Donec</a:t>
-            </a:r>
-            <a:r>
-              <a:rPr lang="en-US" sz="2400" dirty="0">
-                <a:latin typeface="Leelawadee UI Semilight" panose="020B0402040204020203" pitchFamily="34" charset="-34"/>
-                <a:cs typeface="Leelawadee UI Semilight" panose="020B0402040204020203" pitchFamily="34" charset="-34"/>
-              </a:rPr>
-              <a:t> sit amet pharetra </a:t>
-            </a:r>
-            <a:r>
-              <a:rPr lang="en-US" sz="2400" dirty="0" err="1">
-                <a:latin typeface="Leelawadee UI Semilight" panose="020B0402040204020203" pitchFamily="34" charset="-34"/>
-                <a:cs typeface="Leelawadee UI Semilight" panose="020B0402040204020203" pitchFamily="34" charset="-34"/>
-              </a:rPr>
-              <a:t>nulla</a:t>
-            </a:r>
-            <a:r>
-              <a:rPr lang="en-US" sz="2400" dirty="0">
-                <a:latin typeface="Leelawadee UI Semilight" panose="020B0402040204020203" pitchFamily="34" charset="-34"/>
-                <a:cs typeface="Leelawadee UI Semilight" panose="020B0402040204020203" pitchFamily="34" charset="-34"/>
-              </a:rPr>
-              <a:t>. Nunc </a:t>
-            </a:r>
-            <a:r>
-              <a:rPr lang="en-US" sz="2400" dirty="0" err="1">
-                <a:latin typeface="Leelawadee UI Semilight" panose="020B0402040204020203" pitchFamily="34" charset="-34"/>
-                <a:cs typeface="Leelawadee UI Semilight" panose="020B0402040204020203" pitchFamily="34" charset="-34"/>
-              </a:rPr>
-              <a:t>aliquet</a:t>
-            </a:r>
-            <a:r>
-              <a:rPr lang="en-US" sz="2400" dirty="0">
-                <a:latin typeface="Leelawadee UI Semilight" panose="020B0402040204020203" pitchFamily="34" charset="-34"/>
-                <a:cs typeface="Leelawadee UI Semilight" panose="020B0402040204020203" pitchFamily="34" charset="-34"/>
-              </a:rPr>
-              <a:t> </a:t>
-            </a:r>
-            <a:r>
-              <a:rPr lang="en-US" sz="2400" dirty="0" err="1">
-                <a:latin typeface="Leelawadee UI Semilight" panose="020B0402040204020203" pitchFamily="34" charset="-34"/>
-                <a:cs typeface="Leelawadee UI Semilight" panose="020B0402040204020203" pitchFamily="34" charset="-34"/>
-              </a:rPr>
-              <a:t>mauris</a:t>
-            </a:r>
-            <a:r>
-              <a:rPr lang="en-US" sz="2400" dirty="0">
-                <a:latin typeface="Leelawadee UI Semilight" panose="020B0402040204020203" pitchFamily="34" charset="-34"/>
-                <a:cs typeface="Leelawadee UI Semilight" panose="020B0402040204020203" pitchFamily="34" charset="-34"/>
-              </a:rPr>
-              <a:t> et </a:t>
-            </a:r>
-            <a:r>
-              <a:rPr lang="en-US" sz="2400" dirty="0" err="1">
-                <a:latin typeface="Leelawadee UI Semilight" panose="020B0402040204020203" pitchFamily="34" charset="-34"/>
-                <a:cs typeface="Leelawadee UI Semilight" panose="020B0402040204020203" pitchFamily="34" charset="-34"/>
-              </a:rPr>
-              <a:t>justo</a:t>
-            </a:r>
-            <a:r>
-              <a:rPr lang="en-US" sz="2400" dirty="0">
-                <a:latin typeface="Leelawadee UI Semilight" panose="020B0402040204020203" pitchFamily="34" charset="-34"/>
-                <a:cs typeface="Leelawadee UI Semilight" panose="020B0402040204020203" pitchFamily="34" charset="-34"/>
-              </a:rPr>
-              <a:t> </a:t>
-            </a:r>
-            <a:r>
-              <a:rPr lang="en-US" sz="2400" dirty="0" err="1">
-                <a:latin typeface="Leelawadee UI Semilight" panose="020B0402040204020203" pitchFamily="34" charset="-34"/>
-                <a:cs typeface="Leelawadee UI Semilight" panose="020B0402040204020203" pitchFamily="34" charset="-34"/>
-              </a:rPr>
-              <a:t>condimentum</a:t>
-            </a:r>
-            <a:r>
-              <a:rPr lang="en-US" sz="2400" dirty="0">
-                <a:latin typeface="Leelawadee UI Semilight" panose="020B0402040204020203" pitchFamily="34" charset="-34"/>
-                <a:cs typeface="Leelawadee UI Semilight" panose="020B0402040204020203" pitchFamily="34" charset="-34"/>
-              </a:rPr>
-              <a:t> </a:t>
-            </a:r>
-            <a:r>
-              <a:rPr lang="en-US" sz="2400" dirty="0" err="1">
-                <a:latin typeface="Leelawadee UI Semilight" panose="020B0402040204020203" pitchFamily="34" charset="-34"/>
-                <a:cs typeface="Leelawadee UI Semilight" panose="020B0402040204020203" pitchFamily="34" charset="-34"/>
-              </a:rPr>
-              <a:t>rhoncus</a:t>
-            </a:r>
-            <a:r>
-              <a:rPr lang="en-US" sz="2400" dirty="0">
-                <a:latin typeface="Leelawadee UI Semilight" panose="020B0402040204020203" pitchFamily="34" charset="-34"/>
-                <a:cs typeface="Leelawadee UI Semilight" panose="020B0402040204020203" pitchFamily="34" charset="-34"/>
-              </a:rPr>
-              <a:t>. </a:t>
-            </a:r>
-            <a:r>
-              <a:rPr lang="en-US" sz="2400" dirty="0" err="1">
-                <a:latin typeface="Leelawadee UI Semilight" panose="020B0402040204020203" pitchFamily="34" charset="-34"/>
-                <a:cs typeface="Leelawadee UI Semilight" panose="020B0402040204020203" pitchFamily="34" charset="-34"/>
-              </a:rPr>
-              <a:t>Ut</a:t>
-            </a:r>
-            <a:r>
-              <a:rPr lang="en-US" sz="2400" dirty="0">
-                <a:latin typeface="Leelawadee UI Semilight" panose="020B0402040204020203" pitchFamily="34" charset="-34"/>
-                <a:cs typeface="Leelawadee UI Semilight" panose="020B0402040204020203" pitchFamily="34" charset="-34"/>
-              </a:rPr>
-              <a:t> dolor </a:t>
-            </a:r>
-            <a:r>
-              <a:rPr lang="en-US" sz="2400" dirty="0" err="1">
-                <a:latin typeface="Leelawadee UI Semilight" panose="020B0402040204020203" pitchFamily="34" charset="-34"/>
-                <a:cs typeface="Leelawadee UI Semilight" panose="020B0402040204020203" pitchFamily="34" charset="-34"/>
-              </a:rPr>
-              <a:t>tellus</a:t>
-            </a:r>
-            <a:r>
-              <a:rPr lang="en-US" sz="2400" dirty="0">
-                <a:latin typeface="Leelawadee UI Semilight" panose="020B0402040204020203" pitchFamily="34" charset="-34"/>
-                <a:cs typeface="Leelawadee UI Semilight" panose="020B0402040204020203" pitchFamily="34" charset="-34"/>
-              </a:rPr>
-              <a:t>, </a:t>
-            </a:r>
-            <a:r>
-              <a:rPr lang="en-US" sz="2400" dirty="0" err="1">
-                <a:latin typeface="Leelawadee UI Semilight" panose="020B0402040204020203" pitchFamily="34" charset="-34"/>
-                <a:cs typeface="Leelawadee UI Semilight" panose="020B0402040204020203" pitchFamily="34" charset="-34"/>
-              </a:rPr>
-              <a:t>sodales</a:t>
-            </a:r>
-            <a:r>
-              <a:rPr lang="en-US" sz="2400" dirty="0">
-                <a:latin typeface="Leelawadee UI Semilight" panose="020B0402040204020203" pitchFamily="34" charset="-34"/>
-                <a:cs typeface="Leelawadee UI Semilight" panose="020B0402040204020203" pitchFamily="34" charset="-34"/>
-              </a:rPr>
-              <a:t> id </a:t>
-            </a:r>
-            <a:r>
-              <a:rPr lang="en-US" sz="2400" dirty="0" err="1">
-                <a:latin typeface="Leelawadee UI Semilight" panose="020B0402040204020203" pitchFamily="34" charset="-34"/>
-                <a:cs typeface="Leelawadee UI Semilight" panose="020B0402040204020203" pitchFamily="34" charset="-34"/>
-              </a:rPr>
-              <a:t>elementum</a:t>
-            </a:r>
-            <a:r>
-              <a:rPr lang="en-US" sz="2400" dirty="0">
-                <a:latin typeface="Leelawadee UI Semilight" panose="020B0402040204020203" pitchFamily="34" charset="-34"/>
-                <a:cs typeface="Leelawadee UI Semilight" panose="020B0402040204020203" pitchFamily="34" charset="-34"/>
-              </a:rPr>
-              <a:t> ac, </a:t>
-            </a:r>
-            <a:r>
-              <a:rPr lang="en-US" sz="2400" dirty="0" err="1">
-                <a:latin typeface="Leelawadee UI Semilight" panose="020B0402040204020203" pitchFamily="34" charset="-34"/>
-                <a:cs typeface="Leelawadee UI Semilight" panose="020B0402040204020203" pitchFamily="34" charset="-34"/>
-              </a:rPr>
-              <a:t>fermentum</a:t>
-            </a:r>
-            <a:r>
-              <a:rPr lang="en-US" sz="2400" dirty="0">
-                <a:latin typeface="Leelawadee UI Semilight" panose="020B0402040204020203" pitchFamily="34" charset="-34"/>
-                <a:cs typeface="Leelawadee UI Semilight" panose="020B0402040204020203" pitchFamily="34" charset="-34"/>
-              </a:rPr>
-              <a:t> </a:t>
-            </a:r>
-            <a:r>
-              <a:rPr lang="en-US" sz="2400" dirty="0" err="1">
-                <a:latin typeface="Leelawadee UI Semilight" panose="020B0402040204020203" pitchFamily="34" charset="-34"/>
-                <a:cs typeface="Leelawadee UI Semilight" panose="020B0402040204020203" pitchFamily="34" charset="-34"/>
-              </a:rPr>
-              <a:t>blandit</a:t>
-            </a:r>
-            <a:r>
-              <a:rPr lang="en-US" sz="2400" dirty="0">
-                <a:latin typeface="Leelawadee UI Semilight" panose="020B0402040204020203" pitchFamily="34" charset="-34"/>
-                <a:cs typeface="Leelawadee UI Semilight" panose="020B0402040204020203" pitchFamily="34" charset="-34"/>
-              </a:rPr>
-              <a:t> libero</a:t>
-            </a:r>
-          </a:p>
-        </p:txBody>
-      </p:sp>
-      <p:sp>
-        <p:nvSpPr>
-          <p:cNvPr id="72" name="TextBox 71"/>
+              <a:t>Crime vs Average Airbnb prices</a:t>
+            </a:r>
+          </a:p>
+        </p:txBody>
+      </p:sp>
+      <p:sp>
+        <p:nvSpPr>
+          <p:cNvPr id="28" name="TextBox 63">
+            <a:extLst>
+              <a:ext uri="{FF2B5EF4-FFF2-40B4-BE49-F238E27FC236}">
+                <a16:creationId xmlns:a16="http://schemas.microsoft.com/office/drawing/2014/main" id="{05DCF72B-DE09-42A3-9D1B-2A40F2CDA4CE}"/>
+              </a:ext>
+            </a:extLst>
+          </p:cNvPr>
           <p:cNvSpPr txBox="1"/>
           <p:nvPr/>
         </p:nvSpPr>
         <p:spPr>
           <a:xfrm>
-            <a:off x="23201376" y="20325439"/>
-            <a:ext cx="11602212" cy="769441"/>
+            <a:off x="17672240" y="4234112"/>
+            <a:ext cx="5020109" cy="769441"/>
           </a:xfrm>
           <a:prstGeom prst="rect">
             <a:avLst/>
@@ -6639,16 +5463,2192 @@
           </a:bodyPr>
           <a:lstStyle/>
           <a:p>
+            <a:pPr algn="ctr"/>
             <a:r>
               <a:rPr lang="en-US" sz="4400" dirty="0">
+                <a:solidFill>
+                  <a:schemeClr val="bg1"/>
+                </a:solidFill>
                 <a:latin typeface="Leelawadee UI Semilight" panose="020B0402040204020203" pitchFamily="34" charset="-34"/>
                 <a:cs typeface="Leelawadee UI Semilight" panose="020B0402040204020203" pitchFamily="34" charset="-34"/>
               </a:rPr>
-              <a:t>Future Work</a:t>
-            </a:r>
-          </a:p>
-        </p:txBody>
-      </p:sp>
+              <a:t>Sum</a:t>
+            </a:r>
+          </a:p>
+        </p:txBody>
+      </p:sp>
+      <p:sp>
+        <p:nvSpPr>
+          <p:cNvPr id="29" name="TextBox 63">
+            <a:extLst>
+              <a:ext uri="{FF2B5EF4-FFF2-40B4-BE49-F238E27FC236}">
+                <a16:creationId xmlns:a16="http://schemas.microsoft.com/office/drawing/2014/main" id="{FB7F4CEF-D3DF-4C70-984B-C5EF46616E33}"/>
+              </a:ext>
+            </a:extLst>
+          </p:cNvPr>
+          <p:cNvSpPr txBox="1"/>
+          <p:nvPr/>
+        </p:nvSpPr>
+        <p:spPr>
+          <a:xfrm>
+            <a:off x="12378679" y="4248110"/>
+            <a:ext cx="4855411" cy="769441"/>
+          </a:xfrm>
+          <a:prstGeom prst="rect">
+            <a:avLst/>
+          </a:prstGeom>
+          <a:solidFill>
+            <a:schemeClr val="accent3">
+              <a:lumMod val="60000"/>
+              <a:lumOff val="40000"/>
+            </a:schemeClr>
+          </a:solidFill>
+        </p:spPr>
+        <p:txBody>
+          <a:bodyPr wrap="square" rtlCol="0">
+            <a:spAutoFit/>
+          </a:bodyPr>
+          <a:lstStyle/>
+          <a:p>
+            <a:pPr algn="ctr"/>
+            <a:r>
+              <a:rPr lang="en-US" sz="4400" dirty="0">
+                <a:solidFill>
+                  <a:schemeClr val="bg1"/>
+                </a:solidFill>
+                <a:latin typeface="Leelawadee UI Semilight" panose="020B0402040204020203" pitchFamily="34" charset="-34"/>
+                <a:cs typeface="Leelawadee UI Semilight" panose="020B0402040204020203" pitchFamily="34" charset="-34"/>
+              </a:rPr>
+              <a:t>Join</a:t>
+            </a:r>
+          </a:p>
+        </p:txBody>
+      </p:sp>
+      <p:sp>
+        <p:nvSpPr>
+          <p:cNvPr id="31" name="TextBox 64">
+            <a:extLst>
+              <a:ext uri="{FF2B5EF4-FFF2-40B4-BE49-F238E27FC236}">
+                <a16:creationId xmlns:a16="http://schemas.microsoft.com/office/drawing/2014/main" id="{70F4DFA6-3E74-41B0-A8E9-BBFDAF6DE9FF}"/>
+              </a:ext>
+            </a:extLst>
+          </p:cNvPr>
+          <p:cNvSpPr txBox="1"/>
+          <p:nvPr/>
+        </p:nvSpPr>
+        <p:spPr>
+          <a:xfrm>
+            <a:off x="12378679" y="5072505"/>
+            <a:ext cx="4855411" cy="2062103"/>
+          </a:xfrm>
+          <a:prstGeom prst="roundRect">
+            <a:avLst>
+              <a:gd name="adj" fmla="val 0"/>
+            </a:avLst>
+          </a:prstGeom>
+          <a:noFill/>
+          <a:ln>
+            <a:noFill/>
+          </a:ln>
+        </p:spPr>
+        <p:style>
+          <a:lnRef idx="2">
+            <a:schemeClr val="accent1"/>
+          </a:lnRef>
+          <a:fillRef idx="1">
+            <a:schemeClr val="lt1"/>
+          </a:fillRef>
+          <a:effectRef idx="0">
+            <a:schemeClr val="accent1"/>
+          </a:effectRef>
+          <a:fontRef idx="minor">
+            <a:schemeClr val="dk1"/>
+          </a:fontRef>
+        </p:style>
+        <p:txBody>
+          <a:bodyPr wrap="square" rtlCol="0">
+            <a:spAutoFit/>
+          </a:bodyPr>
+          <a:lstStyle/>
+          <a:p>
+            <a:pPr algn="just"/>
+            <a:r>
+              <a:rPr lang="en-US" sz="3200" dirty="0">
+                <a:latin typeface="Leelawadee UI Semilight" panose="020B0402040204020203" pitchFamily="34" charset="-34"/>
+                <a:cs typeface="Leelawadee UI Semilight" panose="020B0402040204020203" pitchFamily="34" charset="-34"/>
+              </a:rPr>
+              <a:t>At first, we joined the Boston crime dataset and the Airbnb dataset based on neighborhood</a:t>
+            </a:r>
+          </a:p>
+        </p:txBody>
+      </p:sp>
+      <p:sp>
+        <p:nvSpPr>
+          <p:cNvPr id="32" name="TextBox 64">
+            <a:extLst>
+              <a:ext uri="{FF2B5EF4-FFF2-40B4-BE49-F238E27FC236}">
+                <a16:creationId xmlns:a16="http://schemas.microsoft.com/office/drawing/2014/main" id="{9CB24984-FA94-49CD-B8AC-05395C11567B}"/>
+              </a:ext>
+            </a:extLst>
+          </p:cNvPr>
+          <p:cNvSpPr txBox="1"/>
+          <p:nvPr/>
+        </p:nvSpPr>
+        <p:spPr>
+          <a:xfrm>
+            <a:off x="17588416" y="5133522"/>
+            <a:ext cx="5035349" cy="2062103"/>
+          </a:xfrm>
+          <a:prstGeom prst="roundRect">
+            <a:avLst>
+              <a:gd name="adj" fmla="val 0"/>
+            </a:avLst>
+          </a:prstGeom>
+          <a:noFill/>
+          <a:ln>
+            <a:noFill/>
+          </a:ln>
+        </p:spPr>
+        <p:style>
+          <a:lnRef idx="2">
+            <a:schemeClr val="accent1"/>
+          </a:lnRef>
+          <a:fillRef idx="1">
+            <a:schemeClr val="lt1"/>
+          </a:fillRef>
+          <a:effectRef idx="0">
+            <a:schemeClr val="accent1"/>
+          </a:effectRef>
+          <a:fontRef idx="minor">
+            <a:schemeClr val="dk1"/>
+          </a:fontRef>
+        </p:style>
+        <p:txBody>
+          <a:bodyPr wrap="square" rtlCol="0">
+            <a:spAutoFit/>
+          </a:bodyPr>
+          <a:lstStyle/>
+          <a:p>
+            <a:pPr algn="just"/>
+            <a:r>
+              <a:rPr lang="en-US" sz="3200" dirty="0">
+                <a:latin typeface="Leelawadee UI Semilight" panose="020B0402040204020203" pitchFamily="34" charset="-34"/>
+                <a:cs typeface="Leelawadee UI Semilight" panose="020B0402040204020203" pitchFamily="34" charset="-34"/>
+              </a:rPr>
+              <a:t>For each neighborhood we summed up the numbers of crime occurred in that neighborhood</a:t>
+            </a:r>
+          </a:p>
+        </p:txBody>
+      </p:sp>
+      <p:sp>
+        <p:nvSpPr>
+          <p:cNvPr id="33" name="TextBox 64">
+            <a:extLst>
+              <a:ext uri="{FF2B5EF4-FFF2-40B4-BE49-F238E27FC236}">
+                <a16:creationId xmlns:a16="http://schemas.microsoft.com/office/drawing/2014/main" id="{12641D6C-C6DE-4D8E-B6B5-B1CA57867E65}"/>
+              </a:ext>
+            </a:extLst>
+          </p:cNvPr>
+          <p:cNvSpPr txBox="1"/>
+          <p:nvPr/>
+        </p:nvSpPr>
+        <p:spPr>
+          <a:xfrm>
+            <a:off x="12359639" y="8145940"/>
+            <a:ext cx="10363200" cy="1077218"/>
+          </a:xfrm>
+          <a:prstGeom prst="roundRect">
+            <a:avLst>
+              <a:gd name="adj" fmla="val 0"/>
+            </a:avLst>
+          </a:prstGeom>
+          <a:noFill/>
+          <a:ln>
+            <a:noFill/>
+          </a:ln>
+        </p:spPr>
+        <p:style>
+          <a:lnRef idx="2">
+            <a:schemeClr val="accent1"/>
+          </a:lnRef>
+          <a:fillRef idx="1">
+            <a:schemeClr val="lt1"/>
+          </a:fillRef>
+          <a:effectRef idx="0">
+            <a:schemeClr val="accent1"/>
+          </a:effectRef>
+          <a:fontRef idx="minor">
+            <a:schemeClr val="dk1"/>
+          </a:fontRef>
+        </p:style>
+        <p:txBody>
+          <a:bodyPr wrap="square" rtlCol="0">
+            <a:spAutoFit/>
+          </a:bodyPr>
+          <a:lstStyle/>
+          <a:p>
+            <a:pPr algn="just"/>
+            <a:r>
+              <a:rPr lang="en-US" sz="3200" dirty="0">
+                <a:latin typeface="Leelawadee UI Semilight" panose="020B0402040204020203" pitchFamily="34" charset="-34"/>
+                <a:cs typeface="Leelawadee UI Semilight" panose="020B0402040204020203" pitchFamily="34" charset="-34"/>
+              </a:rPr>
+              <a:t>For each neighborhood we calculate the average Airbnb price in that neighborhood </a:t>
+            </a:r>
+          </a:p>
+        </p:txBody>
+      </p:sp>
+      <p:sp>
+        <p:nvSpPr>
+          <p:cNvPr id="34" name="TextBox 63">
+            <a:extLst>
+              <a:ext uri="{FF2B5EF4-FFF2-40B4-BE49-F238E27FC236}">
+                <a16:creationId xmlns:a16="http://schemas.microsoft.com/office/drawing/2014/main" id="{F774330D-3BB9-486B-8916-DF5A4AFA0F49}"/>
+              </a:ext>
+            </a:extLst>
+          </p:cNvPr>
+          <p:cNvSpPr txBox="1"/>
+          <p:nvPr/>
+        </p:nvSpPr>
+        <p:spPr>
+          <a:xfrm>
+            <a:off x="12378688" y="7318612"/>
+            <a:ext cx="10313661" cy="769441"/>
+          </a:xfrm>
+          <a:prstGeom prst="rect">
+            <a:avLst/>
+          </a:prstGeom>
+          <a:solidFill>
+            <a:schemeClr val="accent3">
+              <a:lumMod val="60000"/>
+              <a:lumOff val="40000"/>
+            </a:schemeClr>
+          </a:solidFill>
+        </p:spPr>
+        <p:txBody>
+          <a:bodyPr wrap="square" rtlCol="0">
+            <a:spAutoFit/>
+          </a:bodyPr>
+          <a:lstStyle/>
+          <a:p>
+            <a:pPr algn="ctr"/>
+            <a:r>
+              <a:rPr lang="en-US" sz="4400" dirty="0">
+                <a:solidFill>
+                  <a:schemeClr val="bg1"/>
+                </a:solidFill>
+                <a:latin typeface="Leelawadee UI Semilight" panose="020B0402040204020203" pitchFamily="34" charset="-34"/>
+                <a:cs typeface="Leelawadee UI Semilight" panose="020B0402040204020203" pitchFamily="34" charset="-34"/>
+              </a:rPr>
+              <a:t>Aggregation</a:t>
+            </a:r>
+          </a:p>
+        </p:txBody>
+      </p:sp>
+      <p:sp>
+        <p:nvSpPr>
+          <p:cNvPr id="37" name="TextBox 67">
+            <a:extLst>
+              <a:ext uri="{FF2B5EF4-FFF2-40B4-BE49-F238E27FC236}">
+                <a16:creationId xmlns:a16="http://schemas.microsoft.com/office/drawing/2014/main" id="{BE727033-96C8-4BF4-BA66-9C69972F2949}"/>
+              </a:ext>
+            </a:extLst>
+          </p:cNvPr>
+          <p:cNvSpPr txBox="1"/>
+          <p:nvPr/>
+        </p:nvSpPr>
+        <p:spPr>
+          <a:xfrm>
+            <a:off x="12357300" y="20592774"/>
+            <a:ext cx="10384588" cy="769441"/>
+          </a:xfrm>
+          <a:prstGeom prst="rect">
+            <a:avLst/>
+          </a:prstGeom>
+          <a:solidFill>
+            <a:schemeClr val="accent3">
+              <a:lumMod val="60000"/>
+              <a:lumOff val="40000"/>
+            </a:schemeClr>
+          </a:solidFill>
+        </p:spPr>
+        <p:txBody>
+          <a:bodyPr wrap="square" rtlCol="0">
+            <a:spAutoFit/>
+          </a:bodyPr>
+          <a:lstStyle/>
+          <a:p>
+            <a:pPr algn="ctr"/>
+            <a:r>
+              <a:rPr lang="en-US" sz="4400" dirty="0">
+                <a:solidFill>
+                  <a:schemeClr val="bg1"/>
+                </a:solidFill>
+                <a:latin typeface="Leelawadee UI Semilight" panose="020B0402040204020203" pitchFamily="34" charset="-34"/>
+                <a:cs typeface="Leelawadee UI Semilight" panose="020B0402040204020203" pitchFamily="34" charset="-34"/>
+              </a:rPr>
+              <a:t>Results</a:t>
+            </a:r>
+          </a:p>
+        </p:txBody>
+      </p:sp>
+      <p:sp>
+        <p:nvSpPr>
+          <p:cNvPr id="38" name="TextBox 66">
+            <a:extLst>
+              <a:ext uri="{FF2B5EF4-FFF2-40B4-BE49-F238E27FC236}">
+                <a16:creationId xmlns:a16="http://schemas.microsoft.com/office/drawing/2014/main" id="{0320A390-17A5-4730-AC82-DCBBB4C538B3}"/>
+              </a:ext>
+            </a:extLst>
+          </p:cNvPr>
+          <p:cNvSpPr txBox="1"/>
+          <p:nvPr/>
+        </p:nvSpPr>
+        <p:spPr>
+          <a:xfrm>
+            <a:off x="12378679" y="20977494"/>
+            <a:ext cx="10367021" cy="3477875"/>
+          </a:xfrm>
+          <a:prstGeom prst="roundRect">
+            <a:avLst>
+              <a:gd name="adj" fmla="val 0"/>
+            </a:avLst>
+          </a:prstGeom>
+          <a:noFill/>
+          <a:ln>
+            <a:noFill/>
+          </a:ln>
+        </p:spPr>
+        <p:style>
+          <a:lnRef idx="2">
+            <a:schemeClr val="accent1"/>
+          </a:lnRef>
+          <a:fillRef idx="1">
+            <a:schemeClr val="lt1"/>
+          </a:fillRef>
+          <a:effectRef idx="0">
+            <a:schemeClr val="accent1"/>
+          </a:effectRef>
+          <a:fontRef idx="minor">
+            <a:schemeClr val="dk1"/>
+          </a:fontRef>
+        </p:style>
+        <p:txBody>
+          <a:bodyPr wrap="square" rtlCol="0">
+            <a:spAutoFit/>
+          </a:bodyPr>
+          <a:lstStyle/>
+          <a:p>
+            <a:endParaRPr lang="en-US" sz="2800" dirty="0">
+              <a:solidFill>
+                <a:schemeClr val="accent2">
+                  <a:lumMod val="50000"/>
+                </a:schemeClr>
+              </a:solidFill>
+              <a:latin typeface="Leelawadee UI Semilight" panose="020B0402040204020203" pitchFamily="34" charset="-34"/>
+              <a:cs typeface="Leelawadee UI Semilight" panose="020B0402040204020203" pitchFamily="34" charset="-34"/>
+            </a:endParaRPr>
+          </a:p>
+          <a:p>
+            <a:pPr algn="just"/>
+            <a:r>
+              <a:rPr lang="en-US" sz="3200" dirty="0">
+                <a:solidFill>
+                  <a:schemeClr val="tx1"/>
+                </a:solidFill>
+                <a:latin typeface="Leelawadee UI Semilight" panose="020B0402040204020203" pitchFamily="34" charset="-34"/>
+                <a:cs typeface="Leelawadee UI Semilight" panose="020B0402040204020203" pitchFamily="34" charset="-34"/>
+              </a:rPr>
+              <a:t>To our surprise, the correlation between price and crime rate was low. It is likely that other positive factors outweigh the crime rate. And the what disappointed too is that there were almost no relation between price and public places, the two factors we consider are not really playing important roles. </a:t>
+            </a:r>
+          </a:p>
+        </p:txBody>
+      </p:sp>
+      <p:sp>
+        <p:nvSpPr>
+          <p:cNvPr id="2" name="矩形 1">
+            <a:extLst>
+              <a:ext uri="{FF2B5EF4-FFF2-40B4-BE49-F238E27FC236}">
+                <a16:creationId xmlns:a16="http://schemas.microsoft.com/office/drawing/2014/main" id="{36D79E67-F1FB-44F8-B8E1-615BCD6A0514}"/>
+              </a:ext>
+            </a:extLst>
+          </p:cNvPr>
+          <p:cNvSpPr/>
+          <p:nvPr/>
+        </p:nvSpPr>
+        <p:spPr>
+          <a:xfrm>
+            <a:off x="12338250" y="20593567"/>
+            <a:ext cx="21198842" cy="4704834"/>
+          </a:xfrm>
+          <a:prstGeom prst="rect">
+            <a:avLst/>
+          </a:prstGeom>
+          <a:noFill/>
+          <a:ln>
+            <a:solidFill>
+              <a:schemeClr val="bg1">
+                <a:lumMod val="75000"/>
+              </a:schemeClr>
+            </a:solidFill>
+          </a:ln>
+        </p:spPr>
+        <p:style>
+          <a:lnRef idx="2">
+            <a:schemeClr val="accent1">
+              <a:shade val="50000"/>
+            </a:schemeClr>
+          </a:lnRef>
+          <a:fillRef idx="1">
+            <a:schemeClr val="accent1"/>
+          </a:fillRef>
+          <a:effectRef idx="0">
+            <a:schemeClr val="accent1"/>
+          </a:effectRef>
+          <a:fontRef idx="minor">
+            <a:schemeClr val="lt1"/>
+          </a:fontRef>
+        </p:style>
+        <p:txBody>
+          <a:bodyPr rtlCol="0" anchor="ctr"/>
+          <a:lstStyle/>
+          <a:p>
+            <a:pPr algn="ctr"/>
+            <a:endParaRPr lang="zh-CN" altLang="en-US"/>
+          </a:p>
+        </p:txBody>
+      </p:sp>
+      <p:sp>
+        <p:nvSpPr>
+          <p:cNvPr id="39" name="TextBox 65">
+            <a:extLst>
+              <a:ext uri="{FF2B5EF4-FFF2-40B4-BE49-F238E27FC236}">
+                <a16:creationId xmlns:a16="http://schemas.microsoft.com/office/drawing/2014/main" id="{63005D6C-6B31-440C-9B89-A75748077498}"/>
+              </a:ext>
+            </a:extLst>
+          </p:cNvPr>
+          <p:cNvSpPr txBox="1"/>
+          <p:nvPr/>
+        </p:nvSpPr>
+        <p:spPr>
+          <a:xfrm>
+            <a:off x="1575048" y="19403758"/>
+            <a:ext cx="10350250" cy="769441"/>
+          </a:xfrm>
+          <a:prstGeom prst="rect">
+            <a:avLst/>
+          </a:prstGeom>
+          <a:solidFill>
+            <a:schemeClr val="accent3">
+              <a:lumMod val="60000"/>
+              <a:lumOff val="40000"/>
+            </a:schemeClr>
+          </a:solidFill>
+        </p:spPr>
+        <p:txBody>
+          <a:bodyPr wrap="square" rtlCol="0">
+            <a:spAutoFit/>
+          </a:bodyPr>
+          <a:lstStyle/>
+          <a:p>
+            <a:pPr algn="ctr"/>
+            <a:r>
+              <a:rPr lang="en-US" sz="4400" dirty="0">
+                <a:solidFill>
+                  <a:schemeClr val="bg1"/>
+                </a:solidFill>
+                <a:latin typeface="Leelawadee UI Semilight" panose="020B0402040204020203" pitchFamily="34" charset="-34"/>
+                <a:cs typeface="Leelawadee UI Semilight" panose="020B0402040204020203" pitchFamily="34" charset="-34"/>
+              </a:rPr>
+              <a:t>Project Goals</a:t>
+            </a:r>
+          </a:p>
+        </p:txBody>
+      </p:sp>
+      <p:sp>
+        <p:nvSpPr>
+          <p:cNvPr id="40" name="矩形 39">
+            <a:extLst>
+              <a:ext uri="{FF2B5EF4-FFF2-40B4-BE49-F238E27FC236}">
+                <a16:creationId xmlns:a16="http://schemas.microsoft.com/office/drawing/2014/main" id="{43372AE4-9773-424D-84FB-D49DC097F8F6}"/>
+              </a:ext>
+            </a:extLst>
+          </p:cNvPr>
+          <p:cNvSpPr/>
+          <p:nvPr/>
+        </p:nvSpPr>
+        <p:spPr>
+          <a:xfrm>
+            <a:off x="1556660" y="2733333"/>
+            <a:ext cx="10350250" cy="22565068"/>
+          </a:xfrm>
+          <a:prstGeom prst="rect">
+            <a:avLst/>
+          </a:prstGeom>
+          <a:noFill/>
+          <a:ln>
+            <a:solidFill>
+              <a:schemeClr val="bg1">
+                <a:lumMod val="75000"/>
+              </a:schemeClr>
+            </a:solidFill>
+          </a:ln>
+        </p:spPr>
+        <p:style>
+          <a:lnRef idx="2">
+            <a:schemeClr val="accent1">
+              <a:shade val="50000"/>
+            </a:schemeClr>
+          </a:lnRef>
+          <a:fillRef idx="1">
+            <a:schemeClr val="accent1"/>
+          </a:fillRef>
+          <a:effectRef idx="0">
+            <a:schemeClr val="accent1"/>
+          </a:effectRef>
+          <a:fontRef idx="minor">
+            <a:schemeClr val="lt1"/>
+          </a:fontRef>
+        </p:style>
+        <p:txBody>
+          <a:bodyPr rtlCol="0" anchor="ctr"/>
+          <a:lstStyle/>
+          <a:p>
+            <a:pPr algn="ctr"/>
+            <a:endParaRPr lang="zh-CN" altLang="en-US"/>
+          </a:p>
+        </p:txBody>
+      </p:sp>
+      <p:sp>
+        <p:nvSpPr>
+          <p:cNvPr id="42" name="TextBox 64">
+            <a:extLst>
+              <a:ext uri="{FF2B5EF4-FFF2-40B4-BE49-F238E27FC236}">
+                <a16:creationId xmlns:a16="http://schemas.microsoft.com/office/drawing/2014/main" id="{C3F93738-3B85-4838-A4B5-0470C42F0700}"/>
+              </a:ext>
+            </a:extLst>
+          </p:cNvPr>
+          <p:cNvSpPr txBox="1"/>
+          <p:nvPr/>
+        </p:nvSpPr>
+        <p:spPr>
+          <a:xfrm>
+            <a:off x="23149549" y="3637762"/>
+            <a:ext cx="10259352" cy="615553"/>
+          </a:xfrm>
+          <a:prstGeom prst="roundRect">
+            <a:avLst>
+              <a:gd name="adj" fmla="val 0"/>
+            </a:avLst>
+          </a:prstGeom>
+          <a:noFill/>
+          <a:ln>
+            <a:noFill/>
+          </a:ln>
+        </p:spPr>
+        <p:style>
+          <a:lnRef idx="2">
+            <a:schemeClr val="accent1"/>
+          </a:lnRef>
+          <a:fillRef idx="1">
+            <a:schemeClr val="lt1"/>
+          </a:fillRef>
+          <a:effectRef idx="0">
+            <a:schemeClr val="accent1"/>
+          </a:effectRef>
+          <a:fontRef idx="minor">
+            <a:schemeClr val="dk1"/>
+          </a:fontRef>
+        </p:style>
+        <p:txBody>
+          <a:bodyPr wrap="square" rtlCol="0">
+            <a:spAutoFit/>
+          </a:bodyPr>
+          <a:lstStyle/>
+          <a:p>
+            <a:pPr algn="ctr"/>
+            <a:r>
+              <a:rPr lang="en-US" altLang="zh-CN" sz="3400" dirty="0">
+                <a:solidFill>
+                  <a:schemeClr val="accent2">
+                    <a:lumMod val="50000"/>
+                  </a:schemeClr>
+                </a:solidFill>
+                <a:latin typeface="Leelawadee UI Semilight" panose="020B0402040204020203" pitchFamily="34" charset="-34"/>
+                <a:cs typeface="Leelawadee UI Semilight" panose="020B0402040204020203" pitchFamily="34" charset="-34"/>
+              </a:rPr>
+              <a:t>Public Places vs Average Airbnb prices</a:t>
+            </a:r>
+          </a:p>
+        </p:txBody>
+      </p:sp>
+      <p:sp>
+        <p:nvSpPr>
+          <p:cNvPr id="43" name="矩形 42">
+            <a:extLst>
+              <a:ext uri="{FF2B5EF4-FFF2-40B4-BE49-F238E27FC236}">
+                <a16:creationId xmlns:a16="http://schemas.microsoft.com/office/drawing/2014/main" id="{37CF682C-5368-49B5-972E-057CB28E3489}"/>
+              </a:ext>
+            </a:extLst>
+          </p:cNvPr>
+          <p:cNvSpPr/>
+          <p:nvPr/>
+        </p:nvSpPr>
+        <p:spPr>
+          <a:xfrm>
+            <a:off x="12359636" y="2733333"/>
+            <a:ext cx="10347964" cy="17469635"/>
+          </a:xfrm>
+          <a:prstGeom prst="rect">
+            <a:avLst/>
+          </a:prstGeom>
+          <a:noFill/>
+          <a:ln>
+            <a:solidFill>
+              <a:schemeClr val="bg1">
+                <a:lumMod val="75000"/>
+              </a:schemeClr>
+            </a:solidFill>
+          </a:ln>
+        </p:spPr>
+        <p:style>
+          <a:lnRef idx="2">
+            <a:schemeClr val="accent1">
+              <a:shade val="50000"/>
+            </a:schemeClr>
+          </a:lnRef>
+          <a:fillRef idx="1">
+            <a:schemeClr val="accent1"/>
+          </a:fillRef>
+          <a:effectRef idx="0">
+            <a:schemeClr val="accent1"/>
+          </a:effectRef>
+          <a:fontRef idx="minor">
+            <a:schemeClr val="lt1"/>
+          </a:fontRef>
+        </p:style>
+        <p:txBody>
+          <a:bodyPr rtlCol="0" anchor="ctr"/>
+          <a:lstStyle/>
+          <a:p>
+            <a:pPr algn="ctr"/>
+            <a:endParaRPr lang="zh-CN" altLang="en-US"/>
+          </a:p>
+        </p:txBody>
+      </p:sp>
+      <p:sp>
+        <p:nvSpPr>
+          <p:cNvPr id="44" name="TextBox 63">
+            <a:extLst>
+              <a:ext uri="{FF2B5EF4-FFF2-40B4-BE49-F238E27FC236}">
+                <a16:creationId xmlns:a16="http://schemas.microsoft.com/office/drawing/2014/main" id="{8C55AF66-3C87-4C97-B1D5-9060D5FDCFED}"/>
+              </a:ext>
+            </a:extLst>
+          </p:cNvPr>
+          <p:cNvSpPr txBox="1"/>
+          <p:nvPr/>
+        </p:nvSpPr>
+        <p:spPr>
+          <a:xfrm>
+            <a:off x="23176332" y="4353259"/>
+            <a:ext cx="10311278" cy="769441"/>
+          </a:xfrm>
+          <a:prstGeom prst="rect">
+            <a:avLst/>
+          </a:prstGeom>
+          <a:solidFill>
+            <a:schemeClr val="accent3">
+              <a:lumMod val="60000"/>
+              <a:lumOff val="40000"/>
+            </a:schemeClr>
+          </a:solidFill>
+        </p:spPr>
+        <p:txBody>
+          <a:bodyPr wrap="square" rtlCol="0">
+            <a:spAutoFit/>
+          </a:bodyPr>
+          <a:lstStyle/>
+          <a:p>
+            <a:pPr algn="ctr"/>
+            <a:r>
+              <a:rPr lang="en-US" sz="4400" dirty="0">
+                <a:solidFill>
+                  <a:schemeClr val="bg1"/>
+                </a:solidFill>
+                <a:latin typeface="Leelawadee UI Semilight" panose="020B0402040204020203" pitchFamily="34" charset="-34"/>
+                <a:cs typeface="Leelawadee UI Semilight" panose="020B0402040204020203" pitchFamily="34" charset="-34"/>
+              </a:rPr>
+              <a:t>K-means</a:t>
+            </a:r>
+          </a:p>
+        </p:txBody>
+      </p:sp>
+      <p:sp>
+        <p:nvSpPr>
+          <p:cNvPr id="45" name="矩形 44">
+            <a:extLst>
+              <a:ext uri="{FF2B5EF4-FFF2-40B4-BE49-F238E27FC236}">
+                <a16:creationId xmlns:a16="http://schemas.microsoft.com/office/drawing/2014/main" id="{24F961A1-14BA-48E5-9ED9-759037DB6899}"/>
+              </a:ext>
+            </a:extLst>
+          </p:cNvPr>
+          <p:cNvSpPr/>
+          <p:nvPr/>
+        </p:nvSpPr>
+        <p:spPr>
+          <a:xfrm>
+            <a:off x="23180038" y="2765029"/>
+            <a:ext cx="10347964" cy="17437940"/>
+          </a:xfrm>
+          <a:prstGeom prst="rect">
+            <a:avLst/>
+          </a:prstGeom>
+          <a:noFill/>
+          <a:ln>
+            <a:solidFill>
+              <a:schemeClr val="bg1">
+                <a:lumMod val="75000"/>
+              </a:schemeClr>
+            </a:solidFill>
+          </a:ln>
+        </p:spPr>
+        <p:style>
+          <a:lnRef idx="2">
+            <a:schemeClr val="accent1">
+              <a:shade val="50000"/>
+            </a:schemeClr>
+          </a:lnRef>
+          <a:fillRef idx="1">
+            <a:schemeClr val="accent1"/>
+          </a:fillRef>
+          <a:effectRef idx="0">
+            <a:schemeClr val="accent1"/>
+          </a:effectRef>
+          <a:fontRef idx="minor">
+            <a:schemeClr val="lt1"/>
+          </a:fontRef>
+        </p:style>
+        <p:txBody>
+          <a:bodyPr rtlCol="0" anchor="ctr"/>
+          <a:lstStyle/>
+          <a:p>
+            <a:pPr algn="ctr"/>
+            <a:endParaRPr lang="zh-CN" altLang="en-US"/>
+          </a:p>
+        </p:txBody>
+      </p:sp>
+      <p:sp>
+        <p:nvSpPr>
+          <p:cNvPr id="46" name="TextBox 63">
+            <a:extLst>
+              <a:ext uri="{FF2B5EF4-FFF2-40B4-BE49-F238E27FC236}">
+                <a16:creationId xmlns:a16="http://schemas.microsoft.com/office/drawing/2014/main" id="{A95ED317-A3CD-4083-9AF8-296A0B3635E5}"/>
+              </a:ext>
+            </a:extLst>
+          </p:cNvPr>
+          <p:cNvSpPr txBox="1"/>
+          <p:nvPr/>
+        </p:nvSpPr>
+        <p:spPr>
+          <a:xfrm>
+            <a:off x="23176332" y="14687798"/>
+            <a:ext cx="10311278" cy="769441"/>
+          </a:xfrm>
+          <a:prstGeom prst="rect">
+            <a:avLst/>
+          </a:prstGeom>
+          <a:solidFill>
+            <a:schemeClr val="accent3">
+              <a:lumMod val="60000"/>
+              <a:lumOff val="40000"/>
+            </a:schemeClr>
+          </a:solidFill>
+        </p:spPr>
+        <p:txBody>
+          <a:bodyPr wrap="square" rtlCol="0">
+            <a:spAutoFit/>
+          </a:bodyPr>
+          <a:lstStyle/>
+          <a:p>
+            <a:pPr algn="ctr"/>
+            <a:r>
+              <a:rPr lang="en-US" sz="4400" dirty="0">
+                <a:solidFill>
+                  <a:schemeClr val="bg1"/>
+                </a:solidFill>
+                <a:latin typeface="Leelawadee UI Semilight" panose="020B0402040204020203" pitchFamily="34" charset="-34"/>
+                <a:cs typeface="Leelawadee UI Semilight" panose="020B0402040204020203" pitchFamily="34" charset="-34"/>
+              </a:rPr>
+              <a:t>Correlation Coefficient</a:t>
+            </a:r>
+          </a:p>
+        </p:txBody>
+      </p:sp>
+      <p:sp>
+        <p:nvSpPr>
+          <p:cNvPr id="47" name="TextBox 62">
+            <a:extLst>
+              <a:ext uri="{FF2B5EF4-FFF2-40B4-BE49-F238E27FC236}">
+                <a16:creationId xmlns:a16="http://schemas.microsoft.com/office/drawing/2014/main" id="{A901B42B-8592-401F-A193-21B583BEEAED}"/>
+              </a:ext>
+            </a:extLst>
+          </p:cNvPr>
+          <p:cNvSpPr txBox="1"/>
+          <p:nvPr/>
+        </p:nvSpPr>
+        <p:spPr>
+          <a:xfrm>
+            <a:off x="23176332" y="15104181"/>
+            <a:ext cx="10332722" cy="2862322"/>
+          </a:xfrm>
+          <a:prstGeom prst="roundRect">
+            <a:avLst>
+              <a:gd name="adj" fmla="val 0"/>
+            </a:avLst>
+          </a:prstGeom>
+          <a:noFill/>
+          <a:ln>
+            <a:noFill/>
+          </a:ln>
+        </p:spPr>
+        <p:style>
+          <a:lnRef idx="2">
+            <a:schemeClr val="accent1"/>
+          </a:lnRef>
+          <a:fillRef idx="1">
+            <a:schemeClr val="lt1"/>
+          </a:fillRef>
+          <a:effectRef idx="0">
+            <a:schemeClr val="accent1"/>
+          </a:effectRef>
+          <a:fontRef idx="minor">
+            <a:schemeClr val="dk1"/>
+          </a:fontRef>
+        </p:style>
+        <p:txBody>
+          <a:bodyPr wrap="square" rtlCol="0">
+            <a:spAutoFit/>
+          </a:bodyPr>
+          <a:lstStyle/>
+          <a:p>
+            <a:endParaRPr lang="en-US" sz="2800" dirty="0">
+              <a:latin typeface="Leelawadee UI Semilight" panose="020B0402040204020203" pitchFamily="34" charset="-34"/>
+              <a:cs typeface="Leelawadee UI Semilight" panose="020B0402040204020203" pitchFamily="34" charset="-34"/>
+            </a:endParaRPr>
+          </a:p>
+          <a:p>
+            <a:pPr algn="just"/>
+            <a:r>
+              <a:rPr lang="en-US" sz="3200" dirty="0">
+                <a:solidFill>
+                  <a:schemeClr val="tx1"/>
+                </a:solidFill>
+                <a:latin typeface="Leelawadee UI Semilight" panose="020B0402040204020203" pitchFamily="34" charset="-34"/>
+                <a:cs typeface="Leelawadee UI Semilight" panose="020B0402040204020203" pitchFamily="34" charset="-34"/>
+              </a:rPr>
+              <a:t>By using the clustered data, we calculated the correlation coefficient between the total number of public places and Airbnb average prices</a:t>
+            </a:r>
+          </a:p>
+          <a:p>
+            <a:endParaRPr lang="en-US" sz="2800" dirty="0">
+              <a:solidFill>
+                <a:schemeClr val="tx1"/>
+              </a:solidFill>
+              <a:latin typeface="Leelawadee UI Semilight" panose="020B0402040204020203" pitchFamily="34" charset="-34"/>
+              <a:cs typeface="Leelawadee UI Semilight" panose="020B0402040204020203" pitchFamily="34" charset="-34"/>
+            </a:endParaRPr>
+          </a:p>
+          <a:p>
+            <a:endParaRPr lang="en-US" sz="2800" dirty="0">
+              <a:solidFill>
+                <a:schemeClr val="tx1"/>
+              </a:solidFill>
+              <a:latin typeface="Leelawadee UI Semilight" panose="020B0402040204020203" pitchFamily="34" charset="-34"/>
+              <a:cs typeface="Leelawadee UI Semilight" panose="020B0402040204020203" pitchFamily="34" charset="-34"/>
+            </a:endParaRPr>
+          </a:p>
+        </p:txBody>
+      </p:sp>
+      <p:pic>
+        <p:nvPicPr>
+          <p:cNvPr id="9" name="图片 8">
+            <a:extLst>
+              <a:ext uri="{FF2B5EF4-FFF2-40B4-BE49-F238E27FC236}">
+                <a16:creationId xmlns:a16="http://schemas.microsoft.com/office/drawing/2014/main" id="{E3698202-B939-413B-B319-10738C1ADC0C}"/>
+              </a:ext>
+            </a:extLst>
+          </p:cNvPr>
+          <p:cNvPicPr>
+            <a:picLocks noChangeAspect="1"/>
+          </p:cNvPicPr>
+          <p:nvPr/>
+        </p:nvPicPr>
+        <p:blipFill>
+          <a:blip r:embed="rId3"/>
+          <a:stretch>
+            <a:fillRect/>
+          </a:stretch>
+        </p:blipFill>
+        <p:spPr>
+          <a:xfrm>
+            <a:off x="2374311" y="7126634"/>
+            <a:ext cx="8610600" cy="7743905"/>
+          </a:xfrm>
+          <a:prstGeom prst="rect">
+            <a:avLst/>
+          </a:prstGeom>
+        </p:spPr>
+      </p:pic>
+      <p:sp>
+        <p:nvSpPr>
+          <p:cNvPr id="50" name="TextBox 66">
+            <a:extLst>
+              <a:ext uri="{FF2B5EF4-FFF2-40B4-BE49-F238E27FC236}">
+                <a16:creationId xmlns:a16="http://schemas.microsoft.com/office/drawing/2014/main" id="{A9274037-A469-403F-B738-3456554C5CE1}"/>
+              </a:ext>
+            </a:extLst>
+          </p:cNvPr>
+          <p:cNvSpPr txBox="1"/>
+          <p:nvPr/>
+        </p:nvSpPr>
+        <p:spPr>
+          <a:xfrm>
+            <a:off x="1575048" y="20256456"/>
+            <a:ext cx="10284002" cy="3477875"/>
+          </a:xfrm>
+          <a:prstGeom prst="roundRect">
+            <a:avLst>
+              <a:gd name="adj" fmla="val 0"/>
+            </a:avLst>
+          </a:prstGeom>
+          <a:noFill/>
+          <a:ln>
+            <a:noFill/>
+          </a:ln>
+        </p:spPr>
+        <p:style>
+          <a:lnRef idx="2">
+            <a:schemeClr val="accent1"/>
+          </a:lnRef>
+          <a:fillRef idx="1">
+            <a:schemeClr val="lt1"/>
+          </a:fillRef>
+          <a:effectRef idx="0">
+            <a:schemeClr val="accent1"/>
+          </a:effectRef>
+          <a:fontRef idx="minor">
+            <a:schemeClr val="dk1"/>
+          </a:fontRef>
+        </p:style>
+        <p:txBody>
+          <a:bodyPr wrap="square" rtlCol="0">
+            <a:spAutoFit/>
+          </a:bodyPr>
+          <a:lstStyle/>
+          <a:p>
+            <a:endParaRPr lang="en-US" sz="2800" dirty="0">
+              <a:solidFill>
+                <a:schemeClr val="accent2">
+                  <a:lumMod val="50000"/>
+                </a:schemeClr>
+              </a:solidFill>
+              <a:latin typeface="Leelawadee UI Semilight" panose="020B0402040204020203" pitchFamily="34" charset="-34"/>
+              <a:cs typeface="Leelawadee UI Semilight" panose="020B0402040204020203" pitchFamily="34" charset="-34"/>
+            </a:endParaRPr>
+          </a:p>
+          <a:p>
+            <a:pPr algn="just"/>
+            <a:r>
+              <a:rPr lang="en-US" sz="3200" dirty="0">
+                <a:solidFill>
+                  <a:schemeClr val="tx1"/>
+                </a:solidFill>
+                <a:latin typeface="Leelawadee UI Semilight" panose="020B0402040204020203" pitchFamily="34" charset="-34"/>
+                <a:cs typeface="Leelawadee UI Semilight" panose="020B0402040204020203" pitchFamily="34" charset="-34"/>
+              </a:rPr>
+              <a:t>Our project consider two factors that might influence the prices of Airbnb, the first is the number of Crime, and the second is the number of public places: </a:t>
+            </a:r>
+            <a:r>
+              <a:rPr lang="en-US" altLang="zh-CN" sz="3200" dirty="0">
+                <a:latin typeface="Leelawadee UI Semilight" panose="020B0402040204020203" pitchFamily="34" charset="-34"/>
+                <a:cs typeface="Leelawadee UI Semilight" panose="020B0402040204020203" pitchFamily="34" charset="-34"/>
+              </a:rPr>
+              <a:t>community center, swimming pools, public schools and police stations</a:t>
+            </a:r>
+            <a:r>
+              <a:rPr lang="en-US" altLang="zh-CN" sz="3200" dirty="0">
+                <a:solidFill>
+                  <a:schemeClr val="tx1"/>
+                </a:solidFill>
+                <a:latin typeface="Leelawadee UI Semilight" panose="020B0402040204020203" pitchFamily="34" charset="-34"/>
+                <a:cs typeface="Leelawadee UI Semilight" panose="020B0402040204020203" pitchFamily="34" charset="-34"/>
+              </a:rPr>
+              <a:t>. We aim to conclude whether these two factors really make a difference.</a:t>
+            </a:r>
+            <a:endParaRPr lang="en-US" sz="3200" dirty="0">
+              <a:solidFill>
+                <a:schemeClr val="tx1"/>
+              </a:solidFill>
+              <a:latin typeface="Leelawadee UI Semilight" panose="020B0402040204020203" pitchFamily="34" charset="-34"/>
+              <a:cs typeface="Leelawadee UI Semilight" panose="020B0402040204020203" pitchFamily="34" charset="-34"/>
+            </a:endParaRPr>
+          </a:p>
+        </p:txBody>
+      </p:sp>
+      <p:pic>
+        <p:nvPicPr>
+          <p:cNvPr id="15" name="图片 14">
+            <a:extLst>
+              <a:ext uri="{FF2B5EF4-FFF2-40B4-BE49-F238E27FC236}">
+                <a16:creationId xmlns:a16="http://schemas.microsoft.com/office/drawing/2014/main" id="{B02236CF-9F80-420D-89A2-6645299F7F37}"/>
+              </a:ext>
+            </a:extLst>
+          </p:cNvPr>
+          <p:cNvPicPr>
+            <a:picLocks noChangeAspect="1"/>
+          </p:cNvPicPr>
+          <p:nvPr/>
+        </p:nvPicPr>
+        <p:blipFill>
+          <a:blip r:embed="rId4"/>
+          <a:stretch>
+            <a:fillRect/>
+          </a:stretch>
+        </p:blipFill>
+        <p:spPr>
+          <a:xfrm>
+            <a:off x="13115491" y="9323772"/>
+            <a:ext cx="8610600" cy="8642731"/>
+          </a:xfrm>
+          <a:prstGeom prst="rect">
+            <a:avLst/>
+          </a:prstGeom>
+        </p:spPr>
+      </p:pic>
+      <p:sp>
+        <p:nvSpPr>
+          <p:cNvPr id="35" name="TextBox 63">
+            <a:extLst>
+              <a:ext uri="{FF2B5EF4-FFF2-40B4-BE49-F238E27FC236}">
+                <a16:creationId xmlns:a16="http://schemas.microsoft.com/office/drawing/2014/main" id="{EF8E69B4-1251-4E2A-AB95-75CD73D6379C}"/>
+              </a:ext>
+            </a:extLst>
+          </p:cNvPr>
+          <p:cNvSpPr txBox="1"/>
+          <p:nvPr/>
+        </p:nvSpPr>
+        <p:spPr>
+          <a:xfrm>
+            <a:off x="12378679" y="18127314"/>
+            <a:ext cx="10325872" cy="769441"/>
+          </a:xfrm>
+          <a:prstGeom prst="rect">
+            <a:avLst/>
+          </a:prstGeom>
+          <a:solidFill>
+            <a:schemeClr val="accent3">
+              <a:lumMod val="60000"/>
+              <a:lumOff val="40000"/>
+            </a:schemeClr>
+          </a:solidFill>
+        </p:spPr>
+        <p:txBody>
+          <a:bodyPr wrap="square" rtlCol="0">
+            <a:spAutoFit/>
+          </a:bodyPr>
+          <a:lstStyle/>
+          <a:p>
+            <a:pPr algn="ctr"/>
+            <a:r>
+              <a:rPr lang="en-US" altLang="zh-CN" sz="4400" dirty="0">
+                <a:solidFill>
+                  <a:schemeClr val="bg1"/>
+                </a:solidFill>
+                <a:latin typeface="Leelawadee UI Semilight" panose="020B0402040204020203" pitchFamily="34" charset="-34"/>
+                <a:cs typeface="Leelawadee UI Semilight" panose="020B0402040204020203" pitchFamily="34" charset="-34"/>
+              </a:rPr>
+              <a:t>Statistical Analysis</a:t>
+            </a:r>
+          </a:p>
+        </p:txBody>
+      </p:sp>
+      <p:graphicFrame>
+        <p:nvGraphicFramePr>
+          <p:cNvPr id="3" name="表格 2">
+            <a:extLst>
+              <a:ext uri="{FF2B5EF4-FFF2-40B4-BE49-F238E27FC236}">
+                <a16:creationId xmlns:a16="http://schemas.microsoft.com/office/drawing/2014/main" id="{BFC2273A-3AB1-4580-A549-2D3F5CA51FDA}"/>
+              </a:ext>
+            </a:extLst>
+          </p:cNvPr>
+          <p:cNvGraphicFramePr>
+            <a:graphicFrameLocks noGrp="1"/>
+          </p:cNvGraphicFramePr>
+          <p:nvPr>
+            <p:extLst>
+              <p:ext uri="{D42A27DB-BD31-4B8C-83A1-F6EECF244321}">
+                <p14:modId xmlns:p14="http://schemas.microsoft.com/office/powerpoint/2010/main" val="2779652920"/>
+              </p:ext>
+            </p:extLst>
+          </p:nvPr>
+        </p:nvGraphicFramePr>
+        <p:xfrm>
+          <a:off x="12406815" y="18976222"/>
+          <a:ext cx="10216950" cy="1158240"/>
+        </p:xfrm>
+        <a:graphic>
+          <a:graphicData uri="http://schemas.openxmlformats.org/drawingml/2006/table">
+            <a:tbl>
+              <a:tblPr firstRow="1" bandRow="1">
+                <a:tableStyleId>{5C22544A-7EE6-4342-B048-85BDC9FD1C3A}</a:tableStyleId>
+              </a:tblPr>
+              <a:tblGrid>
+                <a:gridCol w="5108475">
+                  <a:extLst>
+                    <a:ext uri="{9D8B030D-6E8A-4147-A177-3AD203B41FA5}">
+                      <a16:colId xmlns:a16="http://schemas.microsoft.com/office/drawing/2014/main" val="2587862996"/>
+                    </a:ext>
+                  </a:extLst>
+                </a:gridCol>
+                <a:gridCol w="5108475">
+                  <a:extLst>
+                    <a:ext uri="{9D8B030D-6E8A-4147-A177-3AD203B41FA5}">
+                      <a16:colId xmlns:a16="http://schemas.microsoft.com/office/drawing/2014/main" val="3171716014"/>
+                    </a:ext>
+                  </a:extLst>
+                </a:gridCol>
+              </a:tblGrid>
+              <a:tr h="466949">
+                <a:tc>
+                  <a:txBody>
+                    <a:bodyPr/>
+                    <a:lstStyle/>
+                    <a:p>
+                      <a:endParaRPr lang="zh-CN" altLang="en-US" sz="3200" dirty="0"/>
+                    </a:p>
+                  </a:txBody>
+                  <a:tcPr>
+                    <a:lnL w="12700" cap="flat" cmpd="sng" algn="ctr">
+                      <a:solidFill>
+                        <a:schemeClr val="tx1"/>
+                      </a:solidFill>
+                      <a:prstDash val="solid"/>
+                      <a:round/>
+                      <a:headEnd type="none" w="med" len="med"/>
+                      <a:tailEnd type="none" w="med" len="med"/>
+                    </a:lnL>
+                    <a:lnR w="12700" cap="flat" cmpd="sng" algn="ctr">
+                      <a:solidFill>
+                        <a:schemeClr val="tx1"/>
+                      </a:solidFill>
+                      <a:prstDash val="solid"/>
+                      <a:round/>
+                      <a:headEnd type="none" w="med" len="med"/>
+                      <a:tailEnd type="none" w="med" len="med"/>
+                    </a:lnR>
+                    <a:lnT w="12700" cap="flat" cmpd="sng" algn="ctr">
+                      <a:solidFill>
+                        <a:schemeClr val="tx1"/>
+                      </a:solidFill>
+                      <a:prstDash val="solid"/>
+                      <a:round/>
+                      <a:headEnd type="none" w="med" len="med"/>
+                      <a:tailEnd type="none" w="med" len="med"/>
+                    </a:lnT>
+                    <a:lnB w="12700" cap="flat" cmpd="sng" algn="ctr">
+                      <a:solidFill>
+                        <a:schemeClr val="tx1"/>
+                      </a:solidFill>
+                      <a:prstDash val="solid"/>
+                      <a:round/>
+                      <a:headEnd type="none" w="med" len="med"/>
+                      <a:tailEnd type="none" w="med" len="med"/>
+                    </a:lnB>
+                    <a:noFill/>
+                  </a:tcPr>
+                </a:tc>
+                <a:tc>
+                  <a:txBody>
+                    <a:bodyPr/>
+                    <a:lstStyle/>
+                    <a:p>
+                      <a:pPr marL="0" marR="0" lvl="0" indent="0" algn="ctr" defTabSz="3657600" rtl="0" eaLnBrk="1" fontAlgn="auto" latinLnBrk="0" hangingPunct="1">
+                        <a:lnSpc>
+                          <a:spcPct val="100000"/>
+                        </a:lnSpc>
+                        <a:spcBef>
+                          <a:spcPts val="0"/>
+                        </a:spcBef>
+                        <a:spcAft>
+                          <a:spcPts val="0"/>
+                        </a:spcAft>
+                        <a:buClrTx/>
+                        <a:buSzTx/>
+                        <a:buFontTx/>
+                        <a:buNone/>
+                        <a:tabLst/>
+                        <a:defRPr/>
+                      </a:pPr>
+                      <a:r>
+                        <a:rPr lang="en-US" altLang="zh-CN" sz="3200" b="0" dirty="0">
+                          <a:solidFill>
+                            <a:schemeClr val="tx1"/>
+                          </a:solidFill>
+                          <a:latin typeface="Leelawadee UI" panose="020B0502040204020203" pitchFamily="34" charset="-34"/>
+                          <a:cs typeface="Leelawadee UI" panose="020B0502040204020203" pitchFamily="34" charset="-34"/>
+                        </a:rPr>
+                        <a:t>Correlation Coefficient</a:t>
+                      </a:r>
+                    </a:p>
+                  </a:txBody>
+                  <a:tcPr>
+                    <a:lnL w="12700" cap="flat" cmpd="sng" algn="ctr">
+                      <a:solidFill>
+                        <a:schemeClr val="tx1"/>
+                      </a:solidFill>
+                      <a:prstDash val="solid"/>
+                      <a:round/>
+                      <a:headEnd type="none" w="med" len="med"/>
+                      <a:tailEnd type="none" w="med" len="med"/>
+                    </a:lnL>
+                    <a:lnR w="12700" cap="flat" cmpd="sng" algn="ctr">
+                      <a:solidFill>
+                        <a:schemeClr val="tx1"/>
+                      </a:solidFill>
+                      <a:prstDash val="solid"/>
+                      <a:round/>
+                      <a:headEnd type="none" w="med" len="med"/>
+                      <a:tailEnd type="none" w="med" len="med"/>
+                    </a:lnR>
+                    <a:lnT w="12700" cap="flat" cmpd="sng" algn="ctr">
+                      <a:solidFill>
+                        <a:schemeClr val="tx1"/>
+                      </a:solidFill>
+                      <a:prstDash val="solid"/>
+                      <a:round/>
+                      <a:headEnd type="none" w="med" len="med"/>
+                      <a:tailEnd type="none" w="med" len="med"/>
+                    </a:lnT>
+                    <a:lnB w="12700" cap="flat" cmpd="sng" algn="ctr">
+                      <a:solidFill>
+                        <a:schemeClr val="tx1"/>
+                      </a:solidFill>
+                      <a:prstDash val="solid"/>
+                      <a:round/>
+                      <a:headEnd type="none" w="med" len="med"/>
+                      <a:tailEnd type="none" w="med" len="med"/>
+                    </a:lnB>
+                    <a:noFill/>
+                  </a:tcPr>
+                </a:tc>
+                <a:extLst>
+                  <a:ext uri="{0D108BD9-81ED-4DB2-BD59-A6C34878D82A}">
+                    <a16:rowId xmlns:a16="http://schemas.microsoft.com/office/drawing/2014/main" val="596454269"/>
+                  </a:ext>
+                </a:extLst>
+              </a:tr>
+              <a:tr h="466949">
+                <a:tc>
+                  <a:txBody>
+                    <a:bodyPr/>
+                    <a:lstStyle/>
+                    <a:p>
+                      <a:pPr marL="0" marR="0" lvl="0" indent="0" algn="ctr" defTabSz="3657600" rtl="0" eaLnBrk="1" fontAlgn="auto" latinLnBrk="0" hangingPunct="1">
+                        <a:lnSpc>
+                          <a:spcPct val="100000"/>
+                        </a:lnSpc>
+                        <a:spcBef>
+                          <a:spcPts val="0"/>
+                        </a:spcBef>
+                        <a:spcAft>
+                          <a:spcPts val="0"/>
+                        </a:spcAft>
+                        <a:buClrTx/>
+                        <a:buSzTx/>
+                        <a:buFontTx/>
+                        <a:buNone/>
+                        <a:tabLst/>
+                        <a:defRPr/>
+                      </a:pPr>
+                      <a:r>
+                        <a:rPr lang="en-US" altLang="zh-CN" sz="3200" dirty="0">
+                          <a:latin typeface="Leelawadee UI" panose="020B0502040204020203" pitchFamily="34" charset="-34"/>
+                          <a:cs typeface="Leelawadee UI" panose="020B0502040204020203" pitchFamily="34" charset="-34"/>
+                        </a:rPr>
+                        <a:t>Crimes reported</a:t>
+                      </a:r>
+                      <a:endParaRPr lang="zh-CN" altLang="en-US" sz="3200" dirty="0">
+                        <a:latin typeface="Leelawadee UI" panose="020B0502040204020203" pitchFamily="34" charset="-34"/>
+                        <a:cs typeface="Leelawadee UI" panose="020B0502040204020203" pitchFamily="34" charset="-34"/>
+                      </a:endParaRPr>
+                    </a:p>
+                  </a:txBody>
+                  <a:tcPr>
+                    <a:lnL w="12700" cap="flat" cmpd="sng" algn="ctr">
+                      <a:solidFill>
+                        <a:schemeClr val="tx1"/>
+                      </a:solidFill>
+                      <a:prstDash val="solid"/>
+                      <a:round/>
+                      <a:headEnd type="none" w="med" len="med"/>
+                      <a:tailEnd type="none" w="med" len="med"/>
+                    </a:lnL>
+                    <a:lnR w="12700" cap="flat" cmpd="sng" algn="ctr">
+                      <a:solidFill>
+                        <a:schemeClr val="tx1"/>
+                      </a:solidFill>
+                      <a:prstDash val="solid"/>
+                      <a:round/>
+                      <a:headEnd type="none" w="med" len="med"/>
+                      <a:tailEnd type="none" w="med" len="med"/>
+                    </a:lnR>
+                    <a:lnT w="12700" cap="flat" cmpd="sng" algn="ctr">
+                      <a:solidFill>
+                        <a:schemeClr val="tx1"/>
+                      </a:solidFill>
+                      <a:prstDash val="solid"/>
+                      <a:round/>
+                      <a:headEnd type="none" w="med" len="med"/>
+                      <a:tailEnd type="none" w="med" len="med"/>
+                    </a:lnT>
+                    <a:lnB w="12700" cap="flat" cmpd="sng" algn="ctr">
+                      <a:solidFill>
+                        <a:schemeClr val="tx1"/>
+                      </a:solidFill>
+                      <a:prstDash val="solid"/>
+                      <a:round/>
+                      <a:headEnd type="none" w="med" len="med"/>
+                      <a:tailEnd type="none" w="med" len="med"/>
+                    </a:lnB>
+                    <a:noFill/>
+                  </a:tcPr>
+                </a:tc>
+                <a:tc>
+                  <a:txBody>
+                    <a:bodyPr/>
+                    <a:lstStyle/>
+                    <a:p>
+                      <a:pPr algn="ctr"/>
+                      <a:r>
+                        <a:rPr lang="en-US" altLang="zh-CN" sz="3200" dirty="0">
+                          <a:latin typeface="Leelawadee UI" panose="020B0502040204020203" pitchFamily="34" charset="-34"/>
+                          <a:cs typeface="Leelawadee UI" panose="020B0502040204020203" pitchFamily="34" charset="-34"/>
+                        </a:rPr>
+                        <a:t>-0.16378839031967327</a:t>
+                      </a:r>
+                      <a:endParaRPr lang="zh-CN" altLang="en-US" sz="3200" dirty="0">
+                        <a:latin typeface="Leelawadee UI" panose="020B0502040204020203" pitchFamily="34" charset="-34"/>
+                        <a:cs typeface="Leelawadee UI" panose="020B0502040204020203" pitchFamily="34" charset="-34"/>
+                      </a:endParaRPr>
+                    </a:p>
+                  </a:txBody>
+                  <a:tcPr>
+                    <a:lnL w="12700" cap="flat" cmpd="sng" algn="ctr">
+                      <a:solidFill>
+                        <a:schemeClr val="tx1"/>
+                      </a:solidFill>
+                      <a:prstDash val="solid"/>
+                      <a:round/>
+                      <a:headEnd type="none" w="med" len="med"/>
+                      <a:tailEnd type="none" w="med" len="med"/>
+                    </a:lnL>
+                    <a:lnR w="12700" cap="flat" cmpd="sng" algn="ctr">
+                      <a:solidFill>
+                        <a:schemeClr val="tx1"/>
+                      </a:solidFill>
+                      <a:prstDash val="solid"/>
+                      <a:round/>
+                      <a:headEnd type="none" w="med" len="med"/>
+                      <a:tailEnd type="none" w="med" len="med"/>
+                    </a:lnR>
+                    <a:lnT w="12700" cap="flat" cmpd="sng" algn="ctr">
+                      <a:solidFill>
+                        <a:schemeClr val="tx1"/>
+                      </a:solidFill>
+                      <a:prstDash val="solid"/>
+                      <a:round/>
+                      <a:headEnd type="none" w="med" len="med"/>
+                      <a:tailEnd type="none" w="med" len="med"/>
+                    </a:lnT>
+                    <a:lnB w="12700" cap="flat" cmpd="sng" algn="ctr">
+                      <a:solidFill>
+                        <a:schemeClr val="tx1"/>
+                      </a:solidFill>
+                      <a:prstDash val="solid"/>
+                      <a:round/>
+                      <a:headEnd type="none" w="med" len="med"/>
+                      <a:tailEnd type="none" w="med" len="med"/>
+                    </a:lnB>
+                    <a:noFill/>
+                  </a:tcPr>
+                </a:tc>
+                <a:extLst>
+                  <a:ext uri="{0D108BD9-81ED-4DB2-BD59-A6C34878D82A}">
+                    <a16:rowId xmlns:a16="http://schemas.microsoft.com/office/drawing/2014/main" val="1674129643"/>
+                  </a:ext>
+                </a:extLst>
+              </a:tr>
+            </a:tbl>
+          </a:graphicData>
+        </a:graphic>
+      </p:graphicFrame>
+      <p:graphicFrame>
+        <p:nvGraphicFramePr>
+          <p:cNvPr id="41" name="表格 40">
+            <a:extLst>
+              <a:ext uri="{FF2B5EF4-FFF2-40B4-BE49-F238E27FC236}">
+                <a16:creationId xmlns:a16="http://schemas.microsoft.com/office/drawing/2014/main" id="{9022799B-D644-4A48-B866-C7DB687900A4}"/>
+              </a:ext>
+            </a:extLst>
+          </p:cNvPr>
+          <p:cNvGraphicFramePr>
+            <a:graphicFrameLocks noGrp="1"/>
+          </p:cNvGraphicFramePr>
+          <p:nvPr>
+            <p:extLst>
+              <p:ext uri="{D42A27DB-BD31-4B8C-83A1-F6EECF244321}">
+                <p14:modId xmlns:p14="http://schemas.microsoft.com/office/powerpoint/2010/main" val="3962241199"/>
+              </p:ext>
+            </p:extLst>
+          </p:nvPr>
+        </p:nvGraphicFramePr>
+        <p:xfrm>
+          <a:off x="23218362" y="17297549"/>
+          <a:ext cx="10269142" cy="2895600"/>
+        </p:xfrm>
+        <a:graphic>
+          <a:graphicData uri="http://schemas.openxmlformats.org/drawingml/2006/table">
+            <a:tbl>
+              <a:tblPr firstRow="1" bandRow="1">
+                <a:tableStyleId>{5C22544A-7EE6-4342-B048-85BDC9FD1C3A}</a:tableStyleId>
+              </a:tblPr>
+              <a:tblGrid>
+                <a:gridCol w="5134571">
+                  <a:extLst>
+                    <a:ext uri="{9D8B030D-6E8A-4147-A177-3AD203B41FA5}">
+                      <a16:colId xmlns:a16="http://schemas.microsoft.com/office/drawing/2014/main" val="2587862996"/>
+                    </a:ext>
+                  </a:extLst>
+                </a:gridCol>
+                <a:gridCol w="5134571">
+                  <a:extLst>
+                    <a:ext uri="{9D8B030D-6E8A-4147-A177-3AD203B41FA5}">
+                      <a16:colId xmlns:a16="http://schemas.microsoft.com/office/drawing/2014/main" val="3171716014"/>
+                    </a:ext>
+                  </a:extLst>
+                </a:gridCol>
+              </a:tblGrid>
+              <a:tr h="0">
+                <a:tc>
+                  <a:txBody>
+                    <a:bodyPr/>
+                    <a:lstStyle/>
+                    <a:p>
+                      <a:endParaRPr lang="zh-CN" altLang="en-US" sz="3200" dirty="0"/>
+                    </a:p>
+                  </a:txBody>
+                  <a:tcPr>
+                    <a:lnL w="12700" cap="flat" cmpd="sng" algn="ctr">
+                      <a:solidFill>
+                        <a:schemeClr val="tx1"/>
+                      </a:solidFill>
+                      <a:prstDash val="solid"/>
+                      <a:round/>
+                      <a:headEnd type="none" w="med" len="med"/>
+                      <a:tailEnd type="none" w="med" len="med"/>
+                    </a:lnL>
+                    <a:lnR w="12700" cap="flat" cmpd="sng" algn="ctr">
+                      <a:solidFill>
+                        <a:schemeClr val="tx1"/>
+                      </a:solidFill>
+                      <a:prstDash val="solid"/>
+                      <a:round/>
+                      <a:headEnd type="none" w="med" len="med"/>
+                      <a:tailEnd type="none" w="med" len="med"/>
+                    </a:lnR>
+                    <a:lnT w="12700" cap="flat" cmpd="sng" algn="ctr">
+                      <a:solidFill>
+                        <a:schemeClr val="tx1"/>
+                      </a:solidFill>
+                      <a:prstDash val="solid"/>
+                      <a:round/>
+                      <a:headEnd type="none" w="med" len="med"/>
+                      <a:tailEnd type="none" w="med" len="med"/>
+                    </a:lnT>
+                    <a:lnB w="12700" cap="flat" cmpd="sng" algn="ctr">
+                      <a:solidFill>
+                        <a:schemeClr val="tx1"/>
+                      </a:solidFill>
+                      <a:prstDash val="solid"/>
+                      <a:round/>
+                      <a:headEnd type="none" w="med" len="med"/>
+                      <a:tailEnd type="none" w="med" len="med"/>
+                    </a:lnB>
+                    <a:noFill/>
+                  </a:tcPr>
+                </a:tc>
+                <a:tc>
+                  <a:txBody>
+                    <a:bodyPr/>
+                    <a:lstStyle/>
+                    <a:p>
+                      <a:pPr marL="0" marR="0" lvl="0" indent="0" algn="ctr" defTabSz="3657600" rtl="0" eaLnBrk="1" fontAlgn="auto" latinLnBrk="0" hangingPunct="1">
+                        <a:lnSpc>
+                          <a:spcPct val="100000"/>
+                        </a:lnSpc>
+                        <a:spcBef>
+                          <a:spcPts val="0"/>
+                        </a:spcBef>
+                        <a:spcAft>
+                          <a:spcPts val="0"/>
+                        </a:spcAft>
+                        <a:buClrTx/>
+                        <a:buSzTx/>
+                        <a:buFontTx/>
+                        <a:buNone/>
+                        <a:tabLst/>
+                        <a:defRPr/>
+                      </a:pPr>
+                      <a:r>
+                        <a:rPr lang="en-US" altLang="zh-CN" sz="3200" b="0" dirty="0">
+                          <a:solidFill>
+                            <a:schemeClr val="tx1"/>
+                          </a:solidFill>
+                          <a:latin typeface="Leelawadee UI" panose="020B0502040204020203" pitchFamily="34" charset="-34"/>
+                          <a:cs typeface="Leelawadee UI" panose="020B0502040204020203" pitchFamily="34" charset="-34"/>
+                        </a:rPr>
+                        <a:t>Correlation Coefficient</a:t>
+                      </a:r>
+                    </a:p>
+                  </a:txBody>
+                  <a:tcPr>
+                    <a:lnL w="12700" cap="flat" cmpd="sng" algn="ctr">
+                      <a:solidFill>
+                        <a:schemeClr val="tx1"/>
+                      </a:solidFill>
+                      <a:prstDash val="solid"/>
+                      <a:round/>
+                      <a:headEnd type="none" w="med" len="med"/>
+                      <a:tailEnd type="none" w="med" len="med"/>
+                    </a:lnL>
+                    <a:lnR w="12700" cap="flat" cmpd="sng" algn="ctr">
+                      <a:solidFill>
+                        <a:schemeClr val="tx1"/>
+                      </a:solidFill>
+                      <a:prstDash val="solid"/>
+                      <a:round/>
+                      <a:headEnd type="none" w="med" len="med"/>
+                      <a:tailEnd type="none" w="med" len="med"/>
+                    </a:lnR>
+                    <a:lnT w="12700" cap="flat" cmpd="sng" algn="ctr">
+                      <a:solidFill>
+                        <a:schemeClr val="tx1"/>
+                      </a:solidFill>
+                      <a:prstDash val="solid"/>
+                      <a:round/>
+                      <a:headEnd type="none" w="med" len="med"/>
+                      <a:tailEnd type="none" w="med" len="med"/>
+                    </a:lnT>
+                    <a:lnB w="12700" cap="flat" cmpd="sng" algn="ctr">
+                      <a:solidFill>
+                        <a:schemeClr val="tx1"/>
+                      </a:solidFill>
+                      <a:prstDash val="solid"/>
+                      <a:round/>
+                      <a:headEnd type="none" w="med" len="med"/>
+                      <a:tailEnd type="none" w="med" len="med"/>
+                    </a:lnB>
+                    <a:noFill/>
+                  </a:tcPr>
+                </a:tc>
+                <a:extLst>
+                  <a:ext uri="{0D108BD9-81ED-4DB2-BD59-A6C34878D82A}">
+                    <a16:rowId xmlns:a16="http://schemas.microsoft.com/office/drawing/2014/main" val="596454269"/>
+                  </a:ext>
+                </a:extLst>
+              </a:tr>
+              <a:tr h="466949">
+                <a:tc>
+                  <a:txBody>
+                    <a:bodyPr/>
+                    <a:lstStyle/>
+                    <a:p>
+                      <a:pPr marL="0" marR="0" lvl="0" indent="0" algn="ctr" defTabSz="3657600" rtl="0" eaLnBrk="1" fontAlgn="auto" latinLnBrk="0" hangingPunct="1">
+                        <a:lnSpc>
+                          <a:spcPct val="100000"/>
+                        </a:lnSpc>
+                        <a:spcBef>
+                          <a:spcPts val="0"/>
+                        </a:spcBef>
+                        <a:spcAft>
+                          <a:spcPts val="0"/>
+                        </a:spcAft>
+                        <a:buClrTx/>
+                        <a:buSzTx/>
+                        <a:buFontTx/>
+                        <a:buNone/>
+                        <a:tabLst/>
+                        <a:defRPr/>
+                      </a:pPr>
+                      <a:r>
+                        <a:rPr lang="en-US" altLang="zh-CN" sz="3200" dirty="0">
+                          <a:latin typeface="Leelawadee UI" panose="020B0502040204020203" pitchFamily="34" charset="-34"/>
+                          <a:cs typeface="Leelawadee UI" panose="020B0502040204020203" pitchFamily="34" charset="-34"/>
+                        </a:rPr>
+                        <a:t>No. of center</a:t>
+                      </a:r>
+                      <a:endParaRPr lang="zh-CN" altLang="en-US" sz="3200" dirty="0">
+                        <a:latin typeface="Leelawadee UI" panose="020B0502040204020203" pitchFamily="34" charset="-34"/>
+                        <a:cs typeface="Leelawadee UI" panose="020B0502040204020203" pitchFamily="34" charset="-34"/>
+                      </a:endParaRPr>
+                    </a:p>
+                  </a:txBody>
+                  <a:tcPr>
+                    <a:lnL w="12700" cap="flat" cmpd="sng" algn="ctr">
+                      <a:solidFill>
+                        <a:schemeClr val="tx1"/>
+                      </a:solidFill>
+                      <a:prstDash val="solid"/>
+                      <a:round/>
+                      <a:headEnd type="none" w="med" len="med"/>
+                      <a:tailEnd type="none" w="med" len="med"/>
+                    </a:lnL>
+                    <a:lnR w="12700" cap="flat" cmpd="sng" algn="ctr">
+                      <a:solidFill>
+                        <a:schemeClr val="tx1"/>
+                      </a:solidFill>
+                      <a:prstDash val="solid"/>
+                      <a:round/>
+                      <a:headEnd type="none" w="med" len="med"/>
+                      <a:tailEnd type="none" w="med" len="med"/>
+                    </a:lnR>
+                    <a:lnT w="12700" cap="flat" cmpd="sng" algn="ctr">
+                      <a:solidFill>
+                        <a:schemeClr val="tx1"/>
+                      </a:solidFill>
+                      <a:prstDash val="solid"/>
+                      <a:round/>
+                      <a:headEnd type="none" w="med" len="med"/>
+                      <a:tailEnd type="none" w="med" len="med"/>
+                    </a:lnT>
+                    <a:lnB w="12700" cap="flat" cmpd="sng" algn="ctr">
+                      <a:solidFill>
+                        <a:schemeClr val="tx1"/>
+                      </a:solidFill>
+                      <a:prstDash val="solid"/>
+                      <a:round/>
+                      <a:headEnd type="none" w="med" len="med"/>
+                      <a:tailEnd type="none" w="med" len="med"/>
+                    </a:lnB>
+                    <a:noFill/>
+                  </a:tcPr>
+                </a:tc>
+                <a:tc>
+                  <a:txBody>
+                    <a:bodyPr/>
+                    <a:lstStyle/>
+                    <a:p>
+                      <a:pPr algn="ctr"/>
+                      <a:r>
+                        <a:rPr lang="en-US" altLang="zh-CN" sz="3200" dirty="0">
+                          <a:latin typeface="Leelawadee UI" panose="020B0502040204020203" pitchFamily="34" charset="-34"/>
+                          <a:cs typeface="Leelawadee UI" panose="020B0502040204020203" pitchFamily="34" charset="-34"/>
+                        </a:rPr>
+                        <a:t>-0.15939130465865842</a:t>
+                      </a:r>
+                    </a:p>
+                  </a:txBody>
+                  <a:tcPr>
+                    <a:lnL w="12700" cap="flat" cmpd="sng" algn="ctr">
+                      <a:solidFill>
+                        <a:schemeClr val="tx1"/>
+                      </a:solidFill>
+                      <a:prstDash val="solid"/>
+                      <a:round/>
+                      <a:headEnd type="none" w="med" len="med"/>
+                      <a:tailEnd type="none" w="med" len="med"/>
+                    </a:lnL>
+                    <a:lnR w="12700" cap="flat" cmpd="sng" algn="ctr">
+                      <a:solidFill>
+                        <a:schemeClr val="tx1"/>
+                      </a:solidFill>
+                      <a:prstDash val="solid"/>
+                      <a:round/>
+                      <a:headEnd type="none" w="med" len="med"/>
+                      <a:tailEnd type="none" w="med" len="med"/>
+                    </a:lnR>
+                    <a:lnT w="12700" cap="flat" cmpd="sng" algn="ctr">
+                      <a:solidFill>
+                        <a:schemeClr val="tx1"/>
+                      </a:solidFill>
+                      <a:prstDash val="solid"/>
+                      <a:round/>
+                      <a:headEnd type="none" w="med" len="med"/>
+                      <a:tailEnd type="none" w="med" len="med"/>
+                    </a:lnT>
+                    <a:lnB w="12700" cap="flat" cmpd="sng" algn="ctr">
+                      <a:solidFill>
+                        <a:schemeClr val="tx1"/>
+                      </a:solidFill>
+                      <a:prstDash val="solid"/>
+                      <a:round/>
+                      <a:headEnd type="none" w="med" len="med"/>
+                      <a:tailEnd type="none" w="med" len="med"/>
+                    </a:lnB>
+                    <a:noFill/>
+                  </a:tcPr>
+                </a:tc>
+                <a:extLst>
+                  <a:ext uri="{0D108BD9-81ED-4DB2-BD59-A6C34878D82A}">
+                    <a16:rowId xmlns:a16="http://schemas.microsoft.com/office/drawing/2014/main" val="1674129643"/>
+                  </a:ext>
+                </a:extLst>
+              </a:tr>
+              <a:tr h="466949">
+                <a:tc>
+                  <a:txBody>
+                    <a:bodyPr/>
+                    <a:lstStyle/>
+                    <a:p>
+                      <a:pPr marL="0" marR="0" lvl="0" indent="0" algn="ctr" defTabSz="3657600" rtl="0" eaLnBrk="1" fontAlgn="auto" latinLnBrk="0" hangingPunct="1">
+                        <a:lnSpc>
+                          <a:spcPct val="100000"/>
+                        </a:lnSpc>
+                        <a:spcBef>
+                          <a:spcPts val="0"/>
+                        </a:spcBef>
+                        <a:spcAft>
+                          <a:spcPts val="0"/>
+                        </a:spcAft>
+                        <a:buClrTx/>
+                        <a:buSzTx/>
+                        <a:buFontTx/>
+                        <a:buNone/>
+                        <a:tabLst/>
+                        <a:defRPr/>
+                      </a:pPr>
+                      <a:r>
+                        <a:rPr lang="en-US" altLang="zh-CN" sz="3200" dirty="0">
+                          <a:latin typeface="Leelawadee UI" panose="020B0502040204020203" pitchFamily="34" charset="-34"/>
+                          <a:cs typeface="Leelawadee UI" panose="020B0502040204020203" pitchFamily="34" charset="-34"/>
+                        </a:rPr>
+                        <a:t>No. of swimming pool</a:t>
+                      </a:r>
+                      <a:endParaRPr lang="zh-CN" altLang="en-US" sz="3200" dirty="0">
+                        <a:latin typeface="Leelawadee UI" panose="020B0502040204020203" pitchFamily="34" charset="-34"/>
+                        <a:cs typeface="Leelawadee UI" panose="020B0502040204020203" pitchFamily="34" charset="-34"/>
+                      </a:endParaRPr>
+                    </a:p>
+                  </a:txBody>
+                  <a:tcPr>
+                    <a:lnL w="12700" cap="flat" cmpd="sng" algn="ctr">
+                      <a:solidFill>
+                        <a:schemeClr val="tx1"/>
+                      </a:solidFill>
+                      <a:prstDash val="solid"/>
+                      <a:round/>
+                      <a:headEnd type="none" w="med" len="med"/>
+                      <a:tailEnd type="none" w="med" len="med"/>
+                    </a:lnL>
+                    <a:lnR w="12700" cap="flat" cmpd="sng" algn="ctr">
+                      <a:solidFill>
+                        <a:schemeClr val="tx1"/>
+                      </a:solidFill>
+                      <a:prstDash val="solid"/>
+                      <a:round/>
+                      <a:headEnd type="none" w="med" len="med"/>
+                      <a:tailEnd type="none" w="med" len="med"/>
+                    </a:lnR>
+                    <a:lnT w="12700" cap="flat" cmpd="sng" algn="ctr">
+                      <a:solidFill>
+                        <a:schemeClr val="tx1"/>
+                      </a:solidFill>
+                      <a:prstDash val="solid"/>
+                      <a:round/>
+                      <a:headEnd type="none" w="med" len="med"/>
+                      <a:tailEnd type="none" w="med" len="med"/>
+                    </a:lnT>
+                    <a:lnB w="12700" cap="flat" cmpd="sng" algn="ctr">
+                      <a:solidFill>
+                        <a:schemeClr val="tx1"/>
+                      </a:solidFill>
+                      <a:prstDash val="solid"/>
+                      <a:round/>
+                      <a:headEnd type="none" w="med" len="med"/>
+                      <a:tailEnd type="none" w="med" len="med"/>
+                    </a:lnB>
+                    <a:noFill/>
+                  </a:tcPr>
+                </a:tc>
+                <a:tc>
+                  <a:txBody>
+                    <a:bodyPr/>
+                    <a:lstStyle/>
+                    <a:p>
+                      <a:pPr algn="ctr"/>
+                      <a:r>
+                        <a:rPr lang="en-US" altLang="zh-CN" sz="3200" dirty="0">
+                          <a:latin typeface="Leelawadee UI" panose="020B0502040204020203" pitchFamily="34" charset="-34"/>
+                          <a:cs typeface="Leelawadee UI" panose="020B0502040204020203" pitchFamily="34" charset="-34"/>
+                        </a:rPr>
+                        <a:t>0.019961379242068346</a:t>
+                      </a:r>
+                    </a:p>
+                  </a:txBody>
+                  <a:tcPr>
+                    <a:lnL w="12700" cap="flat" cmpd="sng" algn="ctr">
+                      <a:solidFill>
+                        <a:schemeClr val="tx1"/>
+                      </a:solidFill>
+                      <a:prstDash val="solid"/>
+                      <a:round/>
+                      <a:headEnd type="none" w="med" len="med"/>
+                      <a:tailEnd type="none" w="med" len="med"/>
+                    </a:lnL>
+                    <a:lnR w="12700" cap="flat" cmpd="sng" algn="ctr">
+                      <a:solidFill>
+                        <a:schemeClr val="tx1"/>
+                      </a:solidFill>
+                      <a:prstDash val="solid"/>
+                      <a:round/>
+                      <a:headEnd type="none" w="med" len="med"/>
+                      <a:tailEnd type="none" w="med" len="med"/>
+                    </a:lnR>
+                    <a:lnT w="12700" cap="flat" cmpd="sng" algn="ctr">
+                      <a:solidFill>
+                        <a:schemeClr val="tx1"/>
+                      </a:solidFill>
+                      <a:prstDash val="solid"/>
+                      <a:round/>
+                      <a:headEnd type="none" w="med" len="med"/>
+                      <a:tailEnd type="none" w="med" len="med"/>
+                    </a:lnT>
+                    <a:lnB w="12700" cap="flat" cmpd="sng" algn="ctr">
+                      <a:solidFill>
+                        <a:schemeClr val="tx1"/>
+                      </a:solidFill>
+                      <a:prstDash val="solid"/>
+                      <a:round/>
+                      <a:headEnd type="none" w="med" len="med"/>
+                      <a:tailEnd type="none" w="med" len="med"/>
+                    </a:lnB>
+                    <a:noFill/>
+                  </a:tcPr>
+                </a:tc>
+                <a:extLst>
+                  <a:ext uri="{0D108BD9-81ED-4DB2-BD59-A6C34878D82A}">
+                    <a16:rowId xmlns:a16="http://schemas.microsoft.com/office/drawing/2014/main" val="1025236595"/>
+                  </a:ext>
+                </a:extLst>
+              </a:tr>
+              <a:tr h="466949">
+                <a:tc>
+                  <a:txBody>
+                    <a:bodyPr/>
+                    <a:lstStyle/>
+                    <a:p>
+                      <a:pPr marL="0" marR="0" lvl="0" indent="0" algn="ctr" defTabSz="3657600" rtl="0" eaLnBrk="1" fontAlgn="auto" latinLnBrk="0" hangingPunct="1">
+                        <a:lnSpc>
+                          <a:spcPct val="100000"/>
+                        </a:lnSpc>
+                        <a:spcBef>
+                          <a:spcPts val="0"/>
+                        </a:spcBef>
+                        <a:spcAft>
+                          <a:spcPts val="0"/>
+                        </a:spcAft>
+                        <a:buClrTx/>
+                        <a:buSzTx/>
+                        <a:buFontTx/>
+                        <a:buNone/>
+                        <a:tabLst/>
+                        <a:defRPr/>
+                      </a:pPr>
+                      <a:r>
+                        <a:rPr lang="en-US" altLang="zh-CN" sz="3200" dirty="0">
+                          <a:latin typeface="Leelawadee UI" panose="020B0502040204020203" pitchFamily="34" charset="-34"/>
+                          <a:cs typeface="Leelawadee UI" panose="020B0502040204020203" pitchFamily="34" charset="-34"/>
+                        </a:rPr>
+                        <a:t>No. of public school</a:t>
+                      </a:r>
+                      <a:endParaRPr lang="zh-CN" altLang="en-US" sz="3200" dirty="0">
+                        <a:latin typeface="Leelawadee UI" panose="020B0502040204020203" pitchFamily="34" charset="-34"/>
+                        <a:cs typeface="Leelawadee UI" panose="020B0502040204020203" pitchFamily="34" charset="-34"/>
+                      </a:endParaRPr>
+                    </a:p>
+                  </a:txBody>
+                  <a:tcPr>
+                    <a:lnL w="12700" cap="flat" cmpd="sng" algn="ctr">
+                      <a:solidFill>
+                        <a:schemeClr val="tx1"/>
+                      </a:solidFill>
+                      <a:prstDash val="solid"/>
+                      <a:round/>
+                      <a:headEnd type="none" w="med" len="med"/>
+                      <a:tailEnd type="none" w="med" len="med"/>
+                    </a:lnL>
+                    <a:lnR w="12700" cap="flat" cmpd="sng" algn="ctr">
+                      <a:solidFill>
+                        <a:schemeClr val="tx1"/>
+                      </a:solidFill>
+                      <a:prstDash val="solid"/>
+                      <a:round/>
+                      <a:headEnd type="none" w="med" len="med"/>
+                      <a:tailEnd type="none" w="med" len="med"/>
+                    </a:lnR>
+                    <a:lnT w="12700" cap="flat" cmpd="sng" algn="ctr">
+                      <a:solidFill>
+                        <a:schemeClr val="tx1"/>
+                      </a:solidFill>
+                      <a:prstDash val="solid"/>
+                      <a:round/>
+                      <a:headEnd type="none" w="med" len="med"/>
+                      <a:tailEnd type="none" w="med" len="med"/>
+                    </a:lnT>
+                    <a:lnB w="12700" cap="flat" cmpd="sng" algn="ctr">
+                      <a:solidFill>
+                        <a:schemeClr val="tx1"/>
+                      </a:solidFill>
+                      <a:prstDash val="solid"/>
+                      <a:round/>
+                      <a:headEnd type="none" w="med" len="med"/>
+                      <a:tailEnd type="none" w="med" len="med"/>
+                    </a:lnB>
+                    <a:noFill/>
+                  </a:tcPr>
+                </a:tc>
+                <a:tc>
+                  <a:txBody>
+                    <a:bodyPr/>
+                    <a:lstStyle/>
+                    <a:p>
+                      <a:pPr algn="ctr"/>
+                      <a:r>
+                        <a:rPr lang="en-US" altLang="zh-CN" sz="3200" dirty="0">
+                          <a:latin typeface="Leelawadee UI" panose="020B0502040204020203" pitchFamily="34" charset="-34"/>
+                          <a:cs typeface="Leelawadee UI" panose="020B0502040204020203" pitchFamily="34" charset="-34"/>
+                        </a:rPr>
+                        <a:t>-0.33146333954281415</a:t>
+                      </a:r>
+                    </a:p>
+                  </a:txBody>
+                  <a:tcPr>
+                    <a:lnL w="12700" cap="flat" cmpd="sng" algn="ctr">
+                      <a:solidFill>
+                        <a:schemeClr val="tx1"/>
+                      </a:solidFill>
+                      <a:prstDash val="solid"/>
+                      <a:round/>
+                      <a:headEnd type="none" w="med" len="med"/>
+                      <a:tailEnd type="none" w="med" len="med"/>
+                    </a:lnL>
+                    <a:lnR w="12700" cap="flat" cmpd="sng" algn="ctr">
+                      <a:solidFill>
+                        <a:schemeClr val="tx1"/>
+                      </a:solidFill>
+                      <a:prstDash val="solid"/>
+                      <a:round/>
+                      <a:headEnd type="none" w="med" len="med"/>
+                      <a:tailEnd type="none" w="med" len="med"/>
+                    </a:lnR>
+                    <a:lnT w="12700" cap="flat" cmpd="sng" algn="ctr">
+                      <a:solidFill>
+                        <a:schemeClr val="tx1"/>
+                      </a:solidFill>
+                      <a:prstDash val="solid"/>
+                      <a:round/>
+                      <a:headEnd type="none" w="med" len="med"/>
+                      <a:tailEnd type="none" w="med" len="med"/>
+                    </a:lnT>
+                    <a:lnB w="12700" cap="flat" cmpd="sng" algn="ctr">
+                      <a:solidFill>
+                        <a:schemeClr val="tx1"/>
+                      </a:solidFill>
+                      <a:prstDash val="solid"/>
+                      <a:round/>
+                      <a:headEnd type="none" w="med" len="med"/>
+                      <a:tailEnd type="none" w="med" len="med"/>
+                    </a:lnB>
+                    <a:noFill/>
+                  </a:tcPr>
+                </a:tc>
+                <a:extLst>
+                  <a:ext uri="{0D108BD9-81ED-4DB2-BD59-A6C34878D82A}">
+                    <a16:rowId xmlns:a16="http://schemas.microsoft.com/office/drawing/2014/main" val="1159867988"/>
+                  </a:ext>
+                </a:extLst>
+              </a:tr>
+              <a:tr h="466949">
+                <a:tc>
+                  <a:txBody>
+                    <a:bodyPr/>
+                    <a:lstStyle/>
+                    <a:p>
+                      <a:pPr marL="0" marR="0" lvl="0" indent="0" algn="ctr" defTabSz="3657600" rtl="0" eaLnBrk="1" fontAlgn="auto" latinLnBrk="0" hangingPunct="1">
+                        <a:lnSpc>
+                          <a:spcPct val="100000"/>
+                        </a:lnSpc>
+                        <a:spcBef>
+                          <a:spcPts val="0"/>
+                        </a:spcBef>
+                        <a:spcAft>
+                          <a:spcPts val="0"/>
+                        </a:spcAft>
+                        <a:buClrTx/>
+                        <a:buSzTx/>
+                        <a:buFontTx/>
+                        <a:buNone/>
+                        <a:tabLst/>
+                        <a:defRPr/>
+                      </a:pPr>
+                      <a:r>
+                        <a:rPr lang="en-US" altLang="zh-CN" sz="3200" dirty="0">
+                          <a:latin typeface="Leelawadee UI" panose="020B0502040204020203" pitchFamily="34" charset="-34"/>
+                          <a:cs typeface="Leelawadee UI" panose="020B0502040204020203" pitchFamily="34" charset="-34"/>
+                        </a:rPr>
+                        <a:t>No. of police station</a:t>
+                      </a:r>
+                      <a:endParaRPr lang="zh-CN" altLang="en-US" sz="3200" dirty="0">
+                        <a:latin typeface="Leelawadee UI" panose="020B0502040204020203" pitchFamily="34" charset="-34"/>
+                        <a:cs typeface="Leelawadee UI" panose="020B0502040204020203" pitchFamily="34" charset="-34"/>
+                      </a:endParaRPr>
+                    </a:p>
+                  </a:txBody>
+                  <a:tcPr>
+                    <a:lnL w="12700" cap="flat" cmpd="sng" algn="ctr">
+                      <a:solidFill>
+                        <a:schemeClr val="tx1"/>
+                      </a:solidFill>
+                      <a:prstDash val="solid"/>
+                      <a:round/>
+                      <a:headEnd type="none" w="med" len="med"/>
+                      <a:tailEnd type="none" w="med" len="med"/>
+                    </a:lnL>
+                    <a:lnR w="12700" cap="flat" cmpd="sng" algn="ctr">
+                      <a:solidFill>
+                        <a:schemeClr val="tx1"/>
+                      </a:solidFill>
+                      <a:prstDash val="solid"/>
+                      <a:round/>
+                      <a:headEnd type="none" w="med" len="med"/>
+                      <a:tailEnd type="none" w="med" len="med"/>
+                    </a:lnR>
+                    <a:lnT w="12700" cap="flat" cmpd="sng" algn="ctr">
+                      <a:solidFill>
+                        <a:schemeClr val="tx1"/>
+                      </a:solidFill>
+                      <a:prstDash val="solid"/>
+                      <a:round/>
+                      <a:headEnd type="none" w="med" len="med"/>
+                      <a:tailEnd type="none" w="med" len="med"/>
+                    </a:lnT>
+                    <a:lnB w="12700" cap="flat" cmpd="sng" algn="ctr">
+                      <a:solidFill>
+                        <a:schemeClr val="tx1"/>
+                      </a:solidFill>
+                      <a:prstDash val="solid"/>
+                      <a:round/>
+                      <a:headEnd type="none" w="med" len="med"/>
+                      <a:tailEnd type="none" w="med" len="med"/>
+                    </a:lnB>
+                    <a:noFill/>
+                  </a:tcPr>
+                </a:tc>
+                <a:tc>
+                  <a:txBody>
+                    <a:bodyPr/>
+                    <a:lstStyle/>
+                    <a:p>
+                      <a:pPr algn="ctr"/>
+                      <a:r>
+                        <a:rPr lang="en-US" altLang="zh-CN" sz="3200" dirty="0">
+                          <a:latin typeface="Leelawadee UI" panose="020B0502040204020203" pitchFamily="34" charset="-34"/>
+                          <a:cs typeface="Leelawadee UI" panose="020B0502040204020203" pitchFamily="34" charset="-34"/>
+                        </a:rPr>
+                        <a:t>-0.122010212532738</a:t>
+                      </a:r>
+                    </a:p>
+                  </a:txBody>
+                  <a:tcPr>
+                    <a:lnL w="12700" cap="flat" cmpd="sng" algn="ctr">
+                      <a:solidFill>
+                        <a:schemeClr val="tx1"/>
+                      </a:solidFill>
+                      <a:prstDash val="solid"/>
+                      <a:round/>
+                      <a:headEnd type="none" w="med" len="med"/>
+                      <a:tailEnd type="none" w="med" len="med"/>
+                    </a:lnL>
+                    <a:lnR w="12700" cap="flat" cmpd="sng" algn="ctr">
+                      <a:solidFill>
+                        <a:schemeClr val="tx1"/>
+                      </a:solidFill>
+                      <a:prstDash val="solid"/>
+                      <a:round/>
+                      <a:headEnd type="none" w="med" len="med"/>
+                      <a:tailEnd type="none" w="med" len="med"/>
+                    </a:lnR>
+                    <a:lnT w="12700" cap="flat" cmpd="sng" algn="ctr">
+                      <a:solidFill>
+                        <a:schemeClr val="tx1"/>
+                      </a:solidFill>
+                      <a:prstDash val="solid"/>
+                      <a:round/>
+                      <a:headEnd type="none" w="med" len="med"/>
+                      <a:tailEnd type="none" w="med" len="med"/>
+                    </a:lnT>
+                    <a:lnB w="12700" cap="flat" cmpd="sng" algn="ctr">
+                      <a:solidFill>
+                        <a:schemeClr val="tx1"/>
+                      </a:solidFill>
+                      <a:prstDash val="solid"/>
+                      <a:round/>
+                      <a:headEnd type="none" w="med" len="med"/>
+                      <a:tailEnd type="none" w="med" len="med"/>
+                    </a:lnB>
+                    <a:noFill/>
+                  </a:tcPr>
+                </a:tc>
+                <a:extLst>
+                  <a:ext uri="{0D108BD9-81ED-4DB2-BD59-A6C34878D82A}">
+                    <a16:rowId xmlns:a16="http://schemas.microsoft.com/office/drawing/2014/main" val="4009067094"/>
+                  </a:ext>
+                </a:extLst>
+              </a:tr>
+            </a:tbl>
+          </a:graphicData>
+        </a:graphic>
+      </p:graphicFrame>
+      <p:pic>
+        <p:nvPicPr>
+          <p:cNvPr id="5" name="图片 4">
+            <a:extLst>
+              <a:ext uri="{FF2B5EF4-FFF2-40B4-BE49-F238E27FC236}">
+                <a16:creationId xmlns:a16="http://schemas.microsoft.com/office/drawing/2014/main" id="{D2A04898-AABC-4B27-A651-3E34F1B82169}"/>
+              </a:ext>
+            </a:extLst>
+          </p:cNvPr>
+          <p:cNvPicPr>
+            <a:picLocks noChangeAspect="1"/>
+          </p:cNvPicPr>
+          <p:nvPr/>
+        </p:nvPicPr>
+        <p:blipFill>
+          <a:blip r:embed="rId5"/>
+          <a:stretch>
+            <a:fillRect/>
+          </a:stretch>
+        </p:blipFill>
+        <p:spPr>
+          <a:xfrm>
+            <a:off x="25069800" y="8353118"/>
+            <a:ext cx="6400800" cy="5944875"/>
+          </a:xfrm>
+          <a:prstGeom prst="rect">
+            <a:avLst/>
+          </a:prstGeom>
+        </p:spPr>
+      </p:pic>
     </p:spTree>
   </p:cSld>
   <p:clrMapOvr>

--- a/504_Poster.pptx
+++ b/504_Poster.pptx
@@ -237,7 +237,7 @@
               </a14:hiddenEffects>
             </a:ext>
             <a:ext uri="{FAA26D3D-D897-4be2-8F04-BA451C77F1D7}">
-              <ma14:placeholderFlag xmlns="" xmlns:ma14="http://schemas.microsoft.com/office/mac/drawingml/2011/main" val="1"/>
+              <ma14:placeholderFlag xmlns:ma14="http://schemas.microsoft.com/office/mac/drawingml/2011/main" xmlns="" val="1"/>
             </a:ext>
           </a:extLst>
         </p:spPr>
@@ -295,7 +295,7 @@
               </a14:hiddenEffects>
             </a:ext>
             <a:ext uri="{FAA26D3D-D897-4be2-8F04-BA451C77F1D7}">
-              <ma14:placeholderFlag xmlns="" xmlns:ma14="http://schemas.microsoft.com/office/mac/drawingml/2011/main" val="1"/>
+              <ma14:placeholderFlag xmlns:ma14="http://schemas.microsoft.com/office/mac/drawingml/2011/main" xmlns="" val="1"/>
             </a:ext>
           </a:extLst>
         </p:spPr>
@@ -365,7 +365,7 @@
               </a14:hiddenEffects>
             </a:ext>
             <a:ext uri="{FAA26D3D-D897-4be2-8F04-BA451C77F1D7}">
-              <ma14:placeholderFlag xmlns="" xmlns:ma14="http://schemas.microsoft.com/office/mac/drawingml/2011/main" val="1"/>
+              <ma14:placeholderFlag xmlns:ma14="http://schemas.microsoft.com/office/mac/drawingml/2011/main" xmlns="" val="1"/>
             </a:ext>
           </a:extLst>
         </p:spPr>
@@ -454,7 +454,7 @@
               </a14:hiddenEffects>
             </a:ext>
             <a:ext uri="{FAA26D3D-D897-4be2-8F04-BA451C77F1D7}">
-              <ma14:placeholderFlag xmlns="" xmlns:ma14="http://schemas.microsoft.com/office/mac/drawingml/2011/main" val="1"/>
+              <ma14:placeholderFlag xmlns:ma14="http://schemas.microsoft.com/office/mac/drawingml/2011/main" xmlns="" val="1"/>
             </a:ext>
           </a:extLst>
         </p:spPr>
@@ -543,7 +543,7 @@
               </a14:hiddenEffects>
             </a:ext>
             <a:ext uri="{FAA26D3D-D897-4be2-8F04-BA451C77F1D7}">
-              <ma14:placeholderFlag xmlns="" xmlns:ma14="http://schemas.microsoft.com/office/mac/drawingml/2011/main" val="1"/>
+              <ma14:placeholderFlag xmlns:ma14="http://schemas.microsoft.com/office/mac/drawingml/2011/main" xmlns="" val="1"/>
             </a:ext>
           </a:extLst>
         </p:spPr>
@@ -632,7 +632,7 @@
               </a14:hiddenEffects>
             </a:ext>
             <a:ext uri="{FAA26D3D-D897-4be2-8F04-BA451C77F1D7}">
-              <ma14:placeholderFlag xmlns="" xmlns:ma14="http://schemas.microsoft.com/office/mac/drawingml/2011/main" val="1"/>
+              <ma14:placeholderFlag xmlns:ma14="http://schemas.microsoft.com/office/mac/drawingml/2011/main" xmlns="" val="1"/>
             </a:ext>
           </a:extLst>
         </p:spPr>
@@ -4960,7 +4960,7 @@
         </p:nvSpPr>
         <p:spPr>
           <a:xfrm>
-            <a:off x="1543042" y="15073185"/>
+            <a:off x="1541812" y="15888234"/>
             <a:ext cx="10382242" cy="769441"/>
           </a:xfrm>
           <a:prstGeom prst="rect">
@@ -5231,7 +5231,7 @@
         </p:nvSpPr>
         <p:spPr>
           <a:xfrm>
-            <a:off x="1590889" y="15849348"/>
+            <a:off x="1560854" y="16707758"/>
             <a:ext cx="10363200" cy="3477875"/>
           </a:xfrm>
           <a:prstGeom prst="roundRect">
@@ -5932,7 +5932,7 @@
         </p:nvSpPr>
         <p:spPr>
           <a:xfrm>
-            <a:off x="1575048" y="19403758"/>
+            <a:off x="1545660" y="20592773"/>
             <a:ext cx="10350250" cy="769441"/>
           </a:xfrm>
           <a:prstGeom prst="rect">
@@ -6391,8 +6391,8 @@
         </p:blipFill>
         <p:spPr>
           <a:xfrm>
-            <a:off x="2374311" y="7126634"/>
-            <a:ext cx="8610600" cy="7743905"/>
+            <a:off x="2263028" y="7141358"/>
+            <a:ext cx="8848289" cy="8315881"/>
           </a:xfrm>
           <a:prstGeom prst="rect">
             <a:avLst/>
@@ -6413,7 +6413,7 @@
         </p:nvSpPr>
         <p:spPr>
           <a:xfrm>
-            <a:off x="1575048" y="20256456"/>
+            <a:off x="1545172" y="21225381"/>
             <a:ext cx="10284002" cy="3477875"/>
           </a:xfrm>
           <a:prstGeom prst="roundRect">
